--- a/Causing Confusion in The Chinese Room.pptx
+++ b/Causing Confusion in The Chinese Room.pptx
@@ -26,6 +26,7 @@
     <p:sldId id="276" r:id="rId20"/>
     <p:sldId id="277" r:id="rId21"/>
     <p:sldId id="278" r:id="rId22"/>
+    <p:sldId id="279" r:id="rId23"/>
   </p:sldIdLst>
   <p:sldSz cx="12192000" cy="6858000"/>
   <p:notesSz cx="6858000" cy="9144000"/>
@@ -135,7 +136,7 @@
 <file path=ppt/revisionInfo.xml><?xml version="1.0" encoding="utf-8"?>
 <p1510:revInfo xmlns:a="http://schemas.openxmlformats.org/drawingml/2006/main" xmlns:r="http://schemas.openxmlformats.org/officeDocument/2006/relationships" xmlns:p1510="http://schemas.microsoft.com/office/powerpoint/2015/10/main">
   <p1510:revLst>
-    <p1510:client id="{3482D43A-F9E6-4372-80EF-8F2C5B4A56E6}" v="133" dt="2024-08-06T19:01:16.292"/>
+    <p1510:client id="{3482D43A-F9E6-4372-80EF-8F2C5B4A56E6}" v="140" dt="2024-08-06T19:31:24.191"/>
   </p1510:revLst>
 </p1510:revInfo>
 </file>
@@ -144,8 +145,8 @@
 <pc:chgInfo xmlns:a="http://schemas.openxmlformats.org/drawingml/2006/main" xmlns:r="http://schemas.openxmlformats.org/officeDocument/2006/relationships" xmlns:ac="http://schemas.microsoft.com/office/drawing/2013/main/command" xmlns:pc="http://schemas.microsoft.com/office/powerpoint/2013/main/command">
   <pc:docChgLst>
     <pc:chgData name="Nick Speelman" userId="be53a9c7-f211-4f5d-8a48-53fc06072468" providerId="ADAL" clId="{3482D43A-F9E6-4372-80EF-8F2C5B4A56E6}"/>
-    <pc:docChg chg="modSld">
-      <pc:chgData name="Nick Speelman" userId="be53a9c7-f211-4f5d-8a48-53fc06072468" providerId="ADAL" clId="{3482D43A-F9E6-4372-80EF-8F2C5B4A56E6}" dt="2024-08-06T19:01:29.222" v="136" actId="1076"/>
+    <pc:docChg chg="addSld modSld sldOrd">
+      <pc:chgData name="Nick Speelman" userId="be53a9c7-f211-4f5d-8a48-53fc06072468" providerId="ADAL" clId="{3482D43A-F9E6-4372-80EF-8F2C5B4A56E6}" dt="2024-08-06T19:31:24.191" v="153" actId="20577"/>
       <pc:docMkLst>
         <pc:docMk/>
       </pc:docMkLst>
@@ -172,7 +173,7 @@
         </pc:spChg>
       </pc:sldChg>
       <pc:sldChg chg="modSp mod modAnim">
-        <pc:chgData name="Nick Speelman" userId="be53a9c7-f211-4f5d-8a48-53fc06072468" providerId="ADAL" clId="{3482D43A-F9E6-4372-80EF-8F2C5B4A56E6}" dt="2024-08-06T19:01:29.222" v="136" actId="1076"/>
+        <pc:chgData name="Nick Speelman" userId="be53a9c7-f211-4f5d-8a48-53fc06072468" providerId="ADAL" clId="{3482D43A-F9E6-4372-80EF-8F2C5B4A56E6}" dt="2024-08-06T19:29:07.048" v="138"/>
         <pc:sldMkLst>
           <pc:docMk/>
           <pc:sldMk cId="2787830323" sldId="274"/>
@@ -183,6 +184,14 @@
             <pc:docMk/>
             <pc:sldMk cId="2787830323" sldId="274"/>
             <ac:spMk id="2" creationId="{D8FC4297-D4CC-111D-492F-83FC4CDB6853}"/>
+          </ac:spMkLst>
+        </pc:spChg>
+        <pc:spChg chg="mod">
+          <ac:chgData name="Nick Speelman" userId="be53a9c7-f211-4f5d-8a48-53fc06072468" providerId="ADAL" clId="{3482D43A-F9E6-4372-80EF-8F2C5B4A56E6}" dt="2024-08-06T19:29:07.048" v="138"/>
+          <ac:spMkLst>
+            <pc:docMk/>
+            <pc:sldMk cId="2787830323" sldId="274"/>
+            <ac:spMk id="3" creationId="{4102B76F-9632-FAAA-6303-BBBCC3F31025}"/>
           </ac:spMkLst>
         </pc:spChg>
         <pc:spChg chg="mod">
@@ -199,6 +208,44 @@
             <pc:docMk/>
             <pc:sldMk cId="2787830323" sldId="274"/>
             <ac:spMk id="6" creationId="{53533091-5F1F-B4C8-DF92-E9B2F69E4936}"/>
+          </ac:spMkLst>
+        </pc:spChg>
+      </pc:sldChg>
+      <pc:sldChg chg="modSp">
+        <pc:chgData name="Nick Speelman" userId="be53a9c7-f211-4f5d-8a48-53fc06072468" providerId="ADAL" clId="{3482D43A-F9E6-4372-80EF-8F2C5B4A56E6}" dt="2024-08-06T19:29:38.463" v="142" actId="20577"/>
+        <pc:sldMkLst>
+          <pc:docMk/>
+          <pc:sldMk cId="2444292967" sldId="275"/>
+        </pc:sldMkLst>
+        <pc:spChg chg="mod">
+          <ac:chgData name="Nick Speelman" userId="be53a9c7-f211-4f5d-8a48-53fc06072468" providerId="ADAL" clId="{3482D43A-F9E6-4372-80EF-8F2C5B4A56E6}" dt="2024-08-06T19:29:38.463" v="142" actId="20577"/>
+          <ac:spMkLst>
+            <pc:docMk/>
+            <pc:sldMk cId="2444292967" sldId="275"/>
+            <ac:spMk id="5" creationId="{D52F5335-6BA7-04EC-9FF0-ABF24D77ABAD}"/>
+          </ac:spMkLst>
+        </pc:spChg>
+      </pc:sldChg>
+      <pc:sldChg chg="modSp add mod ord modAnim">
+        <pc:chgData name="Nick Speelman" userId="be53a9c7-f211-4f5d-8a48-53fc06072468" providerId="ADAL" clId="{3482D43A-F9E6-4372-80EF-8F2C5B4A56E6}" dt="2024-08-06T19:31:24.191" v="153" actId="20577"/>
+        <pc:sldMkLst>
+          <pc:docMk/>
+          <pc:sldMk cId="1988119996" sldId="279"/>
+        </pc:sldMkLst>
+        <pc:spChg chg="mod">
+          <ac:chgData name="Nick Speelman" userId="be53a9c7-f211-4f5d-8a48-53fc06072468" providerId="ADAL" clId="{3482D43A-F9E6-4372-80EF-8F2C5B4A56E6}" dt="2024-08-06T19:31:19.122" v="152" actId="20577"/>
+          <ac:spMkLst>
+            <pc:docMk/>
+            <pc:sldMk cId="1988119996" sldId="279"/>
+            <ac:spMk id="4" creationId="{77080312-A8CF-A0B7-3DBA-A48AF41BFF78}"/>
+          </ac:spMkLst>
+        </pc:spChg>
+        <pc:spChg chg="mod">
+          <ac:chgData name="Nick Speelman" userId="be53a9c7-f211-4f5d-8a48-53fc06072468" providerId="ADAL" clId="{3482D43A-F9E6-4372-80EF-8F2C5B4A56E6}" dt="2024-08-06T19:31:24.191" v="153" actId="20577"/>
+          <ac:spMkLst>
+            <pc:docMk/>
+            <pc:sldMk cId="1988119996" sldId="279"/>
+            <ac:spMk id="5" creationId="{D52F5335-6BA7-04EC-9FF0-ABF24D77ABAD}"/>
           </ac:spMkLst>
         </pc:spChg>
       </pc:sldChg>
@@ -13639,7 +13686,7 @@
             </a:r>
             <a:r>
               <a:rPr lang="en-US" sz="2400" dirty="0"/>
-              <a:t> at: </a:t>
+              <a:t> at:  https://github.com/nickspeelman/CRA_bot</a:t>
             </a:r>
           </a:p>
         </p:txBody>
@@ -15026,7 +15073,7 @@
             </a:pPr>
             <a:r>
               <a:rPr lang="en-US" sz="3200" dirty="0"/>
-              <a:t>Failure would confirm a lack of understanding</a:t>
+              <a:t>Failure = A lack of understanding</a:t>
             </a:r>
           </a:p>
           <a:p>
@@ -18080,6 +18127,742 @@
   <p:clrMapOvr>
     <a:masterClrMapping/>
   </p:clrMapOvr>
+</p:sld>
+</file>
+
+<file path=ppt/slides/slide22.xml><?xml version="1.0" encoding="utf-8"?>
+<p:sld xmlns:a="http://schemas.openxmlformats.org/drawingml/2006/main" xmlns:r="http://schemas.openxmlformats.org/officeDocument/2006/relationships" xmlns:p="http://schemas.openxmlformats.org/presentationml/2006/main">
+  <p:cSld>
+    <p:spTree>
+      <p:nvGrpSpPr>
+        <p:cNvPr id="1" name=""/>
+        <p:cNvGrpSpPr/>
+        <p:nvPr/>
+      </p:nvGrpSpPr>
+      <p:grpSpPr>
+        <a:xfrm>
+          <a:off x="0" y="0"/>
+          <a:ext cx="0" cy="0"/>
+          <a:chOff x="0" y="0"/>
+          <a:chExt cx="0" cy="0"/>
+        </a:xfrm>
+      </p:grpSpPr>
+      <p:sp>
+        <p:nvSpPr>
+          <p:cNvPr id="4" name="Title 1">
+            <a:extLst>
+              <a:ext uri="{FF2B5EF4-FFF2-40B4-BE49-F238E27FC236}">
+                <a16:creationId xmlns:a16="http://schemas.microsoft.com/office/drawing/2014/main" id="{77080312-A8CF-A0B7-3DBA-A48AF41BFF78}"/>
+              </a:ext>
+            </a:extLst>
+          </p:cNvPr>
+          <p:cNvSpPr txBox="1">
+            <a:spLocks/>
+          </p:cNvSpPr>
+          <p:nvPr/>
+        </p:nvSpPr>
+        <p:spPr>
+          <a:xfrm>
+            <a:off x="872400" y="771600"/>
+            <a:ext cx="10728322" cy="652039"/>
+          </a:xfrm>
+          <a:prstGeom prst="rect">
+            <a:avLst/>
+          </a:prstGeom>
+        </p:spPr>
+        <p:txBody>
+          <a:bodyPr vert="horz" wrap="square" lIns="0" tIns="0" rIns="0" bIns="0" rtlCol="0" anchor="t" anchorCtr="0">
+            <a:normAutofit/>
+          </a:bodyPr>
+          <a:lstStyle>
+            <a:lvl1pPr algn="l" defTabSz="914400" rtl="0" eaLnBrk="1" latinLnBrk="0" hangingPunct="1">
+              <a:lnSpc>
+                <a:spcPct val="88000"/>
+              </a:lnSpc>
+              <a:spcBef>
+                <a:spcPct val="0"/>
+              </a:spcBef>
+              <a:buNone/>
+              <a:defRPr sz="4400" kern="1200" cap="none" spc="40" baseline="0">
+                <a:solidFill>
+                  <a:schemeClr val="tx1"/>
+                </a:solidFill>
+                <a:latin typeface="+mj-lt"/>
+                <a:ea typeface="+mj-ea"/>
+                <a:cs typeface="+mj-cs"/>
+              </a:defRPr>
+            </a:lvl1pPr>
+          </a:lstStyle>
+          <a:p>
+            <a:r>
+              <a:rPr lang="en-US" sz="4400" u="sng" dirty="0"/>
+              <a:t>Results</a:t>
+            </a:r>
+            <a:endParaRPr lang="en-US" sz="3200" u="sng" dirty="0"/>
+          </a:p>
+        </p:txBody>
+      </p:sp>
+      <p:sp>
+        <p:nvSpPr>
+          <p:cNvPr id="8" name="Title 7" hidden="1">
+            <a:extLst>
+              <a:ext uri="{FF2B5EF4-FFF2-40B4-BE49-F238E27FC236}">
+                <a16:creationId xmlns:a16="http://schemas.microsoft.com/office/drawing/2014/main" id="{FC785BE3-7FF9-32E3-3E1C-3BAE746271A5}"/>
+              </a:ext>
+            </a:extLst>
+          </p:cNvPr>
+          <p:cNvSpPr>
+            <a:spLocks noGrp="1"/>
+          </p:cNvSpPr>
+          <p:nvPr>
+            <p:ph type="title"/>
+          </p:nvPr>
+        </p:nvSpPr>
+        <p:spPr/>
+        <p:txBody>
+          <a:bodyPr/>
+          <a:lstStyle/>
+          <a:p>
+            <a:endParaRPr lang="en-US" dirty="0"/>
+          </a:p>
+        </p:txBody>
+      </p:sp>
+      <p:sp>
+        <p:nvSpPr>
+          <p:cNvPr id="11" name="Content Placeholder 9" hidden="1">
+            <a:extLst>
+              <a:ext uri="{FF2B5EF4-FFF2-40B4-BE49-F238E27FC236}">
+                <a16:creationId xmlns:a16="http://schemas.microsoft.com/office/drawing/2014/main" id="{3A23DB2C-2365-3AB7-158E-8B2FD9574793}"/>
+              </a:ext>
+            </a:extLst>
+          </p:cNvPr>
+          <p:cNvSpPr txBox="1">
+            <a:spLocks/>
+          </p:cNvSpPr>
+          <p:nvPr/>
+        </p:nvSpPr>
+        <p:spPr>
+          <a:xfrm>
+            <a:off x="872400" y="3949292"/>
+            <a:ext cx="10728325" cy="2137108"/>
+          </a:xfrm>
+          <a:prstGeom prst="rect">
+            <a:avLst/>
+          </a:prstGeom>
+        </p:spPr>
+        <p:txBody>
+          <a:bodyPr vert="horz" lIns="0" tIns="0" rIns="0" bIns="0" rtlCol="0">
+            <a:normAutofit/>
+          </a:bodyPr>
+          <a:lstStyle>
+            <a:lvl1pPr marL="228600" indent="-228600" algn="l" defTabSz="914400" rtl="0" eaLnBrk="1" latinLnBrk="0" hangingPunct="1">
+              <a:lnSpc>
+                <a:spcPct val="120000"/>
+              </a:lnSpc>
+              <a:spcBef>
+                <a:spcPts val="1000"/>
+              </a:spcBef>
+              <a:buClr>
+                <a:schemeClr val="accent4"/>
+              </a:buClr>
+              <a:buFont typeface="The Hand Extrablack" panose="03070A02030502020204" pitchFamily="66" charset="0"/>
+              <a:buChar char="•"/>
+              <a:defRPr sz="2000" kern="1200" spc="20" baseline="0">
+                <a:solidFill>
+                  <a:schemeClr val="tx1">
+                    <a:alpha val="58000"/>
+                  </a:schemeClr>
+                </a:solidFill>
+                <a:latin typeface="+mn-lt"/>
+                <a:ea typeface="+mn-ea"/>
+                <a:cs typeface="+mn-cs"/>
+              </a:defRPr>
+            </a:lvl1pPr>
+            <a:lvl2pPr marL="685800" indent="-228600" algn="l" defTabSz="914400" rtl="0" eaLnBrk="1" latinLnBrk="0" hangingPunct="1">
+              <a:lnSpc>
+                <a:spcPct val="120000"/>
+              </a:lnSpc>
+              <a:spcBef>
+                <a:spcPts val="500"/>
+              </a:spcBef>
+              <a:buClr>
+                <a:schemeClr val="accent4"/>
+              </a:buClr>
+              <a:buFont typeface="The Hand Extrablack" panose="03070A02030502020204" pitchFamily="66" charset="0"/>
+              <a:buChar char="•"/>
+              <a:defRPr sz="2000" kern="1200" spc="20" baseline="0">
+                <a:solidFill>
+                  <a:schemeClr val="tx1">
+                    <a:alpha val="58000"/>
+                  </a:schemeClr>
+                </a:solidFill>
+                <a:latin typeface="+mn-lt"/>
+                <a:ea typeface="+mn-ea"/>
+                <a:cs typeface="+mn-cs"/>
+              </a:defRPr>
+            </a:lvl2pPr>
+            <a:lvl3pPr marL="1143000" indent="-228600" algn="l" defTabSz="914400" rtl="0" eaLnBrk="1" latinLnBrk="0" hangingPunct="1">
+              <a:lnSpc>
+                <a:spcPct val="120000"/>
+              </a:lnSpc>
+              <a:spcBef>
+                <a:spcPts val="500"/>
+              </a:spcBef>
+              <a:buClr>
+                <a:schemeClr val="accent4"/>
+              </a:buClr>
+              <a:buFont typeface="The Hand Extrablack" panose="03070A02030502020204" pitchFamily="66" charset="0"/>
+              <a:buChar char="•"/>
+              <a:defRPr sz="2000" kern="1200" spc="20" baseline="0">
+                <a:solidFill>
+                  <a:schemeClr val="tx1">
+                    <a:alpha val="58000"/>
+                  </a:schemeClr>
+                </a:solidFill>
+                <a:latin typeface="+mn-lt"/>
+                <a:ea typeface="+mn-ea"/>
+                <a:cs typeface="+mn-cs"/>
+              </a:defRPr>
+            </a:lvl3pPr>
+            <a:lvl4pPr marL="1600200" indent="-228600" algn="l" defTabSz="914400" rtl="0" eaLnBrk="1" latinLnBrk="0" hangingPunct="1">
+              <a:lnSpc>
+                <a:spcPct val="120000"/>
+              </a:lnSpc>
+              <a:spcBef>
+                <a:spcPts val="500"/>
+              </a:spcBef>
+              <a:buClr>
+                <a:schemeClr val="accent4"/>
+              </a:buClr>
+              <a:buFont typeface="The Hand Extrablack" panose="03070A02030502020204" pitchFamily="66" charset="0"/>
+              <a:buChar char="•"/>
+              <a:defRPr sz="2000" kern="1200" spc="20" baseline="0">
+                <a:solidFill>
+                  <a:schemeClr val="tx1">
+                    <a:alpha val="58000"/>
+                  </a:schemeClr>
+                </a:solidFill>
+                <a:latin typeface="+mn-lt"/>
+                <a:ea typeface="+mn-ea"/>
+                <a:cs typeface="+mn-cs"/>
+              </a:defRPr>
+            </a:lvl4pPr>
+            <a:lvl5pPr marL="2057400" indent="-228600" algn="l" defTabSz="914400" rtl="0" eaLnBrk="1" latinLnBrk="0" hangingPunct="1">
+              <a:lnSpc>
+                <a:spcPct val="120000"/>
+              </a:lnSpc>
+              <a:spcBef>
+                <a:spcPts val="500"/>
+              </a:spcBef>
+              <a:buClr>
+                <a:schemeClr val="accent4"/>
+              </a:buClr>
+              <a:buFont typeface="The Hand Extrablack" panose="03070A02030502020204" pitchFamily="66" charset="0"/>
+              <a:buChar char="•"/>
+              <a:defRPr sz="2000" kern="1200" spc="20" baseline="0">
+                <a:solidFill>
+                  <a:schemeClr val="tx1">
+                    <a:alpha val="58000"/>
+                  </a:schemeClr>
+                </a:solidFill>
+                <a:latin typeface="+mn-lt"/>
+                <a:ea typeface="+mn-ea"/>
+                <a:cs typeface="+mn-cs"/>
+              </a:defRPr>
+            </a:lvl5pPr>
+            <a:lvl6pPr marL="2514600" indent="-228600" algn="l" defTabSz="914400" rtl="0" eaLnBrk="1" latinLnBrk="0" hangingPunct="1">
+              <a:lnSpc>
+                <a:spcPct val="90000"/>
+              </a:lnSpc>
+              <a:spcBef>
+                <a:spcPts val="500"/>
+              </a:spcBef>
+              <a:buFont typeface="Arial" panose="020B0604020202020204" pitchFamily="34" charset="0"/>
+              <a:buChar char="•"/>
+              <a:defRPr sz="1800" kern="1200">
+                <a:solidFill>
+                  <a:schemeClr val="tx1"/>
+                </a:solidFill>
+                <a:latin typeface="+mn-lt"/>
+                <a:ea typeface="+mn-ea"/>
+                <a:cs typeface="+mn-cs"/>
+              </a:defRPr>
+            </a:lvl6pPr>
+            <a:lvl7pPr marL="2971800" indent="-228600" algn="l" defTabSz="914400" rtl="0" eaLnBrk="1" latinLnBrk="0" hangingPunct="1">
+              <a:lnSpc>
+                <a:spcPct val="90000"/>
+              </a:lnSpc>
+              <a:spcBef>
+                <a:spcPts val="500"/>
+              </a:spcBef>
+              <a:buFont typeface="Arial" panose="020B0604020202020204" pitchFamily="34" charset="0"/>
+              <a:buChar char="•"/>
+              <a:defRPr sz="1800" kern="1200">
+                <a:solidFill>
+                  <a:schemeClr val="tx1"/>
+                </a:solidFill>
+                <a:latin typeface="+mn-lt"/>
+                <a:ea typeface="+mn-ea"/>
+                <a:cs typeface="+mn-cs"/>
+              </a:defRPr>
+            </a:lvl7pPr>
+            <a:lvl8pPr marL="3429000" indent="-228600" algn="l" defTabSz="914400" rtl="0" eaLnBrk="1" latinLnBrk="0" hangingPunct="1">
+              <a:lnSpc>
+                <a:spcPct val="90000"/>
+              </a:lnSpc>
+              <a:spcBef>
+                <a:spcPts val="500"/>
+              </a:spcBef>
+              <a:buFont typeface="Arial" panose="020B0604020202020204" pitchFamily="34" charset="0"/>
+              <a:buChar char="•"/>
+              <a:defRPr sz="1800" kern="1200">
+                <a:solidFill>
+                  <a:schemeClr val="tx1"/>
+                </a:solidFill>
+                <a:latin typeface="+mn-lt"/>
+                <a:ea typeface="+mn-ea"/>
+                <a:cs typeface="+mn-cs"/>
+              </a:defRPr>
+            </a:lvl8pPr>
+            <a:lvl9pPr marL="3886200" indent="-228600" algn="l" defTabSz="914400" rtl="0" eaLnBrk="1" latinLnBrk="0" hangingPunct="1">
+              <a:lnSpc>
+                <a:spcPct val="90000"/>
+              </a:lnSpc>
+              <a:spcBef>
+                <a:spcPts val="500"/>
+              </a:spcBef>
+              <a:buFont typeface="Arial" panose="020B0604020202020204" pitchFamily="34" charset="0"/>
+              <a:buChar char="•"/>
+              <a:defRPr sz="1800" kern="1200">
+                <a:solidFill>
+                  <a:schemeClr val="tx1"/>
+                </a:solidFill>
+                <a:latin typeface="+mn-lt"/>
+                <a:ea typeface="+mn-ea"/>
+                <a:cs typeface="+mn-cs"/>
+              </a:defRPr>
+            </a:lvl9pPr>
+          </a:lstStyle>
+          <a:p>
+            <a:pPr marL="0" indent="0">
+              <a:buFont typeface="The Hand Extrablack" panose="03070A02030502020204" pitchFamily="66" charset="0"/>
+              <a:buNone/>
+            </a:pPr>
+            <a:endParaRPr lang="en-US" sz="3200" dirty="0"/>
+          </a:p>
+        </p:txBody>
+      </p:sp>
+      <p:sp>
+        <p:nvSpPr>
+          <p:cNvPr id="7" name="TextBox 6" hidden="1">
+            <a:extLst>
+              <a:ext uri="{FF2B5EF4-FFF2-40B4-BE49-F238E27FC236}">
+                <a16:creationId xmlns:a16="http://schemas.microsoft.com/office/drawing/2014/main" id="{1A2668D0-E600-B7B9-2054-4E147F93CC4C}"/>
+              </a:ext>
+            </a:extLst>
+          </p:cNvPr>
+          <p:cNvSpPr txBox="1"/>
+          <p:nvPr/>
+        </p:nvSpPr>
+        <p:spPr>
+          <a:xfrm>
+            <a:off x="694130" y="2290800"/>
+            <a:ext cx="10803742" cy="3416320"/>
+          </a:xfrm>
+          <a:prstGeom prst="rect">
+            <a:avLst/>
+          </a:prstGeom>
+          <a:noFill/>
+        </p:spPr>
+        <p:txBody>
+          <a:bodyPr wrap="square" rtlCol="0">
+            <a:spAutoFit/>
+          </a:bodyPr>
+          <a:lstStyle/>
+          <a:p>
+            <a:pPr marL="742950" indent="-742950">
+              <a:buAutoNum type="arabicPeriod"/>
+            </a:pPr>
+            <a:r>
+              <a:rPr lang="en-US" sz="3600" dirty="0"/>
+              <a:t>Create symbols that would cause a breakdown of the system if it is a Chinese Room.</a:t>
+            </a:r>
+          </a:p>
+          <a:p>
+            <a:pPr marL="742950" indent="-742950">
+              <a:buAutoNum type="arabicPeriod"/>
+            </a:pPr>
+            <a:r>
+              <a:rPr lang="en-US" sz="3600" dirty="0"/>
+              <a:t>Pass those symbols into the system.</a:t>
+            </a:r>
+          </a:p>
+          <a:p>
+            <a:pPr marL="742950" indent="-742950">
+              <a:buAutoNum type="arabicPeriod"/>
+            </a:pPr>
+            <a:r>
+              <a:rPr lang="en-US" sz="3600" dirty="0"/>
+              <a:t>Evaluate the quality of the symbols returned to us.</a:t>
+            </a:r>
+          </a:p>
+        </p:txBody>
+      </p:sp>
+      <p:sp>
+        <p:nvSpPr>
+          <p:cNvPr id="9" name="TextBox 8" hidden="1">
+            <a:extLst>
+              <a:ext uri="{FF2B5EF4-FFF2-40B4-BE49-F238E27FC236}">
+                <a16:creationId xmlns:a16="http://schemas.microsoft.com/office/drawing/2014/main" id="{16675A7C-A068-FF46-D6FE-81029E3D78F9}"/>
+              </a:ext>
+            </a:extLst>
+          </p:cNvPr>
+          <p:cNvSpPr txBox="1"/>
+          <p:nvPr/>
+        </p:nvSpPr>
+        <p:spPr>
+          <a:xfrm>
+            <a:off x="408100" y="1357864"/>
+            <a:ext cx="10803742" cy="830997"/>
+          </a:xfrm>
+          <a:prstGeom prst="rect">
+            <a:avLst/>
+          </a:prstGeom>
+          <a:noFill/>
+        </p:spPr>
+        <p:txBody>
+          <a:bodyPr wrap="square" rtlCol="0">
+            <a:spAutoFit/>
+          </a:bodyPr>
+          <a:lstStyle/>
+          <a:p>
+            <a:pPr algn="ctr"/>
+            <a:r>
+              <a:rPr lang="en-US" sz="4800" b="1" dirty="0"/>
+              <a:t>The Plan:</a:t>
+            </a:r>
+          </a:p>
+        </p:txBody>
+      </p:sp>
+      <p:sp>
+        <p:nvSpPr>
+          <p:cNvPr id="5" name="TextBox 4">
+            <a:extLst>
+              <a:ext uri="{FF2B5EF4-FFF2-40B4-BE49-F238E27FC236}">
+                <a16:creationId xmlns:a16="http://schemas.microsoft.com/office/drawing/2014/main" id="{D52F5335-6BA7-04EC-9FF0-ABF24D77ABAD}"/>
+              </a:ext>
+            </a:extLst>
+          </p:cNvPr>
+          <p:cNvSpPr txBox="1"/>
+          <p:nvPr/>
+        </p:nvSpPr>
+        <p:spPr>
+          <a:xfrm>
+            <a:off x="872400" y="1815525"/>
+            <a:ext cx="10728322" cy="1200329"/>
+          </a:xfrm>
+          <a:prstGeom prst="rect">
+            <a:avLst/>
+          </a:prstGeom>
+          <a:noFill/>
+        </p:spPr>
+        <p:txBody>
+          <a:bodyPr wrap="square" rtlCol="0">
+            <a:spAutoFit/>
+          </a:bodyPr>
+          <a:lstStyle/>
+          <a:p>
+            <a:br>
+              <a:rPr lang="en-US" sz="3600" dirty="0"/>
+            </a:br>
+            <a:endParaRPr lang="en-US" sz="3600" dirty="0"/>
+          </a:p>
+        </p:txBody>
+      </p:sp>
+    </p:spTree>
+    <p:extLst>
+      <p:ext uri="{BB962C8B-B14F-4D97-AF65-F5344CB8AC3E}">
+        <p14:creationId xmlns:p14="http://schemas.microsoft.com/office/powerpoint/2010/main" val="1988119996"/>
+      </p:ext>
+    </p:extLst>
+  </p:cSld>
+  <p:clrMapOvr>
+    <a:masterClrMapping/>
+  </p:clrMapOvr>
+  <p:timing>
+    <p:tnLst>
+      <p:par>
+        <p:cTn id="1" dur="indefinite" restart="never" nodeType="tmRoot">
+          <p:childTnLst>
+            <p:seq concurrent="1" nextAc="seek">
+              <p:cTn id="2" dur="indefinite" nodeType="mainSeq">
+                <p:childTnLst>
+                  <p:par>
+                    <p:cTn id="3" fill="hold">
+                      <p:stCondLst>
+                        <p:cond delay="indefinite"/>
+                      </p:stCondLst>
+                      <p:childTnLst>
+                        <p:par>
+                          <p:cTn id="4" fill="hold">
+                            <p:stCondLst>
+                              <p:cond delay="0"/>
+                            </p:stCondLst>
+                            <p:childTnLst>
+                              <p:par>
+                                <p:cTn id="5" presetID="14" presetClass="entr" presetSubtype="10" fill="hold" nodeType="clickEffect">
+                                  <p:stCondLst>
+                                    <p:cond delay="0"/>
+                                  </p:stCondLst>
+                                  <p:childTnLst>
+                                    <p:set>
+                                      <p:cBhvr>
+                                        <p:cTn id="6" dur="1" fill="hold">
+                                          <p:stCondLst>
+                                            <p:cond delay="0"/>
+                                          </p:stCondLst>
+                                        </p:cTn>
+                                        <p:tgtEl>
+                                          <p:spTgt spid="7">
+                                            <p:txEl>
+                                              <p:pRg st="0" end="0"/>
+                                            </p:txEl>
+                                          </p:spTgt>
+                                        </p:tgtEl>
+                                        <p:attrNameLst>
+                                          <p:attrName>style.visibility</p:attrName>
+                                        </p:attrNameLst>
+                                      </p:cBhvr>
+                                      <p:to>
+                                        <p:strVal val="visible"/>
+                                      </p:to>
+                                    </p:set>
+                                    <p:animEffect transition="in" filter="randombar(horizontal)">
+                                      <p:cBhvr>
+                                        <p:cTn id="7" dur="500"/>
+                                        <p:tgtEl>
+                                          <p:spTgt spid="7">
+                                            <p:txEl>
+                                              <p:pRg st="0" end="0"/>
+                                            </p:txEl>
+                                          </p:spTgt>
+                                        </p:tgtEl>
+                                      </p:cBhvr>
+                                    </p:animEffect>
+                                  </p:childTnLst>
+                                </p:cTn>
+                              </p:par>
+                            </p:childTnLst>
+                          </p:cTn>
+                        </p:par>
+                      </p:childTnLst>
+                    </p:cTn>
+                  </p:par>
+                  <p:par>
+                    <p:cTn id="8" fill="hold">
+                      <p:stCondLst>
+                        <p:cond delay="indefinite"/>
+                      </p:stCondLst>
+                      <p:childTnLst>
+                        <p:par>
+                          <p:cTn id="9" fill="hold">
+                            <p:stCondLst>
+                              <p:cond delay="0"/>
+                            </p:stCondLst>
+                            <p:childTnLst>
+                              <p:par>
+                                <p:cTn id="10" presetID="14" presetClass="entr" presetSubtype="10" fill="hold" nodeType="clickEffect">
+                                  <p:stCondLst>
+                                    <p:cond delay="0"/>
+                                  </p:stCondLst>
+                                  <p:childTnLst>
+                                    <p:set>
+                                      <p:cBhvr>
+                                        <p:cTn id="11" dur="1" fill="hold">
+                                          <p:stCondLst>
+                                            <p:cond delay="0"/>
+                                          </p:stCondLst>
+                                        </p:cTn>
+                                        <p:tgtEl>
+                                          <p:spTgt spid="7">
+                                            <p:txEl>
+                                              <p:pRg st="1" end="1"/>
+                                            </p:txEl>
+                                          </p:spTgt>
+                                        </p:tgtEl>
+                                        <p:attrNameLst>
+                                          <p:attrName>style.visibility</p:attrName>
+                                        </p:attrNameLst>
+                                      </p:cBhvr>
+                                      <p:to>
+                                        <p:strVal val="visible"/>
+                                      </p:to>
+                                    </p:set>
+                                    <p:animEffect transition="in" filter="randombar(horizontal)">
+                                      <p:cBhvr>
+                                        <p:cTn id="12" dur="500"/>
+                                        <p:tgtEl>
+                                          <p:spTgt spid="7">
+                                            <p:txEl>
+                                              <p:pRg st="1" end="1"/>
+                                            </p:txEl>
+                                          </p:spTgt>
+                                        </p:tgtEl>
+                                      </p:cBhvr>
+                                    </p:animEffect>
+                                  </p:childTnLst>
+                                </p:cTn>
+                              </p:par>
+                            </p:childTnLst>
+                          </p:cTn>
+                        </p:par>
+                      </p:childTnLst>
+                    </p:cTn>
+                  </p:par>
+                  <p:par>
+                    <p:cTn id="13" fill="hold">
+                      <p:stCondLst>
+                        <p:cond delay="indefinite"/>
+                      </p:stCondLst>
+                      <p:childTnLst>
+                        <p:par>
+                          <p:cTn id="14" fill="hold">
+                            <p:stCondLst>
+                              <p:cond delay="0"/>
+                            </p:stCondLst>
+                            <p:childTnLst>
+                              <p:par>
+                                <p:cTn id="15" presetID="14" presetClass="entr" presetSubtype="10" fill="hold" nodeType="clickEffect">
+                                  <p:stCondLst>
+                                    <p:cond delay="0"/>
+                                  </p:stCondLst>
+                                  <p:childTnLst>
+                                    <p:set>
+                                      <p:cBhvr>
+                                        <p:cTn id="16" dur="1" fill="hold">
+                                          <p:stCondLst>
+                                            <p:cond delay="0"/>
+                                          </p:stCondLst>
+                                        </p:cTn>
+                                        <p:tgtEl>
+                                          <p:spTgt spid="7">
+                                            <p:txEl>
+                                              <p:pRg st="2" end="2"/>
+                                            </p:txEl>
+                                          </p:spTgt>
+                                        </p:tgtEl>
+                                        <p:attrNameLst>
+                                          <p:attrName>style.visibility</p:attrName>
+                                        </p:attrNameLst>
+                                      </p:cBhvr>
+                                      <p:to>
+                                        <p:strVal val="visible"/>
+                                      </p:to>
+                                    </p:set>
+                                    <p:animEffect transition="in" filter="randombar(horizontal)">
+                                      <p:cBhvr>
+                                        <p:cTn id="17" dur="500"/>
+                                        <p:tgtEl>
+                                          <p:spTgt spid="7">
+                                            <p:txEl>
+                                              <p:pRg st="2" end="2"/>
+                                            </p:txEl>
+                                          </p:spTgt>
+                                        </p:tgtEl>
+                                      </p:cBhvr>
+                                    </p:animEffect>
+                                  </p:childTnLst>
+                                </p:cTn>
+                              </p:par>
+                            </p:childTnLst>
+                          </p:cTn>
+                        </p:par>
+                      </p:childTnLst>
+                    </p:cTn>
+                  </p:par>
+                  <p:par>
+                    <p:cTn id="18" fill="hold">
+                      <p:stCondLst>
+                        <p:cond delay="indefinite"/>
+                      </p:stCondLst>
+                      <p:childTnLst>
+                        <p:par>
+                          <p:cTn id="19" fill="hold">
+                            <p:stCondLst>
+                              <p:cond delay="0"/>
+                            </p:stCondLst>
+                            <p:childTnLst>
+                              <p:par>
+                                <p:cTn id="20" presetID="14" presetClass="entr" presetSubtype="10" fill="hold" nodeType="clickEffect">
+                                  <p:stCondLst>
+                                    <p:cond delay="0"/>
+                                  </p:stCondLst>
+                                  <p:childTnLst>
+                                    <p:set>
+                                      <p:cBhvr>
+                                        <p:cTn id="21" dur="1" fill="hold">
+                                          <p:stCondLst>
+                                            <p:cond delay="0"/>
+                                          </p:stCondLst>
+                                        </p:cTn>
+                                        <p:tgtEl>
+                                          <p:spTgt spid="5">
+                                            <p:txEl>
+                                              <p:pRg st="0" end="0"/>
+                                            </p:txEl>
+                                          </p:spTgt>
+                                        </p:tgtEl>
+                                        <p:attrNameLst>
+                                          <p:attrName>style.visibility</p:attrName>
+                                        </p:attrNameLst>
+                                      </p:cBhvr>
+                                      <p:to>
+                                        <p:strVal val="visible"/>
+                                      </p:to>
+                                    </p:set>
+                                    <p:animEffect transition="in" filter="randombar(horizontal)">
+                                      <p:cBhvr>
+                                        <p:cTn id="22" dur="500"/>
+                                        <p:tgtEl>
+                                          <p:spTgt spid="5">
+                                            <p:txEl>
+                                              <p:pRg st="0" end="0"/>
+                                            </p:txEl>
+                                          </p:spTgt>
+                                        </p:tgtEl>
+                                      </p:cBhvr>
+                                    </p:animEffect>
+                                  </p:childTnLst>
+                                </p:cTn>
+                              </p:par>
+                            </p:childTnLst>
+                          </p:cTn>
+                        </p:par>
+                      </p:childTnLst>
+                    </p:cTn>
+                  </p:par>
+                </p:childTnLst>
+              </p:cTn>
+              <p:prevCondLst>
+                <p:cond evt="onPrev" delay="0">
+                  <p:tgtEl>
+                    <p:sldTgt/>
+                  </p:tgtEl>
+                </p:cond>
+              </p:prevCondLst>
+              <p:nextCondLst>
+                <p:cond evt="onNext" delay="0">
+                  <p:tgtEl>
+                    <p:sldTgt/>
+                  </p:tgtEl>
+                </p:cond>
+              </p:nextCondLst>
+            </p:seq>
+          </p:childTnLst>
+        </p:cTn>
+      </p:par>
+    </p:tnLst>
+  </p:timing>
 </p:sld>
 </file>
 

--- a/Causing Confusion in The Chinese Room.pptx
+++ b/Causing Confusion in The Chinese Room.pptx
@@ -5,7 +5,7 @@
     <p:sldMasterId id="2147483738" r:id="rId1"/>
   </p:sldMasterIdLst>
   <p:notesMasterIdLst>
-    <p:notesMasterId r:id="rId37"/>
+    <p:notesMasterId r:id="rId38"/>
   </p:notesMasterIdLst>
   <p:sldIdLst>
     <p:sldId id="256" r:id="rId2"/>
@@ -32,17 +32,18 @@
     <p:sldId id="279" r:id="rId23"/>
     <p:sldId id="281" r:id="rId24"/>
     <p:sldId id="280" r:id="rId25"/>
-    <p:sldId id="282" r:id="rId26"/>
-    <p:sldId id="283" r:id="rId27"/>
-    <p:sldId id="284" r:id="rId28"/>
-    <p:sldId id="285" r:id="rId29"/>
-    <p:sldId id="287" r:id="rId30"/>
-    <p:sldId id="288" r:id="rId31"/>
-    <p:sldId id="289" r:id="rId32"/>
-    <p:sldId id="291" r:id="rId33"/>
-    <p:sldId id="292" r:id="rId34"/>
-    <p:sldId id="294" r:id="rId35"/>
-    <p:sldId id="293" r:id="rId36"/>
+    <p:sldId id="295" r:id="rId26"/>
+    <p:sldId id="282" r:id="rId27"/>
+    <p:sldId id="283" r:id="rId28"/>
+    <p:sldId id="284" r:id="rId29"/>
+    <p:sldId id="285" r:id="rId30"/>
+    <p:sldId id="287" r:id="rId31"/>
+    <p:sldId id="288" r:id="rId32"/>
+    <p:sldId id="289" r:id="rId33"/>
+    <p:sldId id="291" r:id="rId34"/>
+    <p:sldId id="292" r:id="rId35"/>
+    <p:sldId id="294" r:id="rId36"/>
+    <p:sldId id="293" r:id="rId37"/>
   </p:sldIdLst>
   <p:sldSz cx="12192000" cy="6858000"/>
   <p:notesSz cx="6858000" cy="9144000"/>
@@ -152,7 +153,7 @@
 <file path=ppt/revisionInfo.xml><?xml version="1.0" encoding="utf-8"?>
 <p1510:revInfo xmlns:a="http://schemas.openxmlformats.org/drawingml/2006/main" xmlns:r="http://schemas.openxmlformats.org/officeDocument/2006/relationships" xmlns:p1510="http://schemas.microsoft.com/office/powerpoint/2015/10/main">
   <p1510:revLst>
-    <p1510:client id="{3482D43A-F9E6-4372-80EF-8F2C5B4A56E6}" v="2223" dt="2024-08-06T21:26:19.796"/>
+    <p1510:client id="{3482D43A-F9E6-4372-80EF-8F2C5B4A56E6}" v="2224" dt="2024-08-06T22:35:15.729"/>
   </p1510:revLst>
 </p1510:revInfo>
 </file>
@@ -162,7 +163,7 @@
   <pc:docChgLst>
     <pc:chgData name="Nick Speelman" userId="be53a9c7-f211-4f5d-8a48-53fc06072468" providerId="ADAL" clId="{3482D43A-F9E6-4372-80EF-8F2C5B4A56E6}"/>
     <pc:docChg chg="undo custSel addSld delSld modSld sldOrd">
-      <pc:chgData name="Nick Speelman" userId="be53a9c7-f211-4f5d-8a48-53fc06072468" providerId="ADAL" clId="{3482D43A-F9E6-4372-80EF-8F2C5B4A56E6}" dt="2024-08-06T21:48:57.626" v="4751" actId="20577"/>
+      <pc:chgData name="Nick Speelman" userId="be53a9c7-f211-4f5d-8a48-53fc06072468" providerId="ADAL" clId="{3482D43A-F9E6-4372-80EF-8F2C5B4A56E6}" dt="2024-08-06T22:35:43.356" v="4766" actId="1076"/>
       <pc:docMkLst>
         <pc:docMk/>
       </pc:docMkLst>
@@ -681,6 +682,45 @@
             <ac:spMk id="2" creationId="{B675DBAE-AE2F-E1B6-2D16-309C12E16AA7}"/>
           </ac:spMkLst>
         </pc:spChg>
+      </pc:sldChg>
+      <pc:sldChg chg="addSp delSp modSp add mod delAnim">
+        <pc:chgData name="Nick Speelman" userId="be53a9c7-f211-4f5d-8a48-53fc06072468" providerId="ADAL" clId="{3482D43A-F9E6-4372-80EF-8F2C5B4A56E6}" dt="2024-08-06T22:35:43.356" v="4766" actId="1076"/>
+        <pc:sldMkLst>
+          <pc:docMk/>
+          <pc:sldMk cId="3237785462" sldId="295"/>
+        </pc:sldMkLst>
+        <pc:spChg chg="add del">
+          <ac:chgData name="Nick Speelman" userId="be53a9c7-f211-4f5d-8a48-53fc06072468" providerId="ADAL" clId="{3482D43A-F9E6-4372-80EF-8F2C5B4A56E6}" dt="2024-08-06T22:34:52.933" v="4755" actId="22"/>
+          <ac:spMkLst>
+            <pc:docMk/>
+            <pc:sldMk cId="3237785462" sldId="295"/>
+            <ac:spMk id="3" creationId="{168D2C33-70C3-D65A-99E6-9F0575FD7233}"/>
+          </ac:spMkLst>
+        </pc:spChg>
+        <pc:spChg chg="del">
+          <ac:chgData name="Nick Speelman" userId="be53a9c7-f211-4f5d-8a48-53fc06072468" providerId="ADAL" clId="{3482D43A-F9E6-4372-80EF-8F2C5B4A56E6}" dt="2024-08-06T22:35:29.927" v="4761" actId="478"/>
+          <ac:spMkLst>
+            <pc:docMk/>
+            <pc:sldMk cId="3237785462" sldId="295"/>
+            <ac:spMk id="4" creationId="{77080312-A8CF-A0B7-3DBA-A48AF41BFF78}"/>
+          </ac:spMkLst>
+        </pc:spChg>
+        <pc:spChg chg="del">
+          <ac:chgData name="Nick Speelman" userId="be53a9c7-f211-4f5d-8a48-53fc06072468" providerId="ADAL" clId="{3482D43A-F9E6-4372-80EF-8F2C5B4A56E6}" dt="2024-08-06T22:34:50.591" v="4753" actId="478"/>
+          <ac:spMkLst>
+            <pc:docMk/>
+            <pc:sldMk cId="3237785462" sldId="295"/>
+            <ac:spMk id="5" creationId="{D52F5335-6BA7-04EC-9FF0-ABF24D77ABAD}"/>
+          </ac:spMkLst>
+        </pc:spChg>
+        <pc:picChg chg="add mod">
+          <ac:chgData name="Nick Speelman" userId="be53a9c7-f211-4f5d-8a48-53fc06072468" providerId="ADAL" clId="{3482D43A-F9E6-4372-80EF-8F2C5B4A56E6}" dt="2024-08-06T22:35:43.356" v="4766" actId="1076"/>
+          <ac:picMkLst>
+            <pc:docMk/>
+            <pc:sldMk cId="3237785462" sldId="295"/>
+            <ac:picMk id="12" creationId="{C63662A8-FA0F-AD40-DCEC-734FE0F5AB4C}"/>
+          </ac:picMkLst>
+        </pc:picChg>
       </pc:sldChg>
     </pc:docChg>
   </pc:docChgLst>
@@ -23275,70 +23315,6 @@
       </p:grpSpPr>
       <p:sp>
         <p:nvSpPr>
-          <p:cNvPr id="4" name="Title 1">
-            <a:extLst>
-              <a:ext uri="{FF2B5EF4-FFF2-40B4-BE49-F238E27FC236}">
-                <a16:creationId xmlns:a16="http://schemas.microsoft.com/office/drawing/2014/main" id="{77080312-A8CF-A0B7-3DBA-A48AF41BFF78}"/>
-              </a:ext>
-            </a:extLst>
-          </p:cNvPr>
-          <p:cNvSpPr txBox="1">
-            <a:spLocks/>
-          </p:cNvSpPr>
-          <p:nvPr/>
-        </p:nvSpPr>
-        <p:spPr>
-          <a:xfrm>
-            <a:off x="872400" y="771600"/>
-            <a:ext cx="10728322" cy="652039"/>
-          </a:xfrm>
-          <a:prstGeom prst="rect">
-            <a:avLst/>
-          </a:prstGeom>
-        </p:spPr>
-        <p:txBody>
-          <a:bodyPr vert="horz" wrap="square" lIns="0" tIns="0" rIns="0" bIns="0" rtlCol="0" anchor="t" anchorCtr="0">
-            <a:normAutofit/>
-          </a:bodyPr>
-          <a:lstStyle>
-            <a:lvl1pPr algn="l" defTabSz="914400" rtl="0" eaLnBrk="1" latinLnBrk="0" hangingPunct="1">
-              <a:lnSpc>
-                <a:spcPct val="88000"/>
-              </a:lnSpc>
-              <a:spcBef>
-                <a:spcPct val="0"/>
-              </a:spcBef>
-              <a:buNone/>
-              <a:defRPr sz="4400" kern="1200" cap="none" spc="40" baseline="0">
-                <a:solidFill>
-                  <a:schemeClr val="tx1"/>
-                </a:solidFill>
-                <a:latin typeface="+mj-lt"/>
-                <a:ea typeface="+mj-ea"/>
-                <a:cs typeface="+mj-cs"/>
-              </a:defRPr>
-            </a:lvl1pPr>
-          </a:lstStyle>
-          <a:p>
-            <a:r>
-              <a:rPr lang="en-US" sz="4400" u="sng" dirty="0"/>
-              <a:t>Results – The numbers</a:t>
-            </a:r>
-            <a:endParaRPr lang="en-US" u="sng" dirty="0"/>
-          </a:p>
-          <a:p>
-            <a:endParaRPr lang="en-US" sz="4400" u="sng" dirty="0"/>
-          </a:p>
-          <a:p>
-            <a:endParaRPr lang="en-US" u="sng" dirty="0"/>
-          </a:p>
-          <a:p>
-            <a:endParaRPr lang="en-US" sz="3200" u="sng" dirty="0"/>
-          </a:p>
-        </p:txBody>
-      </p:sp>
-      <p:sp>
-        <p:nvSpPr>
           <p:cNvPr id="8" name="Title 7" hidden="1">
             <a:extLst>
               <a:ext uri="{FF2B5EF4-FFF2-40B4-BE49-F238E27FC236}">
@@ -23681,47 +23657,6 @@
       </p:sp>
       <p:sp>
         <p:nvSpPr>
-          <p:cNvPr id="5" name="TextBox 4">
-            <a:extLst>
-              <a:ext uri="{FF2B5EF4-FFF2-40B4-BE49-F238E27FC236}">
-                <a16:creationId xmlns:a16="http://schemas.microsoft.com/office/drawing/2014/main" id="{D52F5335-6BA7-04EC-9FF0-ABF24D77ABAD}"/>
-              </a:ext>
-            </a:extLst>
-          </p:cNvPr>
-          <p:cNvSpPr txBox="1"/>
-          <p:nvPr/>
-        </p:nvSpPr>
-        <p:spPr>
-          <a:xfrm>
-            <a:off x="872400" y="1566514"/>
-            <a:ext cx="10728322" cy="3231654"/>
-          </a:xfrm>
-          <a:prstGeom prst="rect">
-            <a:avLst/>
-          </a:prstGeom>
-          <a:noFill/>
-        </p:spPr>
-        <p:txBody>
-          <a:bodyPr wrap="square" rtlCol="0">
-            <a:spAutoFit/>
-          </a:bodyPr>
-          <a:lstStyle/>
-          <a:p>
-            <a:br>
-              <a:rPr lang="en-US" sz="3600" dirty="0"/>
-            </a:br>
-            <a:r>
-              <a:rPr lang="en-US" sz="6600" dirty="0"/>
-              <a:t>Drilling down yielded no further significant results.</a:t>
-            </a:r>
-          </a:p>
-          <a:p>
-            <a:endParaRPr lang="en-US" sz="3600" dirty="0"/>
-          </a:p>
-        </p:txBody>
-      </p:sp>
-      <p:sp>
-        <p:nvSpPr>
           <p:cNvPr id="10" name="Title 1">
             <a:extLst>
               <a:ext uri="{FF2B5EF4-FFF2-40B4-BE49-F238E27FC236}">
@@ -23771,10 +23706,46 @@
           </a:p>
         </p:txBody>
       </p:sp>
+      <p:pic>
+        <p:nvPicPr>
+          <p:cNvPr id="12" name="Picture 11" descr="A graph of different colored bars&#10;&#10;Description automatically generated">
+            <a:extLst>
+              <a:ext uri="{FF2B5EF4-FFF2-40B4-BE49-F238E27FC236}">
+                <a16:creationId xmlns:a16="http://schemas.microsoft.com/office/drawing/2014/main" id="{C63662A8-FA0F-AD40-DCEC-734FE0F5AB4C}"/>
+              </a:ext>
+            </a:extLst>
+          </p:cNvPr>
+          <p:cNvPicPr>
+            <a:picLocks noChangeAspect="1"/>
+          </p:cNvPicPr>
+          <p:nvPr/>
+        </p:nvPicPr>
+        <p:blipFill>
+          <a:blip r:embed="rId2">
+            <a:extLst>
+              <a:ext uri="{28A0092B-C50C-407E-A947-70E740481C1C}">
+                <a14:useLocalDpi xmlns:a14="http://schemas.microsoft.com/office/drawing/2010/main" val="0"/>
+              </a:ext>
+            </a:extLst>
+          </a:blip>
+          <a:stretch>
+            <a:fillRect/>
+          </a:stretch>
+        </p:blipFill>
+        <p:spPr>
+          <a:xfrm>
+            <a:off x="1695497" y="187714"/>
+            <a:ext cx="9075598" cy="6482572"/>
+          </a:xfrm>
+          <a:prstGeom prst="rect">
+            <a:avLst/>
+          </a:prstGeom>
+        </p:spPr>
+      </p:pic>
     </p:spTree>
     <p:extLst>
       <p:ext uri="{BB962C8B-B14F-4D97-AF65-F5344CB8AC3E}">
-        <p14:creationId xmlns:p14="http://schemas.microsoft.com/office/powerpoint/2010/main" val="253603109"/>
+        <p14:creationId xmlns:p14="http://schemas.microsoft.com/office/powerpoint/2010/main" val="3237785462"/>
       </p:ext>
     </p:extLst>
   </p:cSld>
@@ -23958,67 +23929,6 @@
                                           <p:spTgt spid="7">
                                             <p:txEl>
                                               <p:pRg st="2" end="2"/>
-                                            </p:txEl>
-                                          </p:spTgt>
-                                        </p:tgtEl>
-                                      </p:cBhvr>
-                                    </p:animEffect>
-                                  </p:childTnLst>
-                                </p:cTn>
-                              </p:par>
-                            </p:childTnLst>
-                          </p:cTn>
-                        </p:par>
-                      </p:childTnLst>
-                    </p:cTn>
-                  </p:par>
-                  <p:par>
-                    <p:cTn id="18" fill="hold">
-                      <p:stCondLst>
-                        <p:cond delay="indefinite"/>
-                      </p:stCondLst>
-                      <p:childTnLst>
-                        <p:par>
-                          <p:cTn id="19" fill="hold">
-                            <p:stCondLst>
-                              <p:cond delay="0"/>
-                            </p:stCondLst>
-                            <p:childTnLst>
-                              <p:par>
-                                <p:cTn id="20" presetID="14" presetClass="entr" presetSubtype="10" fill="hold" nodeType="clickEffect">
-                                  <p:stCondLst>
-                                    <p:cond delay="0"/>
-                                  </p:stCondLst>
-                                  <p:childTnLst>
-                                    <p:set>
-                                      <p:cBhvr>
-                                        <p:cTn id="21" dur="1" fill="hold">
-                                          <p:stCondLst>
-                                            <p:cond delay="0"/>
-                                          </p:stCondLst>
-                                        </p:cTn>
-                                        <p:tgtEl>
-                                          <p:spTgt spid="5">
-                                            <p:txEl>
-                                              <p:pRg st="0" end="0"/>
-                                            </p:txEl>
-                                          </p:spTgt>
-                                        </p:tgtEl>
-                                        <p:attrNameLst>
-                                          <p:attrName>style.visibility</p:attrName>
-                                        </p:attrNameLst>
-                                      </p:cBhvr>
-                                      <p:to>
-                                        <p:strVal val="visible"/>
-                                      </p:to>
-                                    </p:set>
-                                    <p:animEffect transition="in" filter="randombar(horizontal)">
-                                      <p:cBhvr>
-                                        <p:cTn id="22" dur="500"/>
-                                        <p:tgtEl>
-                                          <p:spTgt spid="5">
-                                            <p:txEl>
-                                              <p:pRg st="0" end="0"/>
                                             </p:txEl>
                                           </p:spTgt>
                                         </p:tgtEl>
@@ -24124,9 +24034,12 @@
           <a:p>
             <a:r>
               <a:rPr lang="en-US" sz="4400" u="sng" dirty="0"/>
-              <a:t>Results – The Subjective</a:t>
+              <a:t>Results – The numbers</a:t>
             </a:r>
             <a:endParaRPr lang="en-US" u="sng" dirty="0"/>
+          </a:p>
+          <a:p>
+            <a:endParaRPr lang="en-US" sz="4400" u="sng" dirty="0"/>
           </a:p>
           <a:p>
             <a:endParaRPr lang="en-US" u="sng" dirty="0"/>
@@ -24480,6 +24393,47 @@
       </p:sp>
       <p:sp>
         <p:nvSpPr>
+          <p:cNvPr id="5" name="TextBox 4">
+            <a:extLst>
+              <a:ext uri="{FF2B5EF4-FFF2-40B4-BE49-F238E27FC236}">
+                <a16:creationId xmlns:a16="http://schemas.microsoft.com/office/drawing/2014/main" id="{D52F5335-6BA7-04EC-9FF0-ABF24D77ABAD}"/>
+              </a:ext>
+            </a:extLst>
+          </p:cNvPr>
+          <p:cNvSpPr txBox="1"/>
+          <p:nvPr/>
+        </p:nvSpPr>
+        <p:spPr>
+          <a:xfrm>
+            <a:off x="872400" y="1566514"/>
+            <a:ext cx="10728322" cy="3231654"/>
+          </a:xfrm>
+          <a:prstGeom prst="rect">
+            <a:avLst/>
+          </a:prstGeom>
+          <a:noFill/>
+        </p:spPr>
+        <p:txBody>
+          <a:bodyPr wrap="square" rtlCol="0">
+            <a:spAutoFit/>
+          </a:bodyPr>
+          <a:lstStyle/>
+          <a:p>
+            <a:br>
+              <a:rPr lang="en-US" sz="3600" dirty="0"/>
+            </a:br>
+            <a:r>
+              <a:rPr lang="en-US" sz="6600" dirty="0"/>
+              <a:t>Drilling down yielded no further significant results.</a:t>
+            </a:r>
+          </a:p>
+          <a:p>
+            <a:endParaRPr lang="en-US" sz="3600" dirty="0"/>
+          </a:p>
+        </p:txBody>
+      </p:sp>
+      <p:sp>
+        <p:nvSpPr>
           <p:cNvPr id="10" name="Title 1">
             <a:extLst>
               <a:ext uri="{FF2B5EF4-FFF2-40B4-BE49-F238E27FC236}">
@@ -24529,97 +24483,10 @@
           </a:p>
         </p:txBody>
       </p:sp>
-      <p:sp>
-        <p:nvSpPr>
-          <p:cNvPr id="3" name="TextBox 2">
-            <a:extLst>
-              <a:ext uri="{FF2B5EF4-FFF2-40B4-BE49-F238E27FC236}">
-                <a16:creationId xmlns:a16="http://schemas.microsoft.com/office/drawing/2014/main" id="{D400CFB8-4DA3-15BA-64AE-F889DD7AEF75}"/>
-              </a:ext>
-            </a:extLst>
-          </p:cNvPr>
-          <p:cNvSpPr txBox="1"/>
-          <p:nvPr/>
-        </p:nvSpPr>
-        <p:spPr>
-          <a:xfrm>
-            <a:off x="872399" y="1505546"/>
-            <a:ext cx="10795725" cy="4832092"/>
-          </a:xfrm>
-          <a:prstGeom prst="rect">
-            <a:avLst/>
-          </a:prstGeom>
-          <a:noFill/>
-        </p:spPr>
-        <p:txBody>
-          <a:bodyPr wrap="square">
-            <a:spAutoFit/>
-          </a:bodyPr>
-          <a:lstStyle/>
-          <a:p>
-            <a:r>
-              <a:rPr lang="en-US" sz="2800" dirty="0"/>
-              <a:t>AI Thesis:</a:t>
-            </a:r>
-          </a:p>
-          <a:p>
-            <a:pPr marL="285750" indent="-285750" fontAlgn="base">
-              <a:buFont typeface="Wingdings" panose="05000000000000000000" pitchFamily="2" charset="2"/>
-              <a:buChar char="Ø"/>
-            </a:pPr>
-            <a:r>
-              <a:rPr lang="en-US" sz="2800" dirty="0"/>
-              <a:t>(a) A computer could be programmed in such a way that it would possess a mind in the same way as a human.</a:t>
-            </a:r>
-          </a:p>
-          <a:p>
-            <a:pPr marL="285750" indent="-285750" fontAlgn="base">
-              <a:buFont typeface="Wingdings" panose="05000000000000000000" pitchFamily="2" charset="2"/>
-              <a:buChar char="Ø"/>
-            </a:pPr>
-            <a:r>
-              <a:rPr lang="en-US" sz="2800" dirty="0"/>
-              <a:t>(b) Such a computer’s programming would be able to articulate the workings of its mind (Searle 1987)</a:t>
-            </a:r>
-          </a:p>
-          <a:p>
-            <a:pPr marL="285750" indent="-285750" fontAlgn="base">
-              <a:buFont typeface="Wingdings" panose="05000000000000000000" pitchFamily="2" charset="2"/>
-              <a:buChar char="Ø"/>
-            </a:pPr>
-            <a:endParaRPr lang="en-US" sz="2800" b="0" dirty="0">
-              <a:effectLst/>
-            </a:endParaRPr>
-          </a:p>
-          <a:p>
-            <a:pPr fontAlgn="base"/>
-            <a:r>
-              <a:rPr lang="en-US" sz="2800" dirty="0"/>
-              <a:t>The bots could often articulate their reasoning more clearly than the human subjects</a:t>
-            </a:r>
-          </a:p>
-          <a:p>
-            <a:pPr fontAlgn="base"/>
-            <a:endParaRPr lang="en-US" sz="2800" b="0" dirty="0">
-              <a:effectLst/>
-            </a:endParaRPr>
-          </a:p>
-          <a:p>
-            <a:pPr fontAlgn="base"/>
-            <a:r>
-              <a:rPr lang="en-US" sz="2800" dirty="0"/>
-              <a:t>It’s hard to argue when reading some of these responses that there’s no “understanding.”</a:t>
-            </a:r>
-            <a:endParaRPr lang="en-US" sz="2800" b="0" dirty="0">
-              <a:effectLst/>
-            </a:endParaRPr>
-          </a:p>
-        </p:txBody>
-      </p:sp>
     </p:spTree>
     <p:extLst>
       <p:ext uri="{BB962C8B-B14F-4D97-AF65-F5344CB8AC3E}">
-        <p14:creationId xmlns:p14="http://schemas.microsoft.com/office/powerpoint/2010/main" val="1533836298"/>
+        <p14:creationId xmlns:p14="http://schemas.microsoft.com/office/powerpoint/2010/main" val="253603109"/>
       </p:ext>
     </p:extLst>
   </p:cSld>
@@ -24843,7 +24710,7 @@
                                           </p:stCondLst>
                                         </p:cTn>
                                         <p:tgtEl>
-                                          <p:spTgt spid="3">
+                                          <p:spTgt spid="5">
                                             <p:txEl>
                                               <p:pRg st="0" end="0"/>
                                             </p:txEl>
@@ -24861,217 +24728,9 @@
                                       <p:cBhvr>
                                         <p:cTn id="22" dur="500"/>
                                         <p:tgtEl>
-                                          <p:spTgt spid="3">
+                                          <p:spTgt spid="5">
                                             <p:txEl>
                                               <p:pRg st="0" end="0"/>
-                                            </p:txEl>
-                                          </p:spTgt>
-                                        </p:tgtEl>
-                                      </p:cBhvr>
-                                    </p:animEffect>
-                                  </p:childTnLst>
-                                </p:cTn>
-                              </p:par>
-                              <p:par>
-                                <p:cTn id="23" presetID="14" presetClass="entr" presetSubtype="10" fill="hold" nodeType="withEffect">
-                                  <p:stCondLst>
-                                    <p:cond delay="0"/>
-                                  </p:stCondLst>
-                                  <p:childTnLst>
-                                    <p:set>
-                                      <p:cBhvr>
-                                        <p:cTn id="24" dur="1" fill="hold">
-                                          <p:stCondLst>
-                                            <p:cond delay="0"/>
-                                          </p:stCondLst>
-                                        </p:cTn>
-                                        <p:tgtEl>
-                                          <p:spTgt spid="3">
-                                            <p:txEl>
-                                              <p:pRg st="1" end="1"/>
-                                            </p:txEl>
-                                          </p:spTgt>
-                                        </p:tgtEl>
-                                        <p:attrNameLst>
-                                          <p:attrName>style.visibility</p:attrName>
-                                        </p:attrNameLst>
-                                      </p:cBhvr>
-                                      <p:to>
-                                        <p:strVal val="visible"/>
-                                      </p:to>
-                                    </p:set>
-                                    <p:animEffect transition="in" filter="randombar(horizontal)">
-                                      <p:cBhvr>
-                                        <p:cTn id="25" dur="500"/>
-                                        <p:tgtEl>
-                                          <p:spTgt spid="3">
-                                            <p:txEl>
-                                              <p:pRg st="1" end="1"/>
-                                            </p:txEl>
-                                          </p:spTgt>
-                                        </p:tgtEl>
-                                      </p:cBhvr>
-                                    </p:animEffect>
-                                  </p:childTnLst>
-                                </p:cTn>
-                              </p:par>
-                              <p:par>
-                                <p:cTn id="26" presetID="14" presetClass="entr" presetSubtype="10" fill="hold" nodeType="withEffect">
-                                  <p:stCondLst>
-                                    <p:cond delay="0"/>
-                                  </p:stCondLst>
-                                  <p:childTnLst>
-                                    <p:set>
-                                      <p:cBhvr>
-                                        <p:cTn id="27" dur="1" fill="hold">
-                                          <p:stCondLst>
-                                            <p:cond delay="0"/>
-                                          </p:stCondLst>
-                                        </p:cTn>
-                                        <p:tgtEl>
-                                          <p:spTgt spid="3">
-                                            <p:txEl>
-                                              <p:pRg st="2" end="2"/>
-                                            </p:txEl>
-                                          </p:spTgt>
-                                        </p:tgtEl>
-                                        <p:attrNameLst>
-                                          <p:attrName>style.visibility</p:attrName>
-                                        </p:attrNameLst>
-                                      </p:cBhvr>
-                                      <p:to>
-                                        <p:strVal val="visible"/>
-                                      </p:to>
-                                    </p:set>
-                                    <p:animEffect transition="in" filter="randombar(horizontal)">
-                                      <p:cBhvr>
-                                        <p:cTn id="28" dur="500"/>
-                                        <p:tgtEl>
-                                          <p:spTgt spid="3">
-                                            <p:txEl>
-                                              <p:pRg st="2" end="2"/>
-                                            </p:txEl>
-                                          </p:spTgt>
-                                        </p:tgtEl>
-                                      </p:cBhvr>
-                                    </p:animEffect>
-                                  </p:childTnLst>
-                                </p:cTn>
-                              </p:par>
-                            </p:childTnLst>
-                          </p:cTn>
-                        </p:par>
-                      </p:childTnLst>
-                    </p:cTn>
-                  </p:par>
-                  <p:par>
-                    <p:cTn id="29" fill="hold">
-                      <p:stCondLst>
-                        <p:cond delay="indefinite"/>
-                      </p:stCondLst>
-                      <p:childTnLst>
-                        <p:par>
-                          <p:cTn id="30" fill="hold">
-                            <p:stCondLst>
-                              <p:cond delay="0"/>
-                            </p:stCondLst>
-                            <p:childTnLst>
-                              <p:par>
-                                <p:cTn id="31" presetID="14" presetClass="entr" presetSubtype="10" fill="hold" nodeType="clickEffect">
-                                  <p:stCondLst>
-                                    <p:cond delay="0"/>
-                                  </p:stCondLst>
-                                  <p:childTnLst>
-                                    <p:set>
-                                      <p:cBhvr>
-                                        <p:cTn id="32" dur="1" fill="hold">
-                                          <p:stCondLst>
-                                            <p:cond delay="0"/>
-                                          </p:stCondLst>
-                                        </p:cTn>
-                                        <p:tgtEl>
-                                          <p:spTgt spid="3">
-                                            <p:txEl>
-                                              <p:pRg st="4" end="4"/>
-                                            </p:txEl>
-                                          </p:spTgt>
-                                        </p:tgtEl>
-                                        <p:attrNameLst>
-                                          <p:attrName>style.visibility</p:attrName>
-                                        </p:attrNameLst>
-                                      </p:cBhvr>
-                                      <p:to>
-                                        <p:strVal val="visible"/>
-                                      </p:to>
-                                    </p:set>
-                                    <p:animEffect transition="in" filter="randombar(horizontal)">
-                                      <p:cBhvr>
-                                        <p:cTn id="33" dur="500"/>
-                                        <p:tgtEl>
-                                          <p:spTgt spid="3">
-                                            <p:txEl>
-                                              <p:pRg st="4" end="4"/>
-                                            </p:txEl>
-                                          </p:spTgt>
-                                        </p:tgtEl>
-                                      </p:cBhvr>
-                                    </p:animEffect>
-                                  </p:childTnLst>
-                                </p:cTn>
-                              </p:par>
-                            </p:childTnLst>
-                          </p:cTn>
-                        </p:par>
-                      </p:childTnLst>
-                    </p:cTn>
-                  </p:par>
-                  <p:par>
-                    <p:cTn id="34" fill="hold">
-                      <p:stCondLst>
-                        <p:cond delay="indefinite"/>
-                      </p:stCondLst>
-                      <p:childTnLst>
-                        <p:par>
-                          <p:cTn id="35" fill="hold">
-                            <p:stCondLst>
-                              <p:cond delay="0"/>
-                            </p:stCondLst>
-                            <p:childTnLst>
-                              <p:par>
-                                <p:cTn id="36" presetID="14" presetClass="entr" presetSubtype="10" fill="hold" nodeType="clickEffect">
-                                  <p:stCondLst>
-                                    <p:cond delay="0"/>
-                                  </p:stCondLst>
-                                  <p:childTnLst>
-                                    <p:set>
-                                      <p:cBhvr>
-                                        <p:cTn id="37" dur="1" fill="hold">
-                                          <p:stCondLst>
-                                            <p:cond delay="0"/>
-                                          </p:stCondLst>
-                                        </p:cTn>
-                                        <p:tgtEl>
-                                          <p:spTgt spid="3">
-                                            <p:txEl>
-                                              <p:pRg st="6" end="6"/>
-                                            </p:txEl>
-                                          </p:spTgt>
-                                        </p:tgtEl>
-                                        <p:attrNameLst>
-                                          <p:attrName>style.visibility</p:attrName>
-                                        </p:attrNameLst>
-                                      </p:cBhvr>
-                                      <p:to>
-                                        <p:strVal val="visible"/>
-                                      </p:to>
-                                    </p:set>
-                                    <p:animEffect transition="in" filter="randombar(horizontal)">
-                                      <p:cBhvr>
-                                        <p:cTn id="38" dur="500"/>
-                                        <p:tgtEl>
-                                          <p:spTgt spid="3">
-                                            <p:txEl>
-                                              <p:pRg st="6" end="6"/>
                                             </p:txEl>
                                           </p:spTgt>
                                         </p:tgtEl>
@@ -25597,7 +25256,7 @@
         <p:spPr>
           <a:xfrm>
             <a:off x="872399" y="1505546"/>
-            <a:ext cx="10795725" cy="5355312"/>
+            <a:ext cx="10795725" cy="4832092"/>
           </a:xfrm>
           <a:prstGeom prst="rect">
             <a:avLst/>
@@ -25611,55 +25270,59 @@
           <a:lstStyle/>
           <a:p>
             <a:r>
-              <a:rPr lang="en-US" sz="1900" dirty="0"/>
-              <a:t>Prompt: Complete this sentence: "Time is to aging as Jupiter is to..." Please elaborate on your thought process.</a:t>
-            </a:r>
-          </a:p>
-          <a:p>
-            <a:endParaRPr lang="en-US" sz="1900" dirty="0"/>
-          </a:p>
-          <a:p>
-            <a:r>
-              <a:rPr lang="en-US" sz="1900" dirty="0"/>
-              <a:t>GPT Response: </a:t>
-            </a:r>
-          </a:p>
-          <a:p>
-            <a:endParaRPr lang="en-US" sz="1900" dirty="0"/>
-          </a:p>
-          <a:p>
-            <a:r>
-              <a:rPr lang="en-US" sz="1900" dirty="0"/>
-              <a:t>This analogy is comparing the effect of time on aging to the effect of Jupiter on something else. </a:t>
-            </a:r>
-          </a:p>
-          <a:p>
-            <a:endParaRPr lang="en-US" sz="1900" dirty="0"/>
-          </a:p>
-          <a:p>
-            <a:r>
-              <a:rPr lang="en-US" sz="1900" dirty="0"/>
-              <a:t>Time is related to aging in that as time passes, living beings age. So, we need to think of something that Jupiter, the largest planet in our solar system, influences or affects in a similar way.</a:t>
-            </a:r>
-          </a:p>
-          <a:p>
-            <a:endParaRPr lang="en-US" sz="1900" dirty="0"/>
-          </a:p>
-          <a:p>
-            <a:r>
-              <a:rPr lang="en-US" sz="1900" dirty="0"/>
-              <a:t>One of the most significant influences Jupiter has is on its many moons due to its strong gravitational pull. So, the completed sentence could be: "Time is to aging as Jupiter is to orbiting moons."</a:t>
-            </a:r>
-          </a:p>
-          <a:p>
-            <a:endParaRPr lang="en-US" sz="1900" dirty="0"/>
-          </a:p>
-          <a:p>
-            <a:r>
-              <a:rPr lang="en-US" sz="1900" dirty="0"/>
-              <a:t>This maintains the structure of the analogy and creates a parallel between the two parts. Time influences aging, and Jupiter influences its moons' orbits.</a:t>
-            </a:r>
-            <a:endParaRPr lang="en-US" sz="1900" b="0" dirty="0">
+              <a:rPr lang="en-US" sz="2800" dirty="0"/>
+              <a:t>AI Thesis:</a:t>
+            </a:r>
+          </a:p>
+          <a:p>
+            <a:pPr marL="285750" indent="-285750" fontAlgn="base">
+              <a:buFont typeface="Wingdings" panose="05000000000000000000" pitchFamily="2" charset="2"/>
+              <a:buChar char="Ø"/>
+            </a:pPr>
+            <a:r>
+              <a:rPr lang="en-US" sz="2800" dirty="0"/>
+              <a:t>(a) A computer could be programmed in such a way that it would possess a mind in the same way as a human.</a:t>
+            </a:r>
+          </a:p>
+          <a:p>
+            <a:pPr marL="285750" indent="-285750" fontAlgn="base">
+              <a:buFont typeface="Wingdings" panose="05000000000000000000" pitchFamily="2" charset="2"/>
+              <a:buChar char="Ø"/>
+            </a:pPr>
+            <a:r>
+              <a:rPr lang="en-US" sz="2800" dirty="0"/>
+              <a:t>(b) Such a computer’s programming would be able to articulate the workings of its mind (Searle 1987)</a:t>
+            </a:r>
+          </a:p>
+          <a:p>
+            <a:pPr marL="285750" indent="-285750" fontAlgn="base">
+              <a:buFont typeface="Wingdings" panose="05000000000000000000" pitchFamily="2" charset="2"/>
+              <a:buChar char="Ø"/>
+            </a:pPr>
+            <a:endParaRPr lang="en-US" sz="2800" b="0" dirty="0">
+              <a:effectLst/>
+            </a:endParaRPr>
+          </a:p>
+          <a:p>
+            <a:pPr fontAlgn="base"/>
+            <a:r>
+              <a:rPr lang="en-US" sz="2800" dirty="0"/>
+              <a:t>The bots could often articulate their reasoning more clearly than the human subjects</a:t>
+            </a:r>
+          </a:p>
+          <a:p>
+            <a:pPr fontAlgn="base"/>
+            <a:endParaRPr lang="en-US" sz="2800" b="0" dirty="0">
+              <a:effectLst/>
+            </a:endParaRPr>
+          </a:p>
+          <a:p>
+            <a:pPr fontAlgn="base"/>
+            <a:r>
+              <a:rPr lang="en-US" sz="2800" dirty="0"/>
+              <a:t>It’s hard to argue when reading some of these responses that there’s no “understanding.”</a:t>
+            </a:r>
+            <a:endParaRPr lang="en-US" sz="2800" b="0" dirty="0">
               <a:effectLst/>
             </a:endParaRPr>
           </a:p>
@@ -25668,7 +25331,7 @@
     </p:spTree>
     <p:extLst>
       <p:ext uri="{BB962C8B-B14F-4D97-AF65-F5344CB8AC3E}">
-        <p14:creationId xmlns:p14="http://schemas.microsoft.com/office/powerpoint/2010/main" val="3088361774"/>
+        <p14:creationId xmlns:p14="http://schemas.microsoft.com/office/powerpoint/2010/main" val="1533836298"/>
       </p:ext>
     </p:extLst>
   </p:cSld>
@@ -25921,33 +25584,15 @@
                                   </p:childTnLst>
                                 </p:cTn>
                               </p:par>
-                            </p:childTnLst>
-                          </p:cTn>
-                        </p:par>
-                      </p:childTnLst>
-                    </p:cTn>
-                  </p:par>
-                  <p:par>
-                    <p:cTn id="23" fill="hold">
-                      <p:stCondLst>
-                        <p:cond delay="indefinite"/>
-                      </p:stCondLst>
-                      <p:childTnLst>
-                        <p:par>
-                          <p:cTn id="24" fill="hold">
-                            <p:stCondLst>
-                              <p:cond delay="0"/>
-                            </p:stCondLst>
-                            <p:childTnLst>
                               <p:par>
-                                <p:cTn id="25" presetID="14" presetClass="entr" presetSubtype="10" fill="hold" nodeType="clickEffect">
+                                <p:cTn id="23" presetID="14" presetClass="entr" presetSubtype="10" fill="hold" nodeType="withEffect">
                                   <p:stCondLst>
                                     <p:cond delay="0"/>
                                   </p:stCondLst>
                                   <p:childTnLst>
                                     <p:set>
                                       <p:cBhvr>
-                                        <p:cTn id="26" dur="1" fill="hold">
+                                        <p:cTn id="24" dur="1" fill="hold">
                                           <p:stCondLst>
                                             <p:cond delay="0"/>
                                           </p:stCondLst>
@@ -25955,7 +25600,7 @@
                                         <p:tgtEl>
                                           <p:spTgt spid="3">
                                             <p:txEl>
-                                              <p:pRg st="2" end="2"/>
+                                              <p:pRg st="1" end="1"/>
                                             </p:txEl>
                                           </p:spTgt>
                                         </p:tgtEl>
@@ -25969,7 +25614,50 @@
                                     </p:set>
                                     <p:animEffect transition="in" filter="randombar(horizontal)">
                                       <p:cBhvr>
-                                        <p:cTn id="27" dur="500"/>
+                                        <p:cTn id="25" dur="500"/>
+                                        <p:tgtEl>
+                                          <p:spTgt spid="3">
+                                            <p:txEl>
+                                              <p:pRg st="1" end="1"/>
+                                            </p:txEl>
+                                          </p:spTgt>
+                                        </p:tgtEl>
+                                      </p:cBhvr>
+                                    </p:animEffect>
+                                  </p:childTnLst>
+                                </p:cTn>
+                              </p:par>
+                              <p:par>
+                                <p:cTn id="26" presetID="14" presetClass="entr" presetSubtype="10" fill="hold" nodeType="withEffect">
+                                  <p:stCondLst>
+                                    <p:cond delay="0"/>
+                                  </p:stCondLst>
+                                  <p:childTnLst>
+                                    <p:set>
+                                      <p:cBhvr>
+                                        <p:cTn id="27" dur="1" fill="hold">
+                                          <p:stCondLst>
+                                            <p:cond delay="0"/>
+                                          </p:stCondLst>
+                                        </p:cTn>
+                                        <p:tgtEl>
+                                          <p:spTgt spid="3">
+                                            <p:txEl>
+                                              <p:pRg st="2" end="2"/>
+                                            </p:txEl>
+                                          </p:spTgt>
+                                        </p:tgtEl>
+                                        <p:attrNameLst>
+                                          <p:attrName>style.visibility</p:attrName>
+                                        </p:attrNameLst>
+                                      </p:cBhvr>
+                                      <p:to>
+                                        <p:strVal val="visible"/>
+                                      </p:to>
+                                    </p:set>
+                                    <p:animEffect transition="in" filter="randombar(horizontal)">
+                                      <p:cBhvr>
+                                        <p:cTn id="28" dur="500"/>
                                         <p:tgtEl>
                                           <p:spTgt spid="3">
                                             <p:txEl>
@@ -25989,26 +25677,26 @@
                     </p:cTn>
                   </p:par>
                   <p:par>
-                    <p:cTn id="28" fill="hold">
+                    <p:cTn id="29" fill="hold">
                       <p:stCondLst>
                         <p:cond delay="indefinite"/>
                       </p:stCondLst>
                       <p:childTnLst>
                         <p:par>
-                          <p:cTn id="29" fill="hold">
+                          <p:cTn id="30" fill="hold">
                             <p:stCondLst>
                               <p:cond delay="0"/>
                             </p:stCondLst>
                             <p:childTnLst>
                               <p:par>
-                                <p:cTn id="30" presetID="14" presetClass="entr" presetSubtype="10" fill="hold" nodeType="clickEffect">
+                                <p:cTn id="31" presetID="14" presetClass="entr" presetSubtype="10" fill="hold" nodeType="clickEffect">
                                   <p:stCondLst>
                                     <p:cond delay="0"/>
                                   </p:stCondLst>
                                   <p:childTnLst>
                                     <p:set>
                                       <p:cBhvr>
-                                        <p:cTn id="31" dur="1" fill="hold">
+                                        <p:cTn id="32" dur="1" fill="hold">
                                           <p:stCondLst>
                                             <p:cond delay="0"/>
                                           </p:stCondLst>
@@ -26030,7 +25718,7 @@
                                     </p:set>
                                     <p:animEffect transition="in" filter="randombar(horizontal)">
                                       <p:cBhvr>
-                                        <p:cTn id="32" dur="500"/>
+                                        <p:cTn id="33" dur="500"/>
                                         <p:tgtEl>
                                           <p:spTgt spid="3">
                                             <p:txEl>
@@ -26043,15 +25731,33 @@
                                   </p:childTnLst>
                                 </p:cTn>
                               </p:par>
+                            </p:childTnLst>
+                          </p:cTn>
+                        </p:par>
+                      </p:childTnLst>
+                    </p:cTn>
+                  </p:par>
+                  <p:par>
+                    <p:cTn id="34" fill="hold">
+                      <p:stCondLst>
+                        <p:cond delay="indefinite"/>
+                      </p:stCondLst>
+                      <p:childTnLst>
+                        <p:par>
+                          <p:cTn id="35" fill="hold">
+                            <p:stCondLst>
+                              <p:cond delay="0"/>
+                            </p:stCondLst>
+                            <p:childTnLst>
                               <p:par>
-                                <p:cTn id="33" presetID="14" presetClass="entr" presetSubtype="10" fill="hold" nodeType="withEffect">
+                                <p:cTn id="36" presetID="14" presetClass="entr" presetSubtype="10" fill="hold" nodeType="clickEffect">
                                   <p:stCondLst>
                                     <p:cond delay="0"/>
                                   </p:stCondLst>
                                   <p:childTnLst>
                                     <p:set>
                                       <p:cBhvr>
-                                        <p:cTn id="34" dur="1" fill="hold">
+                                        <p:cTn id="37" dur="1" fill="hold">
                                           <p:stCondLst>
                                             <p:cond delay="0"/>
                                           </p:stCondLst>
@@ -26073,97 +25779,11 @@
                                     </p:set>
                                     <p:animEffect transition="in" filter="randombar(horizontal)">
                                       <p:cBhvr>
-                                        <p:cTn id="35" dur="500"/>
+                                        <p:cTn id="38" dur="500"/>
                                         <p:tgtEl>
                                           <p:spTgt spid="3">
                                             <p:txEl>
                                               <p:pRg st="6" end="6"/>
-                                            </p:txEl>
-                                          </p:spTgt>
-                                        </p:tgtEl>
-                                      </p:cBhvr>
-                                    </p:animEffect>
-                                  </p:childTnLst>
-                                </p:cTn>
-                              </p:par>
-                              <p:par>
-                                <p:cTn id="36" presetID="14" presetClass="entr" presetSubtype="10" fill="hold" nodeType="withEffect">
-                                  <p:stCondLst>
-                                    <p:cond delay="0"/>
-                                  </p:stCondLst>
-                                  <p:childTnLst>
-                                    <p:set>
-                                      <p:cBhvr>
-                                        <p:cTn id="37" dur="1" fill="hold">
-                                          <p:stCondLst>
-                                            <p:cond delay="0"/>
-                                          </p:stCondLst>
-                                        </p:cTn>
-                                        <p:tgtEl>
-                                          <p:spTgt spid="3">
-                                            <p:txEl>
-                                              <p:pRg st="8" end="8"/>
-                                            </p:txEl>
-                                          </p:spTgt>
-                                        </p:tgtEl>
-                                        <p:attrNameLst>
-                                          <p:attrName>style.visibility</p:attrName>
-                                        </p:attrNameLst>
-                                      </p:cBhvr>
-                                      <p:to>
-                                        <p:strVal val="visible"/>
-                                      </p:to>
-                                    </p:set>
-                                    <p:animEffect transition="in" filter="randombar(horizontal)">
-                                      <p:cBhvr>
-                                        <p:cTn id="38" dur="500"/>
-                                        <p:tgtEl>
-                                          <p:spTgt spid="3">
-                                            <p:txEl>
-                                              <p:pRg st="8" end="8"/>
-                                            </p:txEl>
-                                          </p:spTgt>
-                                        </p:tgtEl>
-                                      </p:cBhvr>
-                                    </p:animEffect>
-                                  </p:childTnLst>
-                                </p:cTn>
-                              </p:par>
-                              <p:par>
-                                <p:cTn id="39" presetID="14" presetClass="entr" presetSubtype="10" fill="hold" nodeType="withEffect">
-                                  <p:stCondLst>
-                                    <p:cond delay="0"/>
-                                  </p:stCondLst>
-                                  <p:childTnLst>
-                                    <p:set>
-                                      <p:cBhvr>
-                                        <p:cTn id="40" dur="1" fill="hold">
-                                          <p:stCondLst>
-                                            <p:cond delay="0"/>
-                                          </p:stCondLst>
-                                        </p:cTn>
-                                        <p:tgtEl>
-                                          <p:spTgt spid="3">
-                                            <p:txEl>
-                                              <p:pRg st="10" end="10"/>
-                                            </p:txEl>
-                                          </p:spTgt>
-                                        </p:tgtEl>
-                                        <p:attrNameLst>
-                                          <p:attrName>style.visibility</p:attrName>
-                                        </p:attrNameLst>
-                                      </p:cBhvr>
-                                      <p:to>
-                                        <p:strVal val="visible"/>
-                                      </p:to>
-                                    </p:set>
-                                    <p:animEffect transition="in" filter="randombar(horizontal)">
-                                      <p:cBhvr>
-                                        <p:cTn id="41" dur="500"/>
-                                        <p:tgtEl>
-                                          <p:spTgt spid="3">
-                                            <p:txEl>
-                                              <p:pRg st="10" end="10"/>
                                             </p:txEl>
                                           </p:spTgt>
                                         </p:tgtEl>
@@ -26689,7 +26309,7 @@
         <p:spPr>
           <a:xfrm>
             <a:off x="872399" y="1505546"/>
-            <a:ext cx="10795725" cy="2677656"/>
+            <a:ext cx="10795725" cy="5355312"/>
           </a:xfrm>
           <a:prstGeom prst="rect">
             <a:avLst/>
@@ -26703,28 +26323,55 @@
           <a:lstStyle/>
           <a:p>
             <a:r>
-              <a:rPr lang="en-US" sz="2000" dirty="0"/>
-              <a:t>Prompt: "Time is to aging as Jupiter is to..." Please elaborate on your thought process.</a:t>
-            </a:r>
-          </a:p>
-          <a:p>
-            <a:endParaRPr lang="en-US" sz="2000" dirty="0"/>
-          </a:p>
-          <a:p>
-            <a:r>
-              <a:rPr lang="en-US" sz="2000" dirty="0"/>
-              <a:t>Human Response:</a:t>
-            </a:r>
-          </a:p>
-          <a:p>
-            <a:endParaRPr lang="en-US" sz="2000" dirty="0"/>
-          </a:p>
-          <a:p>
-            <a:r>
-              <a:rPr lang="en-US" sz="8800" dirty="0"/>
-              <a:t>No guess.</a:t>
-            </a:r>
-            <a:endParaRPr lang="en-US" sz="8800" b="0" dirty="0">
+              <a:rPr lang="en-US" sz="1900" dirty="0"/>
+              <a:t>Prompt: Complete this sentence: "Time is to aging as Jupiter is to..." Please elaborate on your thought process.</a:t>
+            </a:r>
+          </a:p>
+          <a:p>
+            <a:endParaRPr lang="en-US" sz="1900" dirty="0"/>
+          </a:p>
+          <a:p>
+            <a:r>
+              <a:rPr lang="en-US" sz="1900" dirty="0"/>
+              <a:t>GPT Response: </a:t>
+            </a:r>
+          </a:p>
+          <a:p>
+            <a:endParaRPr lang="en-US" sz="1900" dirty="0"/>
+          </a:p>
+          <a:p>
+            <a:r>
+              <a:rPr lang="en-US" sz="1900" dirty="0"/>
+              <a:t>This analogy is comparing the effect of time on aging to the effect of Jupiter on something else. </a:t>
+            </a:r>
+          </a:p>
+          <a:p>
+            <a:endParaRPr lang="en-US" sz="1900" dirty="0"/>
+          </a:p>
+          <a:p>
+            <a:r>
+              <a:rPr lang="en-US" sz="1900" dirty="0"/>
+              <a:t>Time is related to aging in that as time passes, living beings age. So, we need to think of something that Jupiter, the largest planet in our solar system, influences or affects in a similar way.</a:t>
+            </a:r>
+          </a:p>
+          <a:p>
+            <a:endParaRPr lang="en-US" sz="1900" dirty="0"/>
+          </a:p>
+          <a:p>
+            <a:r>
+              <a:rPr lang="en-US" sz="1900" dirty="0"/>
+              <a:t>One of the most significant influences Jupiter has is on its many moons due to its strong gravitational pull. So, the completed sentence could be: "Time is to aging as Jupiter is to orbiting moons."</a:t>
+            </a:r>
+          </a:p>
+          <a:p>
+            <a:endParaRPr lang="en-US" sz="1900" dirty="0"/>
+          </a:p>
+          <a:p>
+            <a:r>
+              <a:rPr lang="en-US" sz="1900" dirty="0"/>
+              <a:t>This maintains the structure of the analogy and creates a parallel between the two parts. Time influences aging, and Jupiter influences its moons' orbits.</a:t>
+            </a:r>
+            <a:endParaRPr lang="en-US" sz="1900" b="0" dirty="0">
               <a:effectLst/>
             </a:endParaRPr>
           </a:p>
@@ -26733,7 +26380,7 @@
     </p:spTree>
     <p:extLst>
       <p:ext uri="{BB962C8B-B14F-4D97-AF65-F5344CB8AC3E}">
-        <p14:creationId xmlns:p14="http://schemas.microsoft.com/office/powerpoint/2010/main" val="3698385502"/>
+        <p14:creationId xmlns:p14="http://schemas.microsoft.com/office/powerpoint/2010/main" val="3088361774"/>
       </p:ext>
     </p:extLst>
   </p:cSld>
@@ -27100,6 +26747,135 @@
                                           <p:spTgt spid="3">
                                             <p:txEl>
                                               <p:pRg st="4" end="4"/>
+                                            </p:txEl>
+                                          </p:spTgt>
+                                        </p:tgtEl>
+                                      </p:cBhvr>
+                                    </p:animEffect>
+                                  </p:childTnLst>
+                                </p:cTn>
+                              </p:par>
+                              <p:par>
+                                <p:cTn id="33" presetID="14" presetClass="entr" presetSubtype="10" fill="hold" nodeType="withEffect">
+                                  <p:stCondLst>
+                                    <p:cond delay="0"/>
+                                  </p:stCondLst>
+                                  <p:childTnLst>
+                                    <p:set>
+                                      <p:cBhvr>
+                                        <p:cTn id="34" dur="1" fill="hold">
+                                          <p:stCondLst>
+                                            <p:cond delay="0"/>
+                                          </p:stCondLst>
+                                        </p:cTn>
+                                        <p:tgtEl>
+                                          <p:spTgt spid="3">
+                                            <p:txEl>
+                                              <p:pRg st="6" end="6"/>
+                                            </p:txEl>
+                                          </p:spTgt>
+                                        </p:tgtEl>
+                                        <p:attrNameLst>
+                                          <p:attrName>style.visibility</p:attrName>
+                                        </p:attrNameLst>
+                                      </p:cBhvr>
+                                      <p:to>
+                                        <p:strVal val="visible"/>
+                                      </p:to>
+                                    </p:set>
+                                    <p:animEffect transition="in" filter="randombar(horizontal)">
+                                      <p:cBhvr>
+                                        <p:cTn id="35" dur="500"/>
+                                        <p:tgtEl>
+                                          <p:spTgt spid="3">
+                                            <p:txEl>
+                                              <p:pRg st="6" end="6"/>
+                                            </p:txEl>
+                                          </p:spTgt>
+                                        </p:tgtEl>
+                                      </p:cBhvr>
+                                    </p:animEffect>
+                                  </p:childTnLst>
+                                </p:cTn>
+                              </p:par>
+                              <p:par>
+                                <p:cTn id="36" presetID="14" presetClass="entr" presetSubtype="10" fill="hold" nodeType="withEffect">
+                                  <p:stCondLst>
+                                    <p:cond delay="0"/>
+                                  </p:stCondLst>
+                                  <p:childTnLst>
+                                    <p:set>
+                                      <p:cBhvr>
+                                        <p:cTn id="37" dur="1" fill="hold">
+                                          <p:stCondLst>
+                                            <p:cond delay="0"/>
+                                          </p:stCondLst>
+                                        </p:cTn>
+                                        <p:tgtEl>
+                                          <p:spTgt spid="3">
+                                            <p:txEl>
+                                              <p:pRg st="8" end="8"/>
+                                            </p:txEl>
+                                          </p:spTgt>
+                                        </p:tgtEl>
+                                        <p:attrNameLst>
+                                          <p:attrName>style.visibility</p:attrName>
+                                        </p:attrNameLst>
+                                      </p:cBhvr>
+                                      <p:to>
+                                        <p:strVal val="visible"/>
+                                      </p:to>
+                                    </p:set>
+                                    <p:animEffect transition="in" filter="randombar(horizontal)">
+                                      <p:cBhvr>
+                                        <p:cTn id="38" dur="500"/>
+                                        <p:tgtEl>
+                                          <p:spTgt spid="3">
+                                            <p:txEl>
+                                              <p:pRg st="8" end="8"/>
+                                            </p:txEl>
+                                          </p:spTgt>
+                                        </p:tgtEl>
+                                      </p:cBhvr>
+                                    </p:animEffect>
+                                  </p:childTnLst>
+                                </p:cTn>
+                              </p:par>
+                              <p:par>
+                                <p:cTn id="39" presetID="14" presetClass="entr" presetSubtype="10" fill="hold" nodeType="withEffect">
+                                  <p:stCondLst>
+                                    <p:cond delay="0"/>
+                                  </p:stCondLst>
+                                  <p:childTnLst>
+                                    <p:set>
+                                      <p:cBhvr>
+                                        <p:cTn id="40" dur="1" fill="hold">
+                                          <p:stCondLst>
+                                            <p:cond delay="0"/>
+                                          </p:stCondLst>
+                                        </p:cTn>
+                                        <p:tgtEl>
+                                          <p:spTgt spid="3">
+                                            <p:txEl>
+                                              <p:pRg st="10" end="10"/>
+                                            </p:txEl>
+                                          </p:spTgt>
+                                        </p:tgtEl>
+                                        <p:attrNameLst>
+                                          <p:attrName>style.visibility</p:attrName>
+                                        </p:attrNameLst>
+                                      </p:cBhvr>
+                                      <p:to>
+                                        <p:strVal val="visible"/>
+                                      </p:to>
+                                    </p:set>
+                                    <p:animEffect transition="in" filter="randombar(horizontal)">
+                                      <p:cBhvr>
+                                        <p:cTn id="41" dur="500"/>
+                                        <p:tgtEl>
+                                          <p:spTgt spid="3">
+                                            <p:txEl>
+                                              <p:pRg st="10" end="10"/>
                                             </p:txEl>
                                           </p:spTgt>
                                         </p:tgtEl>
@@ -27625,7 +27401,7 @@
         <p:spPr>
           <a:xfrm>
             <a:off x="872399" y="1505546"/>
-            <a:ext cx="10795725" cy="5555367"/>
+            <a:ext cx="10795725" cy="2677656"/>
           </a:xfrm>
           <a:prstGeom prst="rect">
             <a:avLst/>
@@ -27639,68 +27415,28 @@
           <a:lstStyle/>
           <a:p>
             <a:r>
-              <a:rPr lang="en-US" sz="1600" dirty="0"/>
-              <a:t>Prompt: Consider this sentence: "The bear is a triangle." Will it zoom? Please elaborate on your thought process.</a:t>
-            </a:r>
-          </a:p>
-          <a:p>
-            <a:endParaRPr lang="en-US" sz="1600" b="0" dirty="0">
-              <a:effectLst/>
-            </a:endParaRPr>
-          </a:p>
-          <a:p>
-            <a:r>
-              <a:rPr lang="en-US" sz="1600" dirty="0"/>
-              <a:t>GPT Response: </a:t>
-            </a:r>
-          </a:p>
-          <a:p>
-            <a:endParaRPr lang="en-US" sz="1600" dirty="0"/>
-          </a:p>
-          <a:p>
-            <a:r>
-              <a:rPr lang="en-US" sz="1600" dirty="0"/>
-              <a:t>The given statements don't provide sufficient context or related information for me to determine whether "it will zoom". </a:t>
-            </a:r>
-          </a:p>
-          <a:p>
-            <a:endParaRPr lang="en-US" sz="1600" dirty="0"/>
-          </a:p>
-          <a:p>
-            <a:r>
-              <a:rPr lang="en-US" sz="1600" dirty="0"/>
-              <a:t>In the sentence "The bear is a triangle," the bear being referred to as a triangle could be metaphorical, or it could relate to some specific context or way of categorizing things not provided. But without further context, this statement is unclear.</a:t>
-            </a:r>
-          </a:p>
-          <a:p>
-            <a:endParaRPr lang="en-US" sz="1600" dirty="0"/>
-          </a:p>
-          <a:p>
-            <a:r>
-              <a:rPr lang="en-US" sz="1600" dirty="0"/>
-              <a:t>The question "Will it zoom?" is unrelated to the previous sentence, as neither bears nor triangles typically "zoom", at least in the ordinary meanings of those words.</a:t>
-            </a:r>
-          </a:p>
-          <a:p>
-            <a:endParaRPr lang="en-US" sz="1600" dirty="0"/>
-          </a:p>
-          <a:p>
-            <a:r>
-              <a:rPr lang="en-US" sz="1600" dirty="0"/>
-              <a:t>"Zoom" usually refers to moving swiftly or focusing closely, such as in fast motion or in magnifying an image digitally. Without more context or clear connection to the bear or triangle, it's not possible to answer whether "it" (presumably either the bear or triangle) will "zoom."</a:t>
-            </a:r>
-          </a:p>
-          <a:p>
-            <a:endParaRPr lang="en-US" sz="1600" dirty="0"/>
-          </a:p>
-          <a:p>
-            <a:r>
-              <a:rPr lang="en-US" sz="1600" dirty="0"/>
-              <a:t>Thus, based on the given information, we can't accurately determine if "it will zoom." More information is needed to give a fitting response.</a:t>
-            </a:r>
-          </a:p>
-          <a:p>
-            <a:endParaRPr lang="en-US" sz="1900" b="0" dirty="0">
+              <a:rPr lang="en-US" sz="2000" dirty="0"/>
+              <a:t>Prompt: "Time is to aging as Jupiter is to..." Please elaborate on your thought process.</a:t>
+            </a:r>
+          </a:p>
+          <a:p>
+            <a:endParaRPr lang="en-US" sz="2000" dirty="0"/>
+          </a:p>
+          <a:p>
+            <a:r>
+              <a:rPr lang="en-US" sz="2000" dirty="0"/>
+              <a:t>Human Response:</a:t>
+            </a:r>
+          </a:p>
+          <a:p>
+            <a:endParaRPr lang="en-US" sz="2000" dirty="0"/>
+          </a:p>
+          <a:p>
+            <a:r>
+              <a:rPr lang="en-US" sz="8800" dirty="0"/>
+              <a:t>No guess.</a:t>
+            </a:r>
+            <a:endParaRPr lang="en-US" sz="8800" b="0" dirty="0">
               <a:effectLst/>
             </a:endParaRPr>
           </a:p>
@@ -27709,7 +27445,7 @@
     </p:spTree>
     <p:extLst>
       <p:ext uri="{BB962C8B-B14F-4D97-AF65-F5344CB8AC3E}">
-        <p14:creationId xmlns:p14="http://schemas.microsoft.com/office/powerpoint/2010/main" val="2365121032"/>
+        <p14:creationId xmlns:p14="http://schemas.microsoft.com/office/powerpoint/2010/main" val="3698385502"/>
       </p:ext>
     </p:extLst>
   </p:cSld>
@@ -27901,15 +27637,33 @@
                                   </p:childTnLst>
                                 </p:cTn>
                               </p:par>
+                            </p:childTnLst>
+                          </p:cTn>
+                        </p:par>
+                      </p:childTnLst>
+                    </p:cTn>
+                  </p:par>
+                  <p:par>
+                    <p:cTn id="18" fill="hold">
+                      <p:stCondLst>
+                        <p:cond delay="indefinite"/>
+                      </p:stCondLst>
+                      <p:childTnLst>
+                        <p:par>
+                          <p:cTn id="19" fill="hold">
+                            <p:stCondLst>
+                              <p:cond delay="0"/>
+                            </p:stCondLst>
+                            <p:childTnLst>
                               <p:par>
-                                <p:cTn id="18" presetID="14" presetClass="entr" presetSubtype="10" fill="hold" nodeType="withEffect">
+                                <p:cTn id="20" presetID="14" presetClass="entr" presetSubtype="10" fill="hold" nodeType="clickEffect">
                                   <p:stCondLst>
                                     <p:cond delay="0"/>
                                   </p:stCondLst>
                                   <p:childTnLst>
                                     <p:set>
                                       <p:cBhvr>
-                                        <p:cTn id="19" dur="1" fill="hold">
+                                        <p:cTn id="21" dur="1" fill="hold">
                                           <p:stCondLst>
                                             <p:cond delay="0"/>
                                           </p:stCondLst>
@@ -27931,7 +27685,7 @@
                                     </p:set>
                                     <p:animEffect transition="in" filter="randombar(horizontal)">
                                       <p:cBhvr>
-                                        <p:cTn id="20" dur="500"/>
+                                        <p:cTn id="22" dur="500"/>
                                         <p:tgtEl>
                                           <p:spTgt spid="3">
                                             <p:txEl>
@@ -27951,26 +27705,26 @@
                     </p:cTn>
                   </p:par>
                   <p:par>
-                    <p:cTn id="21" fill="hold">
+                    <p:cTn id="23" fill="hold">
                       <p:stCondLst>
                         <p:cond delay="indefinite"/>
                       </p:stCondLst>
                       <p:childTnLst>
                         <p:par>
-                          <p:cTn id="22" fill="hold">
+                          <p:cTn id="24" fill="hold">
                             <p:stCondLst>
                               <p:cond delay="0"/>
                             </p:stCondLst>
                             <p:childTnLst>
                               <p:par>
-                                <p:cTn id="23" presetID="14" presetClass="entr" presetSubtype="10" fill="hold" nodeType="clickEffect">
+                                <p:cTn id="25" presetID="14" presetClass="entr" presetSubtype="10" fill="hold" nodeType="clickEffect">
                                   <p:stCondLst>
                                     <p:cond delay="0"/>
                                   </p:stCondLst>
                                   <p:childTnLst>
                                     <p:set>
                                       <p:cBhvr>
-                                        <p:cTn id="24" dur="1" fill="hold">
+                                        <p:cTn id="26" dur="1" fill="hold">
                                           <p:stCondLst>
                                             <p:cond delay="0"/>
                                           </p:stCondLst>
@@ -27992,7 +27746,7 @@
                                     </p:set>
                                     <p:animEffect transition="in" filter="randombar(horizontal)">
                                       <p:cBhvr>
-                                        <p:cTn id="25" dur="500"/>
+                                        <p:cTn id="27" dur="500"/>
                                         <p:tgtEl>
                                           <p:spTgt spid="3">
                                             <p:txEl>
@@ -28012,26 +27766,26 @@
                     </p:cTn>
                   </p:par>
                   <p:par>
-                    <p:cTn id="26" fill="hold">
+                    <p:cTn id="28" fill="hold">
                       <p:stCondLst>
                         <p:cond delay="indefinite"/>
                       </p:stCondLst>
                       <p:childTnLst>
                         <p:par>
-                          <p:cTn id="27" fill="hold">
+                          <p:cTn id="29" fill="hold">
                             <p:stCondLst>
                               <p:cond delay="0"/>
                             </p:stCondLst>
                             <p:childTnLst>
                               <p:par>
-                                <p:cTn id="28" presetID="14" presetClass="entr" presetSubtype="10" fill="hold" nodeType="clickEffect">
+                                <p:cTn id="30" presetID="14" presetClass="entr" presetSubtype="10" fill="hold" nodeType="clickEffect">
                                   <p:stCondLst>
                                     <p:cond delay="0"/>
                                   </p:stCondLst>
                                   <p:childTnLst>
                                     <p:set>
                                       <p:cBhvr>
-                                        <p:cTn id="29" dur="1" fill="hold">
+                                        <p:cTn id="31" dur="1" fill="hold">
                                           <p:stCondLst>
                                             <p:cond delay="0"/>
                                           </p:stCondLst>
@@ -28053,183 +27807,11 @@
                                     </p:set>
                                     <p:animEffect transition="in" filter="randombar(horizontal)">
                                       <p:cBhvr>
-                                        <p:cTn id="30" dur="500"/>
+                                        <p:cTn id="32" dur="500"/>
                                         <p:tgtEl>
                                           <p:spTgt spid="3">
                                             <p:txEl>
                                               <p:pRg st="4" end="4"/>
-                                            </p:txEl>
-                                          </p:spTgt>
-                                        </p:tgtEl>
-                                      </p:cBhvr>
-                                    </p:animEffect>
-                                  </p:childTnLst>
-                                </p:cTn>
-                              </p:par>
-                              <p:par>
-                                <p:cTn id="31" presetID="14" presetClass="entr" presetSubtype="10" fill="hold" nodeType="withEffect">
-                                  <p:stCondLst>
-                                    <p:cond delay="0"/>
-                                  </p:stCondLst>
-                                  <p:childTnLst>
-                                    <p:set>
-                                      <p:cBhvr>
-                                        <p:cTn id="32" dur="1" fill="hold">
-                                          <p:stCondLst>
-                                            <p:cond delay="0"/>
-                                          </p:stCondLst>
-                                        </p:cTn>
-                                        <p:tgtEl>
-                                          <p:spTgt spid="3">
-                                            <p:txEl>
-                                              <p:pRg st="6" end="6"/>
-                                            </p:txEl>
-                                          </p:spTgt>
-                                        </p:tgtEl>
-                                        <p:attrNameLst>
-                                          <p:attrName>style.visibility</p:attrName>
-                                        </p:attrNameLst>
-                                      </p:cBhvr>
-                                      <p:to>
-                                        <p:strVal val="visible"/>
-                                      </p:to>
-                                    </p:set>
-                                    <p:animEffect transition="in" filter="randombar(horizontal)">
-                                      <p:cBhvr>
-                                        <p:cTn id="33" dur="500"/>
-                                        <p:tgtEl>
-                                          <p:spTgt spid="3">
-                                            <p:txEl>
-                                              <p:pRg st="6" end="6"/>
-                                            </p:txEl>
-                                          </p:spTgt>
-                                        </p:tgtEl>
-                                      </p:cBhvr>
-                                    </p:animEffect>
-                                  </p:childTnLst>
-                                </p:cTn>
-                              </p:par>
-                              <p:par>
-                                <p:cTn id="34" presetID="14" presetClass="entr" presetSubtype="10" fill="hold" nodeType="withEffect">
-                                  <p:stCondLst>
-                                    <p:cond delay="0"/>
-                                  </p:stCondLst>
-                                  <p:childTnLst>
-                                    <p:set>
-                                      <p:cBhvr>
-                                        <p:cTn id="35" dur="1" fill="hold">
-                                          <p:stCondLst>
-                                            <p:cond delay="0"/>
-                                          </p:stCondLst>
-                                        </p:cTn>
-                                        <p:tgtEl>
-                                          <p:spTgt spid="3">
-                                            <p:txEl>
-                                              <p:pRg st="8" end="8"/>
-                                            </p:txEl>
-                                          </p:spTgt>
-                                        </p:tgtEl>
-                                        <p:attrNameLst>
-                                          <p:attrName>style.visibility</p:attrName>
-                                        </p:attrNameLst>
-                                      </p:cBhvr>
-                                      <p:to>
-                                        <p:strVal val="visible"/>
-                                      </p:to>
-                                    </p:set>
-                                    <p:animEffect transition="in" filter="randombar(horizontal)">
-                                      <p:cBhvr>
-                                        <p:cTn id="36" dur="500"/>
-                                        <p:tgtEl>
-                                          <p:spTgt spid="3">
-                                            <p:txEl>
-                                              <p:pRg st="8" end="8"/>
-                                            </p:txEl>
-                                          </p:spTgt>
-                                        </p:tgtEl>
-                                      </p:cBhvr>
-                                    </p:animEffect>
-                                  </p:childTnLst>
-                                </p:cTn>
-                              </p:par>
-                              <p:par>
-                                <p:cTn id="37" presetID="14" presetClass="entr" presetSubtype="10" fill="hold" nodeType="withEffect">
-                                  <p:stCondLst>
-                                    <p:cond delay="0"/>
-                                  </p:stCondLst>
-                                  <p:childTnLst>
-                                    <p:set>
-                                      <p:cBhvr>
-                                        <p:cTn id="38" dur="1" fill="hold">
-                                          <p:stCondLst>
-                                            <p:cond delay="0"/>
-                                          </p:stCondLst>
-                                        </p:cTn>
-                                        <p:tgtEl>
-                                          <p:spTgt spid="3">
-                                            <p:txEl>
-                                              <p:pRg st="10" end="10"/>
-                                            </p:txEl>
-                                          </p:spTgt>
-                                        </p:tgtEl>
-                                        <p:attrNameLst>
-                                          <p:attrName>style.visibility</p:attrName>
-                                        </p:attrNameLst>
-                                      </p:cBhvr>
-                                      <p:to>
-                                        <p:strVal val="visible"/>
-                                      </p:to>
-                                    </p:set>
-                                    <p:animEffect transition="in" filter="randombar(horizontal)">
-                                      <p:cBhvr>
-                                        <p:cTn id="39" dur="500"/>
-                                        <p:tgtEl>
-                                          <p:spTgt spid="3">
-                                            <p:txEl>
-                                              <p:pRg st="10" end="10"/>
-                                            </p:txEl>
-                                          </p:spTgt>
-                                        </p:tgtEl>
-                                      </p:cBhvr>
-                                    </p:animEffect>
-                                  </p:childTnLst>
-                                </p:cTn>
-                              </p:par>
-                              <p:par>
-                                <p:cTn id="40" presetID="14" presetClass="entr" presetSubtype="10" fill="hold" nodeType="withEffect">
-                                  <p:stCondLst>
-                                    <p:cond delay="0"/>
-                                  </p:stCondLst>
-                                  <p:childTnLst>
-                                    <p:set>
-                                      <p:cBhvr>
-                                        <p:cTn id="41" dur="1" fill="hold">
-                                          <p:stCondLst>
-                                            <p:cond delay="0"/>
-                                          </p:stCondLst>
-                                        </p:cTn>
-                                        <p:tgtEl>
-                                          <p:spTgt spid="3">
-                                            <p:txEl>
-                                              <p:pRg st="12" end="12"/>
-                                            </p:txEl>
-                                          </p:spTgt>
-                                        </p:tgtEl>
-                                        <p:attrNameLst>
-                                          <p:attrName>style.visibility</p:attrName>
-                                        </p:attrNameLst>
-                                      </p:cBhvr>
-                                      <p:to>
-                                        <p:strVal val="visible"/>
-                                      </p:to>
-                                    </p:set>
-                                    <p:animEffect transition="in" filter="randombar(horizontal)">
-                                      <p:cBhvr>
-                                        <p:cTn id="42" dur="500"/>
-                                        <p:tgtEl>
-                                          <p:spTgt spid="3">
-                                            <p:txEl>
-                                              <p:pRg st="12" end="12"/>
                                             </p:txEl>
                                           </p:spTgt>
                                         </p:tgtEl>
@@ -29966,7 +29548,7 @@
         <p:spPr>
           <a:xfrm>
             <a:off x="872399" y="1505546"/>
-            <a:ext cx="10795725" cy="3539430"/>
+            <a:ext cx="10795725" cy="5555367"/>
           </a:xfrm>
           <a:prstGeom prst="rect">
             <a:avLst/>
@@ -29992,7 +29574,7 @@
           <a:p>
             <a:r>
               <a:rPr lang="en-US" sz="1600" dirty="0"/>
-              <a:t>Human Response: </a:t>
+              <a:t>GPT Response: </a:t>
             </a:r>
           </a:p>
           <a:p>
@@ -30000,10 +29582,48 @@
           </a:p>
           <a:p>
             <a:r>
-              <a:rPr lang="en-US" sz="4800" dirty="0"/>
-              <a:t>Yes. Shape has no bearing on whether an animal will zoom or not. It is all about the desire to zoom.</a:t>
-            </a:r>
-            <a:endParaRPr lang="en-US" sz="4800" b="0" dirty="0">
+              <a:rPr lang="en-US" sz="1600" dirty="0"/>
+              <a:t>The given statements don't provide sufficient context or related information for me to determine whether "it will zoom". </a:t>
+            </a:r>
+          </a:p>
+          <a:p>
+            <a:endParaRPr lang="en-US" sz="1600" dirty="0"/>
+          </a:p>
+          <a:p>
+            <a:r>
+              <a:rPr lang="en-US" sz="1600" dirty="0"/>
+              <a:t>In the sentence "The bear is a triangle," the bear being referred to as a triangle could be metaphorical, or it could relate to some specific context or way of categorizing things not provided. But without further context, this statement is unclear.</a:t>
+            </a:r>
+          </a:p>
+          <a:p>
+            <a:endParaRPr lang="en-US" sz="1600" dirty="0"/>
+          </a:p>
+          <a:p>
+            <a:r>
+              <a:rPr lang="en-US" sz="1600" dirty="0"/>
+              <a:t>The question "Will it zoom?" is unrelated to the previous sentence, as neither bears nor triangles typically "zoom", at least in the ordinary meanings of those words.</a:t>
+            </a:r>
+          </a:p>
+          <a:p>
+            <a:endParaRPr lang="en-US" sz="1600" dirty="0"/>
+          </a:p>
+          <a:p>
+            <a:r>
+              <a:rPr lang="en-US" sz="1600" dirty="0"/>
+              <a:t>"Zoom" usually refers to moving swiftly or focusing closely, such as in fast motion or in magnifying an image digitally. Without more context or clear connection to the bear or triangle, it's not possible to answer whether "it" (presumably either the bear or triangle) will "zoom."</a:t>
+            </a:r>
+          </a:p>
+          <a:p>
+            <a:endParaRPr lang="en-US" sz="1600" dirty="0"/>
+          </a:p>
+          <a:p>
+            <a:r>
+              <a:rPr lang="en-US" sz="1600" dirty="0"/>
+              <a:t>Thus, based on the given information, we can't accurately determine if "it will zoom." More information is needed to give a fitting response.</a:t>
+            </a:r>
+          </a:p>
+          <a:p>
+            <a:endParaRPr lang="en-US" sz="1900" b="0" dirty="0">
               <a:effectLst/>
             </a:endParaRPr>
           </a:p>
@@ -30012,7 +29632,7 @@
     </p:spTree>
     <p:extLst>
       <p:ext uri="{BB962C8B-B14F-4D97-AF65-F5344CB8AC3E}">
-        <p14:creationId xmlns:p14="http://schemas.microsoft.com/office/powerpoint/2010/main" val="2940937435"/>
+        <p14:creationId xmlns:p14="http://schemas.microsoft.com/office/powerpoint/2010/main" val="2365121032"/>
       </p:ext>
     </p:extLst>
   </p:cSld>
@@ -30361,6 +29981,178 @@
                                           <p:spTgt spid="3">
                                             <p:txEl>
                                               <p:pRg st="4" end="4"/>
+                                            </p:txEl>
+                                          </p:spTgt>
+                                        </p:tgtEl>
+                                      </p:cBhvr>
+                                    </p:animEffect>
+                                  </p:childTnLst>
+                                </p:cTn>
+                              </p:par>
+                              <p:par>
+                                <p:cTn id="31" presetID="14" presetClass="entr" presetSubtype="10" fill="hold" nodeType="withEffect">
+                                  <p:stCondLst>
+                                    <p:cond delay="0"/>
+                                  </p:stCondLst>
+                                  <p:childTnLst>
+                                    <p:set>
+                                      <p:cBhvr>
+                                        <p:cTn id="32" dur="1" fill="hold">
+                                          <p:stCondLst>
+                                            <p:cond delay="0"/>
+                                          </p:stCondLst>
+                                        </p:cTn>
+                                        <p:tgtEl>
+                                          <p:spTgt spid="3">
+                                            <p:txEl>
+                                              <p:pRg st="6" end="6"/>
+                                            </p:txEl>
+                                          </p:spTgt>
+                                        </p:tgtEl>
+                                        <p:attrNameLst>
+                                          <p:attrName>style.visibility</p:attrName>
+                                        </p:attrNameLst>
+                                      </p:cBhvr>
+                                      <p:to>
+                                        <p:strVal val="visible"/>
+                                      </p:to>
+                                    </p:set>
+                                    <p:animEffect transition="in" filter="randombar(horizontal)">
+                                      <p:cBhvr>
+                                        <p:cTn id="33" dur="500"/>
+                                        <p:tgtEl>
+                                          <p:spTgt spid="3">
+                                            <p:txEl>
+                                              <p:pRg st="6" end="6"/>
+                                            </p:txEl>
+                                          </p:spTgt>
+                                        </p:tgtEl>
+                                      </p:cBhvr>
+                                    </p:animEffect>
+                                  </p:childTnLst>
+                                </p:cTn>
+                              </p:par>
+                              <p:par>
+                                <p:cTn id="34" presetID="14" presetClass="entr" presetSubtype="10" fill="hold" nodeType="withEffect">
+                                  <p:stCondLst>
+                                    <p:cond delay="0"/>
+                                  </p:stCondLst>
+                                  <p:childTnLst>
+                                    <p:set>
+                                      <p:cBhvr>
+                                        <p:cTn id="35" dur="1" fill="hold">
+                                          <p:stCondLst>
+                                            <p:cond delay="0"/>
+                                          </p:stCondLst>
+                                        </p:cTn>
+                                        <p:tgtEl>
+                                          <p:spTgt spid="3">
+                                            <p:txEl>
+                                              <p:pRg st="8" end="8"/>
+                                            </p:txEl>
+                                          </p:spTgt>
+                                        </p:tgtEl>
+                                        <p:attrNameLst>
+                                          <p:attrName>style.visibility</p:attrName>
+                                        </p:attrNameLst>
+                                      </p:cBhvr>
+                                      <p:to>
+                                        <p:strVal val="visible"/>
+                                      </p:to>
+                                    </p:set>
+                                    <p:animEffect transition="in" filter="randombar(horizontal)">
+                                      <p:cBhvr>
+                                        <p:cTn id="36" dur="500"/>
+                                        <p:tgtEl>
+                                          <p:spTgt spid="3">
+                                            <p:txEl>
+                                              <p:pRg st="8" end="8"/>
+                                            </p:txEl>
+                                          </p:spTgt>
+                                        </p:tgtEl>
+                                      </p:cBhvr>
+                                    </p:animEffect>
+                                  </p:childTnLst>
+                                </p:cTn>
+                              </p:par>
+                              <p:par>
+                                <p:cTn id="37" presetID="14" presetClass="entr" presetSubtype="10" fill="hold" nodeType="withEffect">
+                                  <p:stCondLst>
+                                    <p:cond delay="0"/>
+                                  </p:stCondLst>
+                                  <p:childTnLst>
+                                    <p:set>
+                                      <p:cBhvr>
+                                        <p:cTn id="38" dur="1" fill="hold">
+                                          <p:stCondLst>
+                                            <p:cond delay="0"/>
+                                          </p:stCondLst>
+                                        </p:cTn>
+                                        <p:tgtEl>
+                                          <p:spTgt spid="3">
+                                            <p:txEl>
+                                              <p:pRg st="10" end="10"/>
+                                            </p:txEl>
+                                          </p:spTgt>
+                                        </p:tgtEl>
+                                        <p:attrNameLst>
+                                          <p:attrName>style.visibility</p:attrName>
+                                        </p:attrNameLst>
+                                      </p:cBhvr>
+                                      <p:to>
+                                        <p:strVal val="visible"/>
+                                      </p:to>
+                                    </p:set>
+                                    <p:animEffect transition="in" filter="randombar(horizontal)">
+                                      <p:cBhvr>
+                                        <p:cTn id="39" dur="500"/>
+                                        <p:tgtEl>
+                                          <p:spTgt spid="3">
+                                            <p:txEl>
+                                              <p:pRg st="10" end="10"/>
+                                            </p:txEl>
+                                          </p:spTgt>
+                                        </p:tgtEl>
+                                      </p:cBhvr>
+                                    </p:animEffect>
+                                  </p:childTnLst>
+                                </p:cTn>
+                              </p:par>
+                              <p:par>
+                                <p:cTn id="40" presetID="14" presetClass="entr" presetSubtype="10" fill="hold" nodeType="withEffect">
+                                  <p:stCondLst>
+                                    <p:cond delay="0"/>
+                                  </p:stCondLst>
+                                  <p:childTnLst>
+                                    <p:set>
+                                      <p:cBhvr>
+                                        <p:cTn id="41" dur="1" fill="hold">
+                                          <p:stCondLst>
+                                            <p:cond delay="0"/>
+                                          </p:stCondLst>
+                                        </p:cTn>
+                                        <p:tgtEl>
+                                          <p:spTgt spid="3">
+                                            <p:txEl>
+                                              <p:pRg st="12" end="12"/>
+                                            </p:txEl>
+                                          </p:spTgt>
+                                        </p:tgtEl>
+                                        <p:attrNameLst>
+                                          <p:attrName>style.visibility</p:attrName>
+                                        </p:attrNameLst>
+                                      </p:cBhvr>
+                                      <p:to>
+                                        <p:strVal val="visible"/>
+                                      </p:to>
+                                    </p:set>
+                                    <p:animEffect transition="in" filter="randombar(horizontal)">
+                                      <p:cBhvr>
+                                        <p:cTn id="42" dur="500"/>
+                                        <p:tgtEl>
+                                          <p:spTgt spid="3">
+                                            <p:txEl>
+                                              <p:pRg st="12" end="12"/>
                                             </p:txEl>
                                           </p:spTgt>
                                         </p:tgtEl>
@@ -30886,7 +30678,7 @@
         <p:spPr>
           <a:xfrm>
             <a:off x="872399" y="1505546"/>
-            <a:ext cx="10795725" cy="4524315"/>
+            <a:ext cx="10795725" cy="3539430"/>
           </a:xfrm>
           <a:prstGeom prst="rect">
             <a:avLst/>
@@ -30900,43 +30692,39 @@
           <a:lstStyle/>
           <a:p>
             <a:r>
-              <a:rPr lang="en-US" sz="2400" dirty="0"/>
-              <a:t>“Man is an animal suspended in webs of significance he himself has spun, I take culture to be those webs and the analysis of it to be therefore not an experimental science in search of law but an interpretive one in search of meaning.”  -- Clifford Geertz</a:t>
-            </a:r>
-          </a:p>
-          <a:p>
-            <a:endParaRPr lang="en-US" sz="2400" dirty="0"/>
-          </a:p>
-          <a:p>
-            <a:r>
-              <a:rPr lang="en-US" sz="2400" dirty="0"/>
-              <a:t>“Understanding” and “meaning” are not the same thing. </a:t>
-            </a:r>
-          </a:p>
-          <a:p>
-            <a:endParaRPr lang="en-US" sz="2400" dirty="0"/>
-          </a:p>
-          <a:p>
-            <a:r>
-              <a:rPr lang="en-US" sz="2400" dirty="0"/>
-              <a:t>“Understanding” for humans is a creative act of finding meaning in an existential sense.</a:t>
-            </a:r>
-          </a:p>
-          <a:p>
-            <a:br>
-              <a:rPr lang="en-US" sz="2400" dirty="0"/>
-            </a:br>
-            <a:r>
-              <a:rPr lang="en-US" sz="2400" dirty="0"/>
-              <a:t>For the bots “understanding” is a  an act of finding meaning in a linguistic sense.</a:t>
-            </a:r>
+              <a:rPr lang="en-US" sz="1600" dirty="0"/>
+              <a:t>Prompt: Consider this sentence: "The bear is a triangle." Will it zoom? Please elaborate on your thought process.</a:t>
+            </a:r>
+          </a:p>
+          <a:p>
+            <a:endParaRPr lang="en-US" sz="1600" b="0" dirty="0">
+              <a:effectLst/>
+            </a:endParaRPr>
+          </a:p>
+          <a:p>
+            <a:r>
+              <a:rPr lang="en-US" sz="1600" dirty="0"/>
+              <a:t>Human Response: </a:t>
+            </a:r>
+          </a:p>
+          <a:p>
+            <a:endParaRPr lang="en-US" sz="1600" dirty="0"/>
+          </a:p>
+          <a:p>
+            <a:r>
+              <a:rPr lang="en-US" sz="4800" dirty="0"/>
+              <a:t>Yes. Shape has no bearing on whether an animal will zoom or not. It is all about the desire to zoom.</a:t>
+            </a:r>
+            <a:endParaRPr lang="en-US" sz="4800" b="0" dirty="0">
+              <a:effectLst/>
+            </a:endParaRPr>
           </a:p>
         </p:txBody>
       </p:sp>
     </p:spTree>
     <p:extLst>
       <p:ext uri="{BB962C8B-B14F-4D97-AF65-F5344CB8AC3E}">
-        <p14:creationId xmlns:p14="http://schemas.microsoft.com/office/powerpoint/2010/main" val="3824399417"/>
+        <p14:creationId xmlns:p14="http://schemas.microsoft.com/office/powerpoint/2010/main" val="2940937435"/>
       </p:ext>
     </p:extLst>
   </p:cSld>
@@ -31285,67 +31073,6 @@
                                           <p:spTgt spid="3">
                                             <p:txEl>
                                               <p:pRg st="4" end="4"/>
-                                            </p:txEl>
-                                          </p:spTgt>
-                                        </p:tgtEl>
-                                      </p:cBhvr>
-                                    </p:animEffect>
-                                  </p:childTnLst>
-                                </p:cTn>
-                              </p:par>
-                            </p:childTnLst>
-                          </p:cTn>
-                        </p:par>
-                      </p:childTnLst>
-                    </p:cTn>
-                  </p:par>
-                  <p:par>
-                    <p:cTn id="31" fill="hold">
-                      <p:stCondLst>
-                        <p:cond delay="indefinite"/>
-                      </p:stCondLst>
-                      <p:childTnLst>
-                        <p:par>
-                          <p:cTn id="32" fill="hold">
-                            <p:stCondLst>
-                              <p:cond delay="0"/>
-                            </p:stCondLst>
-                            <p:childTnLst>
-                              <p:par>
-                                <p:cTn id="33" presetID="14" presetClass="entr" presetSubtype="10" fill="hold" nodeType="clickEffect">
-                                  <p:stCondLst>
-                                    <p:cond delay="0"/>
-                                  </p:stCondLst>
-                                  <p:childTnLst>
-                                    <p:set>
-                                      <p:cBhvr>
-                                        <p:cTn id="34" dur="1" fill="hold">
-                                          <p:stCondLst>
-                                            <p:cond delay="0"/>
-                                          </p:stCondLst>
-                                        </p:cTn>
-                                        <p:tgtEl>
-                                          <p:spTgt spid="3">
-                                            <p:txEl>
-                                              <p:pRg st="5" end="5"/>
-                                            </p:txEl>
-                                          </p:spTgt>
-                                        </p:tgtEl>
-                                        <p:attrNameLst>
-                                          <p:attrName>style.visibility</p:attrName>
-                                        </p:attrNameLst>
-                                      </p:cBhvr>
-                                      <p:to>
-                                        <p:strVal val="visible"/>
-                                      </p:to>
-                                    </p:set>
-                                    <p:animEffect transition="in" filter="randombar(horizontal)">
-                                      <p:cBhvr>
-                                        <p:cTn id="35" dur="500"/>
-                                        <p:tgtEl>
-                                          <p:spTgt spid="3">
-                                            <p:txEl>
-                                              <p:pRg st="5" end="5"/>
                                             </p:txEl>
                                           </p:spTgt>
                                         </p:tgtEl>
@@ -31386,94 +31113,6 @@
 </file>
 
 <file path=ppt/slides/slide32.xml><?xml version="1.0" encoding="utf-8"?>
-<p:sld xmlns:a="http://schemas.openxmlformats.org/drawingml/2006/main" xmlns:r="http://schemas.openxmlformats.org/officeDocument/2006/relationships" xmlns:p="http://schemas.openxmlformats.org/presentationml/2006/main">
-  <p:cSld>
-    <p:spTree>
-      <p:nvGrpSpPr>
-        <p:cNvPr id="1" name=""/>
-        <p:cNvGrpSpPr/>
-        <p:nvPr/>
-      </p:nvGrpSpPr>
-      <p:grpSpPr>
-        <a:xfrm>
-          <a:off x="0" y="0"/>
-          <a:ext cx="0" cy="0"/>
-          <a:chOff x="0" y="0"/>
-          <a:chExt cx="0" cy="0"/>
-        </a:xfrm>
-      </p:grpSpPr>
-      <p:sp>
-        <p:nvSpPr>
-          <p:cNvPr id="2" name="Title 1">
-            <a:extLst>
-              <a:ext uri="{FF2B5EF4-FFF2-40B4-BE49-F238E27FC236}">
-                <a16:creationId xmlns:a16="http://schemas.microsoft.com/office/drawing/2014/main" id="{B675DBAE-AE2F-E1B6-2D16-309C12E16AA7}"/>
-              </a:ext>
-            </a:extLst>
-          </p:cNvPr>
-          <p:cNvSpPr>
-            <a:spLocks noGrp="1"/>
-          </p:cNvSpPr>
-          <p:nvPr>
-            <p:ph type="ctrTitle"/>
-          </p:nvPr>
-        </p:nvSpPr>
-        <p:spPr>
-          <a:xfrm>
-            <a:off x="2188030" y="484479"/>
-            <a:ext cx="7794170" cy="2944521"/>
-          </a:xfrm>
-        </p:spPr>
-        <p:txBody>
-          <a:bodyPr/>
-          <a:lstStyle/>
-          <a:p>
-            <a:r>
-              <a:rPr lang="en-US" dirty="0"/>
-              <a:t>5 – Next steps</a:t>
-            </a:r>
-          </a:p>
-        </p:txBody>
-      </p:sp>
-      <p:sp>
-        <p:nvSpPr>
-          <p:cNvPr id="3" name="Subtitle 2">
-            <a:extLst>
-              <a:ext uri="{FF2B5EF4-FFF2-40B4-BE49-F238E27FC236}">
-                <a16:creationId xmlns:a16="http://schemas.microsoft.com/office/drawing/2014/main" id="{7E11EBEB-EDCD-0CE3-C86C-4E318207B2F8}"/>
-              </a:ext>
-            </a:extLst>
-          </p:cNvPr>
-          <p:cNvSpPr>
-            <a:spLocks noGrp="1"/>
-          </p:cNvSpPr>
-          <p:nvPr>
-            <p:ph type="subTitle" idx="1"/>
-          </p:nvPr>
-        </p:nvSpPr>
-        <p:spPr/>
-        <p:txBody>
-          <a:bodyPr/>
-          <a:lstStyle/>
-          <a:p>
-            <a:endParaRPr lang="en-US" dirty="0"/>
-          </a:p>
-        </p:txBody>
-      </p:sp>
-    </p:spTree>
-    <p:extLst>
-      <p:ext uri="{BB962C8B-B14F-4D97-AF65-F5344CB8AC3E}">
-        <p14:creationId xmlns:p14="http://schemas.microsoft.com/office/powerpoint/2010/main" val="1150651826"/>
-      </p:ext>
-    </p:extLst>
-  </p:cSld>
-  <p:clrMapOvr>
-    <a:masterClrMapping/>
-  </p:clrMapOvr>
-</p:sld>
-</file>
-
-<file path=ppt/slides/slide33.xml><?xml version="1.0" encoding="utf-8"?>
 <p:sld xmlns:a="http://schemas.openxmlformats.org/drawingml/2006/main" xmlns:r="http://schemas.openxmlformats.org/officeDocument/2006/relationships" xmlns:p="http://schemas.openxmlformats.org/presentationml/2006/main">
   <p:cSld>
     <p:spTree>
@@ -31539,7 +31178,7 @@
           <a:p>
             <a:r>
               <a:rPr lang="en-US" sz="4400" u="sng" dirty="0"/>
-              <a:t>Next Steps</a:t>
+              <a:t>Results – The Subjective</a:t>
             </a:r>
             <a:endParaRPr lang="en-US" u="sng" dirty="0"/>
           </a:p>
@@ -31959,7 +31598,7 @@
         <p:spPr>
           <a:xfrm>
             <a:off x="872399" y="1505546"/>
-            <a:ext cx="10795725" cy="6001643"/>
+            <a:ext cx="10795725" cy="4524315"/>
           </a:xfrm>
           <a:prstGeom prst="rect">
             <a:avLst/>
@@ -31973,53 +31612,35 @@
           <a:lstStyle/>
           <a:p>
             <a:r>
-              <a:rPr lang="en-US" sz="3200" dirty="0"/>
-              <a:t>Successful “proof of concept”</a:t>
-            </a:r>
-          </a:p>
-          <a:p>
-            <a:endParaRPr lang="en-US" sz="3200" dirty="0"/>
-          </a:p>
-          <a:p>
-            <a:r>
-              <a:rPr lang="en-US" sz="3200" dirty="0"/>
-              <a:t>Better chat interface for humans</a:t>
-            </a:r>
-          </a:p>
-          <a:p>
-            <a:endParaRPr lang="en-US" sz="3200" dirty="0"/>
-          </a:p>
-          <a:p>
-            <a:r>
-              <a:rPr lang="en-US" sz="3200" dirty="0"/>
-              <a:t>More ratings, better ratings</a:t>
-            </a:r>
-          </a:p>
-          <a:p>
-            <a:endParaRPr lang="en-US" sz="3200" dirty="0"/>
-          </a:p>
-          <a:p>
-            <a:r>
-              <a:rPr lang="en-US" sz="3200" dirty="0"/>
-              <a:t>Better sample</a:t>
-            </a:r>
-          </a:p>
-          <a:p>
-            <a:endParaRPr lang="en-US" sz="3200" dirty="0"/>
-          </a:p>
-          <a:p>
-            <a:r>
-              <a:rPr lang="en-US" sz="3200" dirty="0"/>
-              <a:t>Individualized scale for each type of prompt – include nonsense prompts.</a:t>
-            </a:r>
-          </a:p>
-          <a:p>
-            <a:endParaRPr lang="en-US" sz="3200" dirty="0"/>
-          </a:p>
-          <a:p>
-            <a:r>
-              <a:rPr lang="en-US" sz="3200" dirty="0"/>
-              <a:t>More </a:t>
+              <a:rPr lang="en-US" sz="2400" dirty="0"/>
+              <a:t>“Man is an animal suspended in webs of significance he himself has spun, I take culture to be those webs and the analysis of it to be therefore not an experimental science in search of law but an interpretive one in search of meaning.”  -- Clifford Geertz</a:t>
+            </a:r>
+          </a:p>
+          <a:p>
+            <a:endParaRPr lang="en-US" sz="2400" dirty="0"/>
+          </a:p>
+          <a:p>
+            <a:r>
+              <a:rPr lang="en-US" sz="2400" dirty="0"/>
+              <a:t>“Understanding” and “meaning” are not the same thing. </a:t>
+            </a:r>
+          </a:p>
+          <a:p>
+            <a:endParaRPr lang="en-US" sz="2400" dirty="0"/>
+          </a:p>
+          <a:p>
+            <a:r>
+              <a:rPr lang="en-US" sz="2400" dirty="0"/>
+              <a:t>“Understanding” for humans is a creative act of finding meaning in an existential sense.</a:t>
+            </a:r>
+          </a:p>
+          <a:p>
+            <a:br>
+              <a:rPr lang="en-US" sz="2400" dirty="0"/>
+            </a:br>
+            <a:r>
+              <a:rPr lang="en-US" sz="2400" dirty="0"/>
+              <a:t>For the bots “understanding” is a  an act of finding meaning in a linguistic sense.</a:t>
             </a:r>
           </a:p>
         </p:txBody>
@@ -32027,7 +31648,7 @@
     </p:spTree>
     <p:extLst>
       <p:ext uri="{BB962C8B-B14F-4D97-AF65-F5344CB8AC3E}">
-        <p14:creationId xmlns:p14="http://schemas.microsoft.com/office/powerpoint/2010/main" val="3052676418"/>
+        <p14:creationId xmlns:p14="http://schemas.microsoft.com/office/powerpoint/2010/main" val="3824399417"/>
       </p:ext>
     </p:extLst>
   </p:cSld>
@@ -32219,33 +31840,15 @@
                                   </p:childTnLst>
                                 </p:cTn>
                               </p:par>
-                            </p:childTnLst>
-                          </p:cTn>
-                        </p:par>
-                      </p:childTnLst>
-                    </p:cTn>
-                  </p:par>
-                  <p:par>
-                    <p:cTn id="18" fill="hold">
-                      <p:stCondLst>
-                        <p:cond delay="indefinite"/>
-                      </p:stCondLst>
-                      <p:childTnLst>
-                        <p:par>
-                          <p:cTn id="19" fill="hold">
-                            <p:stCondLst>
-                              <p:cond delay="0"/>
-                            </p:stCondLst>
-                            <p:childTnLst>
                               <p:par>
-                                <p:cTn id="20" presetID="14" presetClass="entr" presetSubtype="10" fill="hold" nodeType="clickEffect">
+                                <p:cTn id="18" presetID="14" presetClass="entr" presetSubtype="10" fill="hold" nodeType="withEffect">
                                   <p:stCondLst>
                                     <p:cond delay="0"/>
                                   </p:stCondLst>
                                   <p:childTnLst>
                                     <p:set>
                                       <p:cBhvr>
-                                        <p:cTn id="21" dur="1" fill="hold">
+                                        <p:cTn id="19" dur="1" fill="hold">
                                           <p:stCondLst>
                                             <p:cond delay="0"/>
                                           </p:stCondLst>
@@ -32267,7 +31870,7 @@
                                     </p:set>
                                     <p:animEffect transition="in" filter="randombar(horizontal)">
                                       <p:cBhvr>
-                                        <p:cTn id="22" dur="500"/>
+                                        <p:cTn id="20" dur="500"/>
                                         <p:tgtEl>
                                           <p:spTgt spid="3">
                                             <p:txEl>
@@ -32287,26 +31890,26 @@
                     </p:cTn>
                   </p:par>
                   <p:par>
-                    <p:cTn id="23" fill="hold">
+                    <p:cTn id="21" fill="hold">
                       <p:stCondLst>
                         <p:cond delay="indefinite"/>
                       </p:stCondLst>
                       <p:childTnLst>
                         <p:par>
-                          <p:cTn id="24" fill="hold">
+                          <p:cTn id="22" fill="hold">
                             <p:stCondLst>
                               <p:cond delay="0"/>
                             </p:stCondLst>
                             <p:childTnLst>
                               <p:par>
-                                <p:cTn id="25" presetID="14" presetClass="entr" presetSubtype="10" fill="hold" nodeType="clickEffect">
+                                <p:cTn id="23" presetID="14" presetClass="entr" presetSubtype="10" fill="hold" nodeType="clickEffect">
                                   <p:stCondLst>
                                     <p:cond delay="0"/>
                                   </p:stCondLst>
                                   <p:childTnLst>
                                     <p:set>
                                       <p:cBhvr>
-                                        <p:cTn id="26" dur="1" fill="hold">
+                                        <p:cTn id="24" dur="1" fill="hold">
                                           <p:stCondLst>
                                             <p:cond delay="0"/>
                                           </p:stCondLst>
@@ -32328,7 +31931,7 @@
                                     </p:set>
                                     <p:animEffect transition="in" filter="randombar(horizontal)">
                                       <p:cBhvr>
-                                        <p:cTn id="27" dur="500"/>
+                                        <p:cTn id="25" dur="500"/>
                                         <p:tgtEl>
                                           <p:spTgt spid="3">
                                             <p:txEl>
@@ -32348,26 +31951,26 @@
                     </p:cTn>
                   </p:par>
                   <p:par>
-                    <p:cTn id="28" fill="hold">
+                    <p:cTn id="26" fill="hold">
                       <p:stCondLst>
                         <p:cond delay="indefinite"/>
                       </p:stCondLst>
                       <p:childTnLst>
                         <p:par>
-                          <p:cTn id="29" fill="hold">
+                          <p:cTn id="27" fill="hold">
                             <p:stCondLst>
                               <p:cond delay="0"/>
                             </p:stCondLst>
                             <p:childTnLst>
                               <p:par>
-                                <p:cTn id="30" presetID="14" presetClass="entr" presetSubtype="10" fill="hold" nodeType="clickEffect">
+                                <p:cTn id="28" presetID="14" presetClass="entr" presetSubtype="10" fill="hold" nodeType="clickEffect">
                                   <p:stCondLst>
                                     <p:cond delay="0"/>
                                   </p:stCondLst>
                                   <p:childTnLst>
                                     <p:set>
                                       <p:cBhvr>
-                                        <p:cTn id="31" dur="1" fill="hold">
+                                        <p:cTn id="29" dur="1" fill="hold">
                                           <p:stCondLst>
                                             <p:cond delay="0"/>
                                           </p:stCondLst>
@@ -32389,7 +31992,7 @@
                                     </p:set>
                                     <p:animEffect transition="in" filter="randombar(horizontal)">
                                       <p:cBhvr>
-                                        <p:cTn id="32" dur="500"/>
+                                        <p:cTn id="30" dur="500"/>
                                         <p:tgtEl>
                                           <p:spTgt spid="3">
                                             <p:txEl>
@@ -32409,26 +32012,26 @@
                     </p:cTn>
                   </p:par>
                   <p:par>
-                    <p:cTn id="33" fill="hold">
+                    <p:cTn id="31" fill="hold">
                       <p:stCondLst>
                         <p:cond delay="indefinite"/>
                       </p:stCondLst>
                       <p:childTnLst>
                         <p:par>
-                          <p:cTn id="34" fill="hold">
+                          <p:cTn id="32" fill="hold">
                             <p:stCondLst>
                               <p:cond delay="0"/>
                             </p:stCondLst>
                             <p:childTnLst>
                               <p:par>
-                                <p:cTn id="35" presetID="14" presetClass="entr" presetSubtype="10" fill="hold" nodeType="clickEffect">
+                                <p:cTn id="33" presetID="14" presetClass="entr" presetSubtype="10" fill="hold" nodeType="clickEffect">
                                   <p:stCondLst>
                                     <p:cond delay="0"/>
                                   </p:stCondLst>
                                   <p:childTnLst>
                                     <p:set>
                                       <p:cBhvr>
-                                        <p:cTn id="36" dur="1" fill="hold">
+                                        <p:cTn id="34" dur="1" fill="hold">
                                           <p:stCondLst>
                                             <p:cond delay="0"/>
                                           </p:stCondLst>
@@ -32436,7 +32039,7 @@
                                         <p:tgtEl>
                                           <p:spTgt spid="3">
                                             <p:txEl>
-                                              <p:pRg st="6" end="6"/>
+                                              <p:pRg st="5" end="5"/>
                                             </p:txEl>
                                           </p:spTgt>
                                         </p:tgtEl>
@@ -32450,133 +32053,11 @@
                                     </p:set>
                                     <p:animEffect transition="in" filter="randombar(horizontal)">
                                       <p:cBhvr>
-                                        <p:cTn id="37" dur="500"/>
+                                        <p:cTn id="35" dur="500"/>
                                         <p:tgtEl>
                                           <p:spTgt spid="3">
                                             <p:txEl>
-                                              <p:pRg st="6" end="6"/>
-                                            </p:txEl>
-                                          </p:spTgt>
-                                        </p:tgtEl>
-                                      </p:cBhvr>
-                                    </p:animEffect>
-                                  </p:childTnLst>
-                                </p:cTn>
-                              </p:par>
-                            </p:childTnLst>
-                          </p:cTn>
-                        </p:par>
-                      </p:childTnLst>
-                    </p:cTn>
-                  </p:par>
-                  <p:par>
-                    <p:cTn id="38" fill="hold">
-                      <p:stCondLst>
-                        <p:cond delay="indefinite"/>
-                      </p:stCondLst>
-                      <p:childTnLst>
-                        <p:par>
-                          <p:cTn id="39" fill="hold">
-                            <p:stCondLst>
-                              <p:cond delay="0"/>
-                            </p:stCondLst>
-                            <p:childTnLst>
-                              <p:par>
-                                <p:cTn id="40" presetID="14" presetClass="entr" presetSubtype="10" fill="hold" nodeType="clickEffect">
-                                  <p:stCondLst>
-                                    <p:cond delay="0"/>
-                                  </p:stCondLst>
-                                  <p:childTnLst>
-                                    <p:set>
-                                      <p:cBhvr>
-                                        <p:cTn id="41" dur="1" fill="hold">
-                                          <p:stCondLst>
-                                            <p:cond delay="0"/>
-                                          </p:stCondLst>
-                                        </p:cTn>
-                                        <p:tgtEl>
-                                          <p:spTgt spid="3">
-                                            <p:txEl>
-                                              <p:pRg st="8" end="8"/>
-                                            </p:txEl>
-                                          </p:spTgt>
-                                        </p:tgtEl>
-                                        <p:attrNameLst>
-                                          <p:attrName>style.visibility</p:attrName>
-                                        </p:attrNameLst>
-                                      </p:cBhvr>
-                                      <p:to>
-                                        <p:strVal val="visible"/>
-                                      </p:to>
-                                    </p:set>
-                                    <p:animEffect transition="in" filter="randombar(horizontal)">
-                                      <p:cBhvr>
-                                        <p:cTn id="42" dur="500"/>
-                                        <p:tgtEl>
-                                          <p:spTgt spid="3">
-                                            <p:txEl>
-                                              <p:pRg st="8" end="8"/>
-                                            </p:txEl>
-                                          </p:spTgt>
-                                        </p:tgtEl>
-                                      </p:cBhvr>
-                                    </p:animEffect>
-                                  </p:childTnLst>
-                                </p:cTn>
-                              </p:par>
-                            </p:childTnLst>
-                          </p:cTn>
-                        </p:par>
-                      </p:childTnLst>
-                    </p:cTn>
-                  </p:par>
-                  <p:par>
-                    <p:cTn id="43" fill="hold">
-                      <p:stCondLst>
-                        <p:cond delay="indefinite"/>
-                      </p:stCondLst>
-                      <p:childTnLst>
-                        <p:par>
-                          <p:cTn id="44" fill="hold">
-                            <p:stCondLst>
-                              <p:cond delay="0"/>
-                            </p:stCondLst>
-                            <p:childTnLst>
-                              <p:par>
-                                <p:cTn id="45" presetID="14" presetClass="entr" presetSubtype="10" fill="hold" nodeType="clickEffect">
-                                  <p:stCondLst>
-                                    <p:cond delay="0"/>
-                                  </p:stCondLst>
-                                  <p:childTnLst>
-                                    <p:set>
-                                      <p:cBhvr>
-                                        <p:cTn id="46" dur="1" fill="hold">
-                                          <p:stCondLst>
-                                            <p:cond delay="0"/>
-                                          </p:stCondLst>
-                                        </p:cTn>
-                                        <p:tgtEl>
-                                          <p:spTgt spid="3">
-                                            <p:txEl>
-                                              <p:pRg st="10" end="10"/>
-                                            </p:txEl>
-                                          </p:spTgt>
-                                        </p:tgtEl>
-                                        <p:attrNameLst>
-                                          <p:attrName>style.visibility</p:attrName>
-                                        </p:attrNameLst>
-                                      </p:cBhvr>
-                                      <p:to>
-                                        <p:strVal val="visible"/>
-                                      </p:to>
-                                    </p:set>
-                                    <p:animEffect transition="in" filter="randombar(horizontal)">
-                                      <p:cBhvr>
-                                        <p:cTn id="47" dur="500"/>
-                                        <p:tgtEl>
-                                          <p:spTgt spid="3">
-                                            <p:txEl>
-                                              <p:pRg st="10" end="10"/>
+                                              <p:pRg st="5" end="5"/>
                                             </p:txEl>
                                           </p:spTgt>
                                         </p:tgtEl>
@@ -32616,7 +32097,7 @@
 </p:sld>
 </file>
 
-<file path=ppt/slides/slide34.xml><?xml version="1.0" encoding="utf-8"?>
+<file path=ppt/slides/slide33.xml><?xml version="1.0" encoding="utf-8"?>
 <p:sld xmlns:a="http://schemas.openxmlformats.org/drawingml/2006/main" xmlns:r="http://schemas.openxmlformats.org/officeDocument/2006/relationships" xmlns:p="http://schemas.openxmlformats.org/presentationml/2006/main">
   <p:cSld>
     <p:spTree>
@@ -32661,7 +32142,7 @@
           <a:p>
             <a:r>
               <a:rPr lang="en-US" dirty="0"/>
-              <a:t>Works cited</a:t>
+              <a:t>5 – Next steps</a:t>
             </a:r>
           </a:p>
         </p:txBody>
@@ -32694,6 +32175,1237 @@
     </p:spTree>
     <p:extLst>
       <p:ext uri="{BB962C8B-B14F-4D97-AF65-F5344CB8AC3E}">
+        <p14:creationId xmlns:p14="http://schemas.microsoft.com/office/powerpoint/2010/main" val="1150651826"/>
+      </p:ext>
+    </p:extLst>
+  </p:cSld>
+  <p:clrMapOvr>
+    <a:masterClrMapping/>
+  </p:clrMapOvr>
+</p:sld>
+</file>
+
+<file path=ppt/slides/slide34.xml><?xml version="1.0" encoding="utf-8"?>
+<p:sld xmlns:a="http://schemas.openxmlformats.org/drawingml/2006/main" xmlns:r="http://schemas.openxmlformats.org/officeDocument/2006/relationships" xmlns:p="http://schemas.openxmlformats.org/presentationml/2006/main">
+  <p:cSld>
+    <p:spTree>
+      <p:nvGrpSpPr>
+        <p:cNvPr id="1" name=""/>
+        <p:cNvGrpSpPr/>
+        <p:nvPr/>
+      </p:nvGrpSpPr>
+      <p:grpSpPr>
+        <a:xfrm>
+          <a:off x="0" y="0"/>
+          <a:ext cx="0" cy="0"/>
+          <a:chOff x="0" y="0"/>
+          <a:chExt cx="0" cy="0"/>
+        </a:xfrm>
+      </p:grpSpPr>
+      <p:sp>
+        <p:nvSpPr>
+          <p:cNvPr id="4" name="Title 1">
+            <a:extLst>
+              <a:ext uri="{FF2B5EF4-FFF2-40B4-BE49-F238E27FC236}">
+                <a16:creationId xmlns:a16="http://schemas.microsoft.com/office/drawing/2014/main" id="{77080312-A8CF-A0B7-3DBA-A48AF41BFF78}"/>
+              </a:ext>
+            </a:extLst>
+          </p:cNvPr>
+          <p:cNvSpPr txBox="1">
+            <a:spLocks/>
+          </p:cNvSpPr>
+          <p:nvPr/>
+        </p:nvSpPr>
+        <p:spPr>
+          <a:xfrm>
+            <a:off x="872400" y="771600"/>
+            <a:ext cx="10728322" cy="652039"/>
+          </a:xfrm>
+          <a:prstGeom prst="rect">
+            <a:avLst/>
+          </a:prstGeom>
+        </p:spPr>
+        <p:txBody>
+          <a:bodyPr vert="horz" wrap="square" lIns="0" tIns="0" rIns="0" bIns="0" rtlCol="0" anchor="t" anchorCtr="0">
+            <a:normAutofit/>
+          </a:bodyPr>
+          <a:lstStyle>
+            <a:lvl1pPr algn="l" defTabSz="914400" rtl="0" eaLnBrk="1" latinLnBrk="0" hangingPunct="1">
+              <a:lnSpc>
+                <a:spcPct val="88000"/>
+              </a:lnSpc>
+              <a:spcBef>
+                <a:spcPct val="0"/>
+              </a:spcBef>
+              <a:buNone/>
+              <a:defRPr sz="4400" kern="1200" cap="none" spc="40" baseline="0">
+                <a:solidFill>
+                  <a:schemeClr val="tx1"/>
+                </a:solidFill>
+                <a:latin typeface="+mj-lt"/>
+                <a:ea typeface="+mj-ea"/>
+                <a:cs typeface="+mj-cs"/>
+              </a:defRPr>
+            </a:lvl1pPr>
+          </a:lstStyle>
+          <a:p>
+            <a:r>
+              <a:rPr lang="en-US" sz="4400" u="sng" dirty="0"/>
+              <a:t>Next Steps</a:t>
+            </a:r>
+            <a:endParaRPr lang="en-US" u="sng" dirty="0"/>
+          </a:p>
+          <a:p>
+            <a:endParaRPr lang="en-US" u="sng" dirty="0"/>
+          </a:p>
+          <a:p>
+            <a:endParaRPr lang="en-US" sz="3200" u="sng" dirty="0"/>
+          </a:p>
+        </p:txBody>
+      </p:sp>
+      <p:sp>
+        <p:nvSpPr>
+          <p:cNvPr id="8" name="Title 7" hidden="1">
+            <a:extLst>
+              <a:ext uri="{FF2B5EF4-FFF2-40B4-BE49-F238E27FC236}">
+                <a16:creationId xmlns:a16="http://schemas.microsoft.com/office/drawing/2014/main" id="{FC785BE3-7FF9-32E3-3E1C-3BAE746271A5}"/>
+              </a:ext>
+            </a:extLst>
+          </p:cNvPr>
+          <p:cNvSpPr>
+            <a:spLocks noGrp="1"/>
+          </p:cNvSpPr>
+          <p:nvPr>
+            <p:ph type="title"/>
+          </p:nvPr>
+        </p:nvSpPr>
+        <p:spPr/>
+        <p:txBody>
+          <a:bodyPr/>
+          <a:lstStyle/>
+          <a:p>
+            <a:endParaRPr lang="en-US" dirty="0"/>
+          </a:p>
+        </p:txBody>
+      </p:sp>
+      <p:sp>
+        <p:nvSpPr>
+          <p:cNvPr id="11" name="Content Placeholder 9" hidden="1">
+            <a:extLst>
+              <a:ext uri="{FF2B5EF4-FFF2-40B4-BE49-F238E27FC236}">
+                <a16:creationId xmlns:a16="http://schemas.microsoft.com/office/drawing/2014/main" id="{3A23DB2C-2365-3AB7-158E-8B2FD9574793}"/>
+              </a:ext>
+            </a:extLst>
+          </p:cNvPr>
+          <p:cNvSpPr txBox="1">
+            <a:spLocks/>
+          </p:cNvSpPr>
+          <p:nvPr/>
+        </p:nvSpPr>
+        <p:spPr>
+          <a:xfrm>
+            <a:off x="872400" y="3949292"/>
+            <a:ext cx="10728325" cy="2137108"/>
+          </a:xfrm>
+          <a:prstGeom prst="rect">
+            <a:avLst/>
+          </a:prstGeom>
+        </p:spPr>
+        <p:txBody>
+          <a:bodyPr vert="horz" lIns="0" tIns="0" rIns="0" bIns="0" rtlCol="0">
+            <a:normAutofit/>
+          </a:bodyPr>
+          <a:lstStyle>
+            <a:lvl1pPr marL="228600" indent="-228600" algn="l" defTabSz="914400" rtl="0" eaLnBrk="1" latinLnBrk="0" hangingPunct="1">
+              <a:lnSpc>
+                <a:spcPct val="120000"/>
+              </a:lnSpc>
+              <a:spcBef>
+                <a:spcPts val="1000"/>
+              </a:spcBef>
+              <a:buClr>
+                <a:schemeClr val="accent4"/>
+              </a:buClr>
+              <a:buFont typeface="The Hand Extrablack" panose="03070A02030502020204" pitchFamily="66" charset="0"/>
+              <a:buChar char="•"/>
+              <a:defRPr sz="2000" kern="1200" spc="20" baseline="0">
+                <a:solidFill>
+                  <a:schemeClr val="tx1">
+                    <a:alpha val="58000"/>
+                  </a:schemeClr>
+                </a:solidFill>
+                <a:latin typeface="+mn-lt"/>
+                <a:ea typeface="+mn-ea"/>
+                <a:cs typeface="+mn-cs"/>
+              </a:defRPr>
+            </a:lvl1pPr>
+            <a:lvl2pPr marL="685800" indent="-228600" algn="l" defTabSz="914400" rtl="0" eaLnBrk="1" latinLnBrk="0" hangingPunct="1">
+              <a:lnSpc>
+                <a:spcPct val="120000"/>
+              </a:lnSpc>
+              <a:spcBef>
+                <a:spcPts val="500"/>
+              </a:spcBef>
+              <a:buClr>
+                <a:schemeClr val="accent4"/>
+              </a:buClr>
+              <a:buFont typeface="The Hand Extrablack" panose="03070A02030502020204" pitchFamily="66" charset="0"/>
+              <a:buChar char="•"/>
+              <a:defRPr sz="2000" kern="1200" spc="20" baseline="0">
+                <a:solidFill>
+                  <a:schemeClr val="tx1">
+                    <a:alpha val="58000"/>
+                  </a:schemeClr>
+                </a:solidFill>
+                <a:latin typeface="+mn-lt"/>
+                <a:ea typeface="+mn-ea"/>
+                <a:cs typeface="+mn-cs"/>
+              </a:defRPr>
+            </a:lvl2pPr>
+            <a:lvl3pPr marL="1143000" indent="-228600" algn="l" defTabSz="914400" rtl="0" eaLnBrk="1" latinLnBrk="0" hangingPunct="1">
+              <a:lnSpc>
+                <a:spcPct val="120000"/>
+              </a:lnSpc>
+              <a:spcBef>
+                <a:spcPts val="500"/>
+              </a:spcBef>
+              <a:buClr>
+                <a:schemeClr val="accent4"/>
+              </a:buClr>
+              <a:buFont typeface="The Hand Extrablack" panose="03070A02030502020204" pitchFamily="66" charset="0"/>
+              <a:buChar char="•"/>
+              <a:defRPr sz="2000" kern="1200" spc="20" baseline="0">
+                <a:solidFill>
+                  <a:schemeClr val="tx1">
+                    <a:alpha val="58000"/>
+                  </a:schemeClr>
+                </a:solidFill>
+                <a:latin typeface="+mn-lt"/>
+                <a:ea typeface="+mn-ea"/>
+                <a:cs typeface="+mn-cs"/>
+              </a:defRPr>
+            </a:lvl3pPr>
+            <a:lvl4pPr marL="1600200" indent="-228600" algn="l" defTabSz="914400" rtl="0" eaLnBrk="1" latinLnBrk="0" hangingPunct="1">
+              <a:lnSpc>
+                <a:spcPct val="120000"/>
+              </a:lnSpc>
+              <a:spcBef>
+                <a:spcPts val="500"/>
+              </a:spcBef>
+              <a:buClr>
+                <a:schemeClr val="accent4"/>
+              </a:buClr>
+              <a:buFont typeface="The Hand Extrablack" panose="03070A02030502020204" pitchFamily="66" charset="0"/>
+              <a:buChar char="•"/>
+              <a:defRPr sz="2000" kern="1200" spc="20" baseline="0">
+                <a:solidFill>
+                  <a:schemeClr val="tx1">
+                    <a:alpha val="58000"/>
+                  </a:schemeClr>
+                </a:solidFill>
+                <a:latin typeface="+mn-lt"/>
+                <a:ea typeface="+mn-ea"/>
+                <a:cs typeface="+mn-cs"/>
+              </a:defRPr>
+            </a:lvl4pPr>
+            <a:lvl5pPr marL="2057400" indent="-228600" algn="l" defTabSz="914400" rtl="0" eaLnBrk="1" latinLnBrk="0" hangingPunct="1">
+              <a:lnSpc>
+                <a:spcPct val="120000"/>
+              </a:lnSpc>
+              <a:spcBef>
+                <a:spcPts val="500"/>
+              </a:spcBef>
+              <a:buClr>
+                <a:schemeClr val="accent4"/>
+              </a:buClr>
+              <a:buFont typeface="The Hand Extrablack" panose="03070A02030502020204" pitchFamily="66" charset="0"/>
+              <a:buChar char="•"/>
+              <a:defRPr sz="2000" kern="1200" spc="20" baseline="0">
+                <a:solidFill>
+                  <a:schemeClr val="tx1">
+                    <a:alpha val="58000"/>
+                  </a:schemeClr>
+                </a:solidFill>
+                <a:latin typeface="+mn-lt"/>
+                <a:ea typeface="+mn-ea"/>
+                <a:cs typeface="+mn-cs"/>
+              </a:defRPr>
+            </a:lvl5pPr>
+            <a:lvl6pPr marL="2514600" indent="-228600" algn="l" defTabSz="914400" rtl="0" eaLnBrk="1" latinLnBrk="0" hangingPunct="1">
+              <a:lnSpc>
+                <a:spcPct val="90000"/>
+              </a:lnSpc>
+              <a:spcBef>
+                <a:spcPts val="500"/>
+              </a:spcBef>
+              <a:buFont typeface="Arial" panose="020B0604020202020204" pitchFamily="34" charset="0"/>
+              <a:buChar char="•"/>
+              <a:defRPr sz="1800" kern="1200">
+                <a:solidFill>
+                  <a:schemeClr val="tx1"/>
+                </a:solidFill>
+                <a:latin typeface="+mn-lt"/>
+                <a:ea typeface="+mn-ea"/>
+                <a:cs typeface="+mn-cs"/>
+              </a:defRPr>
+            </a:lvl6pPr>
+            <a:lvl7pPr marL="2971800" indent="-228600" algn="l" defTabSz="914400" rtl="0" eaLnBrk="1" latinLnBrk="0" hangingPunct="1">
+              <a:lnSpc>
+                <a:spcPct val="90000"/>
+              </a:lnSpc>
+              <a:spcBef>
+                <a:spcPts val="500"/>
+              </a:spcBef>
+              <a:buFont typeface="Arial" panose="020B0604020202020204" pitchFamily="34" charset="0"/>
+              <a:buChar char="•"/>
+              <a:defRPr sz="1800" kern="1200">
+                <a:solidFill>
+                  <a:schemeClr val="tx1"/>
+                </a:solidFill>
+                <a:latin typeface="+mn-lt"/>
+                <a:ea typeface="+mn-ea"/>
+                <a:cs typeface="+mn-cs"/>
+              </a:defRPr>
+            </a:lvl7pPr>
+            <a:lvl8pPr marL="3429000" indent="-228600" algn="l" defTabSz="914400" rtl="0" eaLnBrk="1" latinLnBrk="0" hangingPunct="1">
+              <a:lnSpc>
+                <a:spcPct val="90000"/>
+              </a:lnSpc>
+              <a:spcBef>
+                <a:spcPts val="500"/>
+              </a:spcBef>
+              <a:buFont typeface="Arial" panose="020B0604020202020204" pitchFamily="34" charset="0"/>
+              <a:buChar char="•"/>
+              <a:defRPr sz="1800" kern="1200">
+                <a:solidFill>
+                  <a:schemeClr val="tx1"/>
+                </a:solidFill>
+                <a:latin typeface="+mn-lt"/>
+                <a:ea typeface="+mn-ea"/>
+                <a:cs typeface="+mn-cs"/>
+              </a:defRPr>
+            </a:lvl8pPr>
+            <a:lvl9pPr marL="3886200" indent="-228600" algn="l" defTabSz="914400" rtl="0" eaLnBrk="1" latinLnBrk="0" hangingPunct="1">
+              <a:lnSpc>
+                <a:spcPct val="90000"/>
+              </a:lnSpc>
+              <a:spcBef>
+                <a:spcPts val="500"/>
+              </a:spcBef>
+              <a:buFont typeface="Arial" panose="020B0604020202020204" pitchFamily="34" charset="0"/>
+              <a:buChar char="•"/>
+              <a:defRPr sz="1800" kern="1200">
+                <a:solidFill>
+                  <a:schemeClr val="tx1"/>
+                </a:solidFill>
+                <a:latin typeface="+mn-lt"/>
+                <a:ea typeface="+mn-ea"/>
+                <a:cs typeface="+mn-cs"/>
+              </a:defRPr>
+            </a:lvl9pPr>
+          </a:lstStyle>
+          <a:p>
+            <a:pPr marL="0" indent="0">
+              <a:buFont typeface="The Hand Extrablack" panose="03070A02030502020204" pitchFamily="66" charset="0"/>
+              <a:buNone/>
+            </a:pPr>
+            <a:endParaRPr lang="en-US" sz="3200" dirty="0"/>
+          </a:p>
+        </p:txBody>
+      </p:sp>
+      <p:sp>
+        <p:nvSpPr>
+          <p:cNvPr id="7" name="TextBox 6" hidden="1">
+            <a:extLst>
+              <a:ext uri="{FF2B5EF4-FFF2-40B4-BE49-F238E27FC236}">
+                <a16:creationId xmlns:a16="http://schemas.microsoft.com/office/drawing/2014/main" id="{1A2668D0-E600-B7B9-2054-4E147F93CC4C}"/>
+              </a:ext>
+            </a:extLst>
+          </p:cNvPr>
+          <p:cNvSpPr txBox="1"/>
+          <p:nvPr/>
+        </p:nvSpPr>
+        <p:spPr>
+          <a:xfrm>
+            <a:off x="694130" y="2290800"/>
+            <a:ext cx="10803742" cy="3416320"/>
+          </a:xfrm>
+          <a:prstGeom prst="rect">
+            <a:avLst/>
+          </a:prstGeom>
+          <a:noFill/>
+        </p:spPr>
+        <p:txBody>
+          <a:bodyPr wrap="square" rtlCol="0">
+            <a:spAutoFit/>
+          </a:bodyPr>
+          <a:lstStyle/>
+          <a:p>
+            <a:pPr marL="742950" indent="-742950">
+              <a:buAutoNum type="arabicPeriod"/>
+            </a:pPr>
+            <a:r>
+              <a:rPr lang="en-US" sz="3600" dirty="0"/>
+              <a:t>Create symbols that would cause a breakdown of the system if it is a Chinese Room.</a:t>
+            </a:r>
+          </a:p>
+          <a:p>
+            <a:pPr marL="742950" indent="-742950">
+              <a:buAutoNum type="arabicPeriod"/>
+            </a:pPr>
+            <a:r>
+              <a:rPr lang="en-US" sz="3600" dirty="0"/>
+              <a:t>Pass those symbols into the system.</a:t>
+            </a:r>
+          </a:p>
+          <a:p>
+            <a:pPr marL="742950" indent="-742950">
+              <a:buAutoNum type="arabicPeriod"/>
+            </a:pPr>
+            <a:r>
+              <a:rPr lang="en-US" sz="3600" dirty="0"/>
+              <a:t>Evaluate the quality of the symbols returned to us.</a:t>
+            </a:r>
+          </a:p>
+        </p:txBody>
+      </p:sp>
+      <p:sp>
+        <p:nvSpPr>
+          <p:cNvPr id="9" name="TextBox 8" hidden="1">
+            <a:extLst>
+              <a:ext uri="{FF2B5EF4-FFF2-40B4-BE49-F238E27FC236}">
+                <a16:creationId xmlns:a16="http://schemas.microsoft.com/office/drawing/2014/main" id="{16675A7C-A068-FF46-D6FE-81029E3D78F9}"/>
+              </a:ext>
+            </a:extLst>
+          </p:cNvPr>
+          <p:cNvSpPr txBox="1"/>
+          <p:nvPr/>
+        </p:nvSpPr>
+        <p:spPr>
+          <a:xfrm>
+            <a:off x="408100" y="1357864"/>
+            <a:ext cx="10803742" cy="830997"/>
+          </a:xfrm>
+          <a:prstGeom prst="rect">
+            <a:avLst/>
+          </a:prstGeom>
+          <a:noFill/>
+        </p:spPr>
+        <p:txBody>
+          <a:bodyPr wrap="square" rtlCol="0">
+            <a:spAutoFit/>
+          </a:bodyPr>
+          <a:lstStyle/>
+          <a:p>
+            <a:pPr algn="ctr"/>
+            <a:r>
+              <a:rPr lang="en-US" sz="4800" b="1" dirty="0"/>
+              <a:t>The Plan:</a:t>
+            </a:r>
+          </a:p>
+        </p:txBody>
+      </p:sp>
+      <p:sp>
+        <p:nvSpPr>
+          <p:cNvPr id="10" name="Title 1">
+            <a:extLst>
+              <a:ext uri="{FF2B5EF4-FFF2-40B4-BE49-F238E27FC236}">
+                <a16:creationId xmlns:a16="http://schemas.microsoft.com/office/drawing/2014/main" id="{8BF26EF4-C758-74E8-9C20-5B83DEFFDFF9}"/>
+              </a:ext>
+            </a:extLst>
+          </p:cNvPr>
+          <p:cNvSpPr txBox="1">
+            <a:spLocks/>
+          </p:cNvSpPr>
+          <p:nvPr/>
+        </p:nvSpPr>
+        <p:spPr>
+          <a:xfrm>
+            <a:off x="872400" y="1423639"/>
+            <a:ext cx="7794170" cy="1419225"/>
+          </a:xfrm>
+          <a:prstGeom prst="rect">
+            <a:avLst/>
+          </a:prstGeom>
+        </p:spPr>
+        <p:txBody>
+          <a:bodyPr vert="horz" wrap="square" lIns="0" tIns="0" rIns="0" bIns="0" rtlCol="0" anchor="t" anchorCtr="0">
+            <a:normAutofit/>
+          </a:bodyPr>
+          <a:lstStyle>
+            <a:lvl1pPr algn="l" defTabSz="914400" rtl="0" eaLnBrk="1" latinLnBrk="0" hangingPunct="1">
+              <a:lnSpc>
+                <a:spcPct val="88000"/>
+              </a:lnSpc>
+              <a:spcBef>
+                <a:spcPct val="0"/>
+              </a:spcBef>
+              <a:buNone/>
+              <a:defRPr sz="4400" kern="1200" cap="none" spc="40" baseline="0">
+                <a:solidFill>
+                  <a:schemeClr val="tx1"/>
+                </a:solidFill>
+                <a:latin typeface="+mj-lt"/>
+                <a:ea typeface="+mj-ea"/>
+                <a:cs typeface="+mj-cs"/>
+              </a:defRPr>
+            </a:lvl1pPr>
+          </a:lstStyle>
+          <a:p>
+            <a:endParaRPr lang="en-US" sz="6600" dirty="0"/>
+          </a:p>
+        </p:txBody>
+      </p:sp>
+      <p:sp>
+        <p:nvSpPr>
+          <p:cNvPr id="3" name="TextBox 2">
+            <a:extLst>
+              <a:ext uri="{FF2B5EF4-FFF2-40B4-BE49-F238E27FC236}">
+                <a16:creationId xmlns:a16="http://schemas.microsoft.com/office/drawing/2014/main" id="{D400CFB8-4DA3-15BA-64AE-F889DD7AEF75}"/>
+              </a:ext>
+            </a:extLst>
+          </p:cNvPr>
+          <p:cNvSpPr txBox="1"/>
+          <p:nvPr/>
+        </p:nvSpPr>
+        <p:spPr>
+          <a:xfrm>
+            <a:off x="872399" y="1505546"/>
+            <a:ext cx="10795725" cy="6001643"/>
+          </a:xfrm>
+          <a:prstGeom prst="rect">
+            <a:avLst/>
+          </a:prstGeom>
+          <a:noFill/>
+        </p:spPr>
+        <p:txBody>
+          <a:bodyPr wrap="square">
+            <a:spAutoFit/>
+          </a:bodyPr>
+          <a:lstStyle/>
+          <a:p>
+            <a:r>
+              <a:rPr lang="en-US" sz="3200" dirty="0"/>
+              <a:t>Successful “proof of concept”</a:t>
+            </a:r>
+          </a:p>
+          <a:p>
+            <a:endParaRPr lang="en-US" sz="3200" dirty="0"/>
+          </a:p>
+          <a:p>
+            <a:r>
+              <a:rPr lang="en-US" sz="3200" dirty="0"/>
+              <a:t>Better chat interface for humans</a:t>
+            </a:r>
+          </a:p>
+          <a:p>
+            <a:endParaRPr lang="en-US" sz="3200" dirty="0"/>
+          </a:p>
+          <a:p>
+            <a:r>
+              <a:rPr lang="en-US" sz="3200" dirty="0"/>
+              <a:t>More ratings, better ratings</a:t>
+            </a:r>
+          </a:p>
+          <a:p>
+            <a:endParaRPr lang="en-US" sz="3200" dirty="0"/>
+          </a:p>
+          <a:p>
+            <a:r>
+              <a:rPr lang="en-US" sz="3200" dirty="0"/>
+              <a:t>Better sample</a:t>
+            </a:r>
+          </a:p>
+          <a:p>
+            <a:endParaRPr lang="en-US" sz="3200" dirty="0"/>
+          </a:p>
+          <a:p>
+            <a:r>
+              <a:rPr lang="en-US" sz="3200" dirty="0"/>
+              <a:t>Individualized scale for each type of prompt – include nonsense prompts.</a:t>
+            </a:r>
+          </a:p>
+          <a:p>
+            <a:endParaRPr lang="en-US" sz="3200" dirty="0"/>
+          </a:p>
+          <a:p>
+            <a:r>
+              <a:rPr lang="en-US" sz="3200" dirty="0"/>
+              <a:t>More </a:t>
+            </a:r>
+          </a:p>
+        </p:txBody>
+      </p:sp>
+    </p:spTree>
+    <p:extLst>
+      <p:ext uri="{BB962C8B-B14F-4D97-AF65-F5344CB8AC3E}">
+        <p14:creationId xmlns:p14="http://schemas.microsoft.com/office/powerpoint/2010/main" val="3052676418"/>
+      </p:ext>
+    </p:extLst>
+  </p:cSld>
+  <p:clrMapOvr>
+    <a:masterClrMapping/>
+  </p:clrMapOvr>
+  <p:timing>
+    <p:tnLst>
+      <p:par>
+        <p:cTn id="1" dur="indefinite" restart="never" nodeType="tmRoot">
+          <p:childTnLst>
+            <p:seq concurrent="1" nextAc="seek">
+              <p:cTn id="2" dur="indefinite" nodeType="mainSeq">
+                <p:childTnLst>
+                  <p:par>
+                    <p:cTn id="3" fill="hold">
+                      <p:stCondLst>
+                        <p:cond delay="indefinite"/>
+                      </p:stCondLst>
+                      <p:childTnLst>
+                        <p:par>
+                          <p:cTn id="4" fill="hold">
+                            <p:stCondLst>
+                              <p:cond delay="0"/>
+                            </p:stCondLst>
+                            <p:childTnLst>
+                              <p:par>
+                                <p:cTn id="5" presetID="14" presetClass="entr" presetSubtype="10" fill="hold" nodeType="clickEffect">
+                                  <p:stCondLst>
+                                    <p:cond delay="0"/>
+                                  </p:stCondLst>
+                                  <p:childTnLst>
+                                    <p:set>
+                                      <p:cBhvr>
+                                        <p:cTn id="6" dur="1" fill="hold">
+                                          <p:stCondLst>
+                                            <p:cond delay="0"/>
+                                          </p:stCondLst>
+                                        </p:cTn>
+                                        <p:tgtEl>
+                                          <p:spTgt spid="7">
+                                            <p:txEl>
+                                              <p:pRg st="0" end="0"/>
+                                            </p:txEl>
+                                          </p:spTgt>
+                                        </p:tgtEl>
+                                        <p:attrNameLst>
+                                          <p:attrName>style.visibility</p:attrName>
+                                        </p:attrNameLst>
+                                      </p:cBhvr>
+                                      <p:to>
+                                        <p:strVal val="visible"/>
+                                      </p:to>
+                                    </p:set>
+                                    <p:animEffect transition="in" filter="randombar(horizontal)">
+                                      <p:cBhvr>
+                                        <p:cTn id="7" dur="500"/>
+                                        <p:tgtEl>
+                                          <p:spTgt spid="7">
+                                            <p:txEl>
+                                              <p:pRg st="0" end="0"/>
+                                            </p:txEl>
+                                          </p:spTgt>
+                                        </p:tgtEl>
+                                      </p:cBhvr>
+                                    </p:animEffect>
+                                  </p:childTnLst>
+                                </p:cTn>
+                              </p:par>
+                            </p:childTnLst>
+                          </p:cTn>
+                        </p:par>
+                      </p:childTnLst>
+                    </p:cTn>
+                  </p:par>
+                  <p:par>
+                    <p:cTn id="8" fill="hold">
+                      <p:stCondLst>
+                        <p:cond delay="indefinite"/>
+                      </p:stCondLst>
+                      <p:childTnLst>
+                        <p:par>
+                          <p:cTn id="9" fill="hold">
+                            <p:stCondLst>
+                              <p:cond delay="0"/>
+                            </p:stCondLst>
+                            <p:childTnLst>
+                              <p:par>
+                                <p:cTn id="10" presetID="14" presetClass="entr" presetSubtype="10" fill="hold" nodeType="clickEffect">
+                                  <p:stCondLst>
+                                    <p:cond delay="0"/>
+                                  </p:stCondLst>
+                                  <p:childTnLst>
+                                    <p:set>
+                                      <p:cBhvr>
+                                        <p:cTn id="11" dur="1" fill="hold">
+                                          <p:stCondLst>
+                                            <p:cond delay="0"/>
+                                          </p:stCondLst>
+                                        </p:cTn>
+                                        <p:tgtEl>
+                                          <p:spTgt spid="7">
+                                            <p:txEl>
+                                              <p:pRg st="1" end="1"/>
+                                            </p:txEl>
+                                          </p:spTgt>
+                                        </p:tgtEl>
+                                        <p:attrNameLst>
+                                          <p:attrName>style.visibility</p:attrName>
+                                        </p:attrNameLst>
+                                      </p:cBhvr>
+                                      <p:to>
+                                        <p:strVal val="visible"/>
+                                      </p:to>
+                                    </p:set>
+                                    <p:animEffect transition="in" filter="randombar(horizontal)">
+                                      <p:cBhvr>
+                                        <p:cTn id="12" dur="500"/>
+                                        <p:tgtEl>
+                                          <p:spTgt spid="7">
+                                            <p:txEl>
+                                              <p:pRg st="1" end="1"/>
+                                            </p:txEl>
+                                          </p:spTgt>
+                                        </p:tgtEl>
+                                      </p:cBhvr>
+                                    </p:animEffect>
+                                  </p:childTnLst>
+                                </p:cTn>
+                              </p:par>
+                            </p:childTnLst>
+                          </p:cTn>
+                        </p:par>
+                      </p:childTnLst>
+                    </p:cTn>
+                  </p:par>
+                  <p:par>
+                    <p:cTn id="13" fill="hold">
+                      <p:stCondLst>
+                        <p:cond delay="indefinite"/>
+                      </p:stCondLst>
+                      <p:childTnLst>
+                        <p:par>
+                          <p:cTn id="14" fill="hold">
+                            <p:stCondLst>
+                              <p:cond delay="0"/>
+                            </p:stCondLst>
+                            <p:childTnLst>
+                              <p:par>
+                                <p:cTn id="15" presetID="14" presetClass="entr" presetSubtype="10" fill="hold" nodeType="clickEffect">
+                                  <p:stCondLst>
+                                    <p:cond delay="0"/>
+                                  </p:stCondLst>
+                                  <p:childTnLst>
+                                    <p:set>
+                                      <p:cBhvr>
+                                        <p:cTn id="16" dur="1" fill="hold">
+                                          <p:stCondLst>
+                                            <p:cond delay="0"/>
+                                          </p:stCondLst>
+                                        </p:cTn>
+                                        <p:tgtEl>
+                                          <p:spTgt spid="7">
+                                            <p:txEl>
+                                              <p:pRg st="2" end="2"/>
+                                            </p:txEl>
+                                          </p:spTgt>
+                                        </p:tgtEl>
+                                        <p:attrNameLst>
+                                          <p:attrName>style.visibility</p:attrName>
+                                        </p:attrNameLst>
+                                      </p:cBhvr>
+                                      <p:to>
+                                        <p:strVal val="visible"/>
+                                      </p:to>
+                                    </p:set>
+                                    <p:animEffect transition="in" filter="randombar(horizontal)">
+                                      <p:cBhvr>
+                                        <p:cTn id="17" dur="500"/>
+                                        <p:tgtEl>
+                                          <p:spTgt spid="7">
+                                            <p:txEl>
+                                              <p:pRg st="2" end="2"/>
+                                            </p:txEl>
+                                          </p:spTgt>
+                                        </p:tgtEl>
+                                      </p:cBhvr>
+                                    </p:animEffect>
+                                  </p:childTnLst>
+                                </p:cTn>
+                              </p:par>
+                            </p:childTnLst>
+                          </p:cTn>
+                        </p:par>
+                      </p:childTnLst>
+                    </p:cTn>
+                  </p:par>
+                  <p:par>
+                    <p:cTn id="18" fill="hold">
+                      <p:stCondLst>
+                        <p:cond delay="indefinite"/>
+                      </p:stCondLst>
+                      <p:childTnLst>
+                        <p:par>
+                          <p:cTn id="19" fill="hold">
+                            <p:stCondLst>
+                              <p:cond delay="0"/>
+                            </p:stCondLst>
+                            <p:childTnLst>
+                              <p:par>
+                                <p:cTn id="20" presetID="14" presetClass="entr" presetSubtype="10" fill="hold" nodeType="clickEffect">
+                                  <p:stCondLst>
+                                    <p:cond delay="0"/>
+                                  </p:stCondLst>
+                                  <p:childTnLst>
+                                    <p:set>
+                                      <p:cBhvr>
+                                        <p:cTn id="21" dur="1" fill="hold">
+                                          <p:stCondLst>
+                                            <p:cond delay="0"/>
+                                          </p:stCondLst>
+                                        </p:cTn>
+                                        <p:tgtEl>
+                                          <p:spTgt spid="3">
+                                            <p:txEl>
+                                              <p:pRg st="0" end="0"/>
+                                            </p:txEl>
+                                          </p:spTgt>
+                                        </p:tgtEl>
+                                        <p:attrNameLst>
+                                          <p:attrName>style.visibility</p:attrName>
+                                        </p:attrNameLst>
+                                      </p:cBhvr>
+                                      <p:to>
+                                        <p:strVal val="visible"/>
+                                      </p:to>
+                                    </p:set>
+                                    <p:animEffect transition="in" filter="randombar(horizontal)">
+                                      <p:cBhvr>
+                                        <p:cTn id="22" dur="500"/>
+                                        <p:tgtEl>
+                                          <p:spTgt spid="3">
+                                            <p:txEl>
+                                              <p:pRg st="0" end="0"/>
+                                            </p:txEl>
+                                          </p:spTgt>
+                                        </p:tgtEl>
+                                      </p:cBhvr>
+                                    </p:animEffect>
+                                  </p:childTnLst>
+                                </p:cTn>
+                              </p:par>
+                            </p:childTnLst>
+                          </p:cTn>
+                        </p:par>
+                      </p:childTnLst>
+                    </p:cTn>
+                  </p:par>
+                  <p:par>
+                    <p:cTn id="23" fill="hold">
+                      <p:stCondLst>
+                        <p:cond delay="indefinite"/>
+                      </p:stCondLst>
+                      <p:childTnLst>
+                        <p:par>
+                          <p:cTn id="24" fill="hold">
+                            <p:stCondLst>
+                              <p:cond delay="0"/>
+                            </p:stCondLst>
+                            <p:childTnLst>
+                              <p:par>
+                                <p:cTn id="25" presetID="14" presetClass="entr" presetSubtype="10" fill="hold" nodeType="clickEffect">
+                                  <p:stCondLst>
+                                    <p:cond delay="0"/>
+                                  </p:stCondLst>
+                                  <p:childTnLst>
+                                    <p:set>
+                                      <p:cBhvr>
+                                        <p:cTn id="26" dur="1" fill="hold">
+                                          <p:stCondLst>
+                                            <p:cond delay="0"/>
+                                          </p:stCondLst>
+                                        </p:cTn>
+                                        <p:tgtEl>
+                                          <p:spTgt spid="3">
+                                            <p:txEl>
+                                              <p:pRg st="2" end="2"/>
+                                            </p:txEl>
+                                          </p:spTgt>
+                                        </p:tgtEl>
+                                        <p:attrNameLst>
+                                          <p:attrName>style.visibility</p:attrName>
+                                        </p:attrNameLst>
+                                      </p:cBhvr>
+                                      <p:to>
+                                        <p:strVal val="visible"/>
+                                      </p:to>
+                                    </p:set>
+                                    <p:animEffect transition="in" filter="randombar(horizontal)">
+                                      <p:cBhvr>
+                                        <p:cTn id="27" dur="500"/>
+                                        <p:tgtEl>
+                                          <p:spTgt spid="3">
+                                            <p:txEl>
+                                              <p:pRg st="2" end="2"/>
+                                            </p:txEl>
+                                          </p:spTgt>
+                                        </p:tgtEl>
+                                      </p:cBhvr>
+                                    </p:animEffect>
+                                  </p:childTnLst>
+                                </p:cTn>
+                              </p:par>
+                            </p:childTnLst>
+                          </p:cTn>
+                        </p:par>
+                      </p:childTnLst>
+                    </p:cTn>
+                  </p:par>
+                  <p:par>
+                    <p:cTn id="28" fill="hold">
+                      <p:stCondLst>
+                        <p:cond delay="indefinite"/>
+                      </p:stCondLst>
+                      <p:childTnLst>
+                        <p:par>
+                          <p:cTn id="29" fill="hold">
+                            <p:stCondLst>
+                              <p:cond delay="0"/>
+                            </p:stCondLst>
+                            <p:childTnLst>
+                              <p:par>
+                                <p:cTn id="30" presetID="14" presetClass="entr" presetSubtype="10" fill="hold" nodeType="clickEffect">
+                                  <p:stCondLst>
+                                    <p:cond delay="0"/>
+                                  </p:stCondLst>
+                                  <p:childTnLst>
+                                    <p:set>
+                                      <p:cBhvr>
+                                        <p:cTn id="31" dur="1" fill="hold">
+                                          <p:stCondLst>
+                                            <p:cond delay="0"/>
+                                          </p:stCondLst>
+                                        </p:cTn>
+                                        <p:tgtEl>
+                                          <p:spTgt spid="3">
+                                            <p:txEl>
+                                              <p:pRg st="4" end="4"/>
+                                            </p:txEl>
+                                          </p:spTgt>
+                                        </p:tgtEl>
+                                        <p:attrNameLst>
+                                          <p:attrName>style.visibility</p:attrName>
+                                        </p:attrNameLst>
+                                      </p:cBhvr>
+                                      <p:to>
+                                        <p:strVal val="visible"/>
+                                      </p:to>
+                                    </p:set>
+                                    <p:animEffect transition="in" filter="randombar(horizontal)">
+                                      <p:cBhvr>
+                                        <p:cTn id="32" dur="500"/>
+                                        <p:tgtEl>
+                                          <p:spTgt spid="3">
+                                            <p:txEl>
+                                              <p:pRg st="4" end="4"/>
+                                            </p:txEl>
+                                          </p:spTgt>
+                                        </p:tgtEl>
+                                      </p:cBhvr>
+                                    </p:animEffect>
+                                  </p:childTnLst>
+                                </p:cTn>
+                              </p:par>
+                            </p:childTnLst>
+                          </p:cTn>
+                        </p:par>
+                      </p:childTnLst>
+                    </p:cTn>
+                  </p:par>
+                  <p:par>
+                    <p:cTn id="33" fill="hold">
+                      <p:stCondLst>
+                        <p:cond delay="indefinite"/>
+                      </p:stCondLst>
+                      <p:childTnLst>
+                        <p:par>
+                          <p:cTn id="34" fill="hold">
+                            <p:stCondLst>
+                              <p:cond delay="0"/>
+                            </p:stCondLst>
+                            <p:childTnLst>
+                              <p:par>
+                                <p:cTn id="35" presetID="14" presetClass="entr" presetSubtype="10" fill="hold" nodeType="clickEffect">
+                                  <p:stCondLst>
+                                    <p:cond delay="0"/>
+                                  </p:stCondLst>
+                                  <p:childTnLst>
+                                    <p:set>
+                                      <p:cBhvr>
+                                        <p:cTn id="36" dur="1" fill="hold">
+                                          <p:stCondLst>
+                                            <p:cond delay="0"/>
+                                          </p:stCondLst>
+                                        </p:cTn>
+                                        <p:tgtEl>
+                                          <p:spTgt spid="3">
+                                            <p:txEl>
+                                              <p:pRg st="6" end="6"/>
+                                            </p:txEl>
+                                          </p:spTgt>
+                                        </p:tgtEl>
+                                        <p:attrNameLst>
+                                          <p:attrName>style.visibility</p:attrName>
+                                        </p:attrNameLst>
+                                      </p:cBhvr>
+                                      <p:to>
+                                        <p:strVal val="visible"/>
+                                      </p:to>
+                                    </p:set>
+                                    <p:animEffect transition="in" filter="randombar(horizontal)">
+                                      <p:cBhvr>
+                                        <p:cTn id="37" dur="500"/>
+                                        <p:tgtEl>
+                                          <p:spTgt spid="3">
+                                            <p:txEl>
+                                              <p:pRg st="6" end="6"/>
+                                            </p:txEl>
+                                          </p:spTgt>
+                                        </p:tgtEl>
+                                      </p:cBhvr>
+                                    </p:animEffect>
+                                  </p:childTnLst>
+                                </p:cTn>
+                              </p:par>
+                            </p:childTnLst>
+                          </p:cTn>
+                        </p:par>
+                      </p:childTnLst>
+                    </p:cTn>
+                  </p:par>
+                  <p:par>
+                    <p:cTn id="38" fill="hold">
+                      <p:stCondLst>
+                        <p:cond delay="indefinite"/>
+                      </p:stCondLst>
+                      <p:childTnLst>
+                        <p:par>
+                          <p:cTn id="39" fill="hold">
+                            <p:stCondLst>
+                              <p:cond delay="0"/>
+                            </p:stCondLst>
+                            <p:childTnLst>
+                              <p:par>
+                                <p:cTn id="40" presetID="14" presetClass="entr" presetSubtype="10" fill="hold" nodeType="clickEffect">
+                                  <p:stCondLst>
+                                    <p:cond delay="0"/>
+                                  </p:stCondLst>
+                                  <p:childTnLst>
+                                    <p:set>
+                                      <p:cBhvr>
+                                        <p:cTn id="41" dur="1" fill="hold">
+                                          <p:stCondLst>
+                                            <p:cond delay="0"/>
+                                          </p:stCondLst>
+                                        </p:cTn>
+                                        <p:tgtEl>
+                                          <p:spTgt spid="3">
+                                            <p:txEl>
+                                              <p:pRg st="8" end="8"/>
+                                            </p:txEl>
+                                          </p:spTgt>
+                                        </p:tgtEl>
+                                        <p:attrNameLst>
+                                          <p:attrName>style.visibility</p:attrName>
+                                        </p:attrNameLst>
+                                      </p:cBhvr>
+                                      <p:to>
+                                        <p:strVal val="visible"/>
+                                      </p:to>
+                                    </p:set>
+                                    <p:animEffect transition="in" filter="randombar(horizontal)">
+                                      <p:cBhvr>
+                                        <p:cTn id="42" dur="500"/>
+                                        <p:tgtEl>
+                                          <p:spTgt spid="3">
+                                            <p:txEl>
+                                              <p:pRg st="8" end="8"/>
+                                            </p:txEl>
+                                          </p:spTgt>
+                                        </p:tgtEl>
+                                      </p:cBhvr>
+                                    </p:animEffect>
+                                  </p:childTnLst>
+                                </p:cTn>
+                              </p:par>
+                            </p:childTnLst>
+                          </p:cTn>
+                        </p:par>
+                      </p:childTnLst>
+                    </p:cTn>
+                  </p:par>
+                  <p:par>
+                    <p:cTn id="43" fill="hold">
+                      <p:stCondLst>
+                        <p:cond delay="indefinite"/>
+                      </p:stCondLst>
+                      <p:childTnLst>
+                        <p:par>
+                          <p:cTn id="44" fill="hold">
+                            <p:stCondLst>
+                              <p:cond delay="0"/>
+                            </p:stCondLst>
+                            <p:childTnLst>
+                              <p:par>
+                                <p:cTn id="45" presetID="14" presetClass="entr" presetSubtype="10" fill="hold" nodeType="clickEffect">
+                                  <p:stCondLst>
+                                    <p:cond delay="0"/>
+                                  </p:stCondLst>
+                                  <p:childTnLst>
+                                    <p:set>
+                                      <p:cBhvr>
+                                        <p:cTn id="46" dur="1" fill="hold">
+                                          <p:stCondLst>
+                                            <p:cond delay="0"/>
+                                          </p:stCondLst>
+                                        </p:cTn>
+                                        <p:tgtEl>
+                                          <p:spTgt spid="3">
+                                            <p:txEl>
+                                              <p:pRg st="10" end="10"/>
+                                            </p:txEl>
+                                          </p:spTgt>
+                                        </p:tgtEl>
+                                        <p:attrNameLst>
+                                          <p:attrName>style.visibility</p:attrName>
+                                        </p:attrNameLst>
+                                      </p:cBhvr>
+                                      <p:to>
+                                        <p:strVal val="visible"/>
+                                      </p:to>
+                                    </p:set>
+                                    <p:animEffect transition="in" filter="randombar(horizontal)">
+                                      <p:cBhvr>
+                                        <p:cTn id="47" dur="500"/>
+                                        <p:tgtEl>
+                                          <p:spTgt spid="3">
+                                            <p:txEl>
+                                              <p:pRg st="10" end="10"/>
+                                            </p:txEl>
+                                          </p:spTgt>
+                                        </p:tgtEl>
+                                      </p:cBhvr>
+                                    </p:animEffect>
+                                  </p:childTnLst>
+                                </p:cTn>
+                              </p:par>
+                            </p:childTnLst>
+                          </p:cTn>
+                        </p:par>
+                      </p:childTnLst>
+                    </p:cTn>
+                  </p:par>
+                </p:childTnLst>
+              </p:cTn>
+              <p:prevCondLst>
+                <p:cond evt="onPrev" delay="0">
+                  <p:tgtEl>
+                    <p:sldTgt/>
+                  </p:tgtEl>
+                </p:cond>
+              </p:prevCondLst>
+              <p:nextCondLst>
+                <p:cond evt="onNext" delay="0">
+                  <p:tgtEl>
+                    <p:sldTgt/>
+                  </p:tgtEl>
+                </p:cond>
+              </p:nextCondLst>
+            </p:seq>
+          </p:childTnLst>
+        </p:cTn>
+      </p:par>
+    </p:tnLst>
+  </p:timing>
+</p:sld>
+</file>
+
+<file path=ppt/slides/slide35.xml><?xml version="1.0" encoding="utf-8"?>
+<p:sld xmlns:a="http://schemas.openxmlformats.org/drawingml/2006/main" xmlns:r="http://schemas.openxmlformats.org/officeDocument/2006/relationships" xmlns:p="http://schemas.openxmlformats.org/presentationml/2006/main">
+  <p:cSld>
+    <p:spTree>
+      <p:nvGrpSpPr>
+        <p:cNvPr id="1" name=""/>
+        <p:cNvGrpSpPr/>
+        <p:nvPr/>
+      </p:nvGrpSpPr>
+      <p:grpSpPr>
+        <a:xfrm>
+          <a:off x="0" y="0"/>
+          <a:ext cx="0" cy="0"/>
+          <a:chOff x="0" y="0"/>
+          <a:chExt cx="0" cy="0"/>
+        </a:xfrm>
+      </p:grpSpPr>
+      <p:sp>
+        <p:nvSpPr>
+          <p:cNvPr id="2" name="Title 1">
+            <a:extLst>
+              <a:ext uri="{FF2B5EF4-FFF2-40B4-BE49-F238E27FC236}">
+                <a16:creationId xmlns:a16="http://schemas.microsoft.com/office/drawing/2014/main" id="{B675DBAE-AE2F-E1B6-2D16-309C12E16AA7}"/>
+              </a:ext>
+            </a:extLst>
+          </p:cNvPr>
+          <p:cNvSpPr>
+            <a:spLocks noGrp="1"/>
+          </p:cNvSpPr>
+          <p:nvPr>
+            <p:ph type="ctrTitle"/>
+          </p:nvPr>
+        </p:nvSpPr>
+        <p:spPr>
+          <a:xfrm>
+            <a:off x="2188030" y="484479"/>
+            <a:ext cx="7794170" cy="2944521"/>
+          </a:xfrm>
+        </p:spPr>
+        <p:txBody>
+          <a:bodyPr/>
+          <a:lstStyle/>
+          <a:p>
+            <a:r>
+              <a:rPr lang="en-US" dirty="0"/>
+              <a:t>Works cited</a:t>
+            </a:r>
+          </a:p>
+        </p:txBody>
+      </p:sp>
+      <p:sp>
+        <p:nvSpPr>
+          <p:cNvPr id="3" name="Subtitle 2">
+            <a:extLst>
+              <a:ext uri="{FF2B5EF4-FFF2-40B4-BE49-F238E27FC236}">
+                <a16:creationId xmlns:a16="http://schemas.microsoft.com/office/drawing/2014/main" id="{7E11EBEB-EDCD-0CE3-C86C-4E318207B2F8}"/>
+              </a:ext>
+            </a:extLst>
+          </p:cNvPr>
+          <p:cNvSpPr>
+            <a:spLocks noGrp="1"/>
+          </p:cNvSpPr>
+          <p:nvPr>
+            <p:ph type="subTitle" idx="1"/>
+          </p:nvPr>
+        </p:nvSpPr>
+        <p:spPr/>
+        <p:txBody>
+          <a:bodyPr/>
+          <a:lstStyle/>
+          <a:p>
+            <a:endParaRPr lang="en-US" dirty="0"/>
+          </a:p>
+        </p:txBody>
+      </p:sp>
+    </p:spTree>
+    <p:extLst>
+      <p:ext uri="{BB962C8B-B14F-4D97-AF65-F5344CB8AC3E}">
         <p14:creationId xmlns:p14="http://schemas.microsoft.com/office/powerpoint/2010/main" val="947525453"/>
       </p:ext>
     </p:extLst>
@@ -32704,7 +33416,7 @@
 </p:sld>
 </file>
 
-<file path=ppt/slides/slide35.xml><?xml version="1.0" encoding="utf-8"?>
+<file path=ppt/slides/slide36.xml><?xml version="1.0" encoding="utf-8"?>
 <p:sld xmlns:a="http://schemas.openxmlformats.org/drawingml/2006/main" xmlns:r="http://schemas.openxmlformats.org/officeDocument/2006/relationships" xmlns:p="http://schemas.openxmlformats.org/presentationml/2006/main">
   <p:cSld>
     <p:spTree>

--- a/Causing Confusion in The Chinese Room.pptx
+++ b/Causing Confusion in The Chinese Room.pptx
@@ -153,7 +153,7 @@
 <file path=ppt/revisionInfo.xml><?xml version="1.0" encoding="utf-8"?>
 <p1510:revInfo xmlns:a="http://schemas.openxmlformats.org/drawingml/2006/main" xmlns:r="http://schemas.openxmlformats.org/officeDocument/2006/relationships" xmlns:p1510="http://schemas.microsoft.com/office/powerpoint/2015/10/main">
   <p1510:revLst>
-    <p1510:client id="{3482D43A-F9E6-4372-80EF-8F2C5B4A56E6}" v="2224" dt="2024-08-06T22:35:15.729"/>
+    <p1510:client id="{3482D43A-F9E6-4372-80EF-8F2C5B4A56E6}" v="2392" dt="2024-08-07T00:53:34.826"/>
   </p1510:revLst>
 </p1510:revInfo>
 </file>
@@ -163,7 +163,7 @@
   <pc:docChgLst>
     <pc:chgData name="Nick Speelman" userId="be53a9c7-f211-4f5d-8a48-53fc06072468" providerId="ADAL" clId="{3482D43A-F9E6-4372-80EF-8F2C5B4A56E6}"/>
     <pc:docChg chg="undo custSel addSld delSld modSld sldOrd">
-      <pc:chgData name="Nick Speelman" userId="be53a9c7-f211-4f5d-8a48-53fc06072468" providerId="ADAL" clId="{3482D43A-F9E6-4372-80EF-8F2C5B4A56E6}" dt="2024-08-06T22:35:43.356" v="4766" actId="1076"/>
+      <pc:chgData name="Nick Speelman" userId="be53a9c7-f211-4f5d-8a48-53fc06072468" providerId="ADAL" clId="{3482D43A-F9E6-4372-80EF-8F2C5B4A56E6}" dt="2024-08-07T01:24:46.169" v="5000" actId="20577"/>
       <pc:docMkLst>
         <pc:docMk/>
       </pc:docMkLst>
@@ -182,7 +182,21 @@
         </pc:sldMkLst>
       </pc:sldChg>
       <pc:sldChg chg="modNotesTx">
-        <pc:chgData name="Nick Speelman" userId="be53a9c7-f211-4f5d-8a48-53fc06072468" providerId="ADAL" clId="{3482D43A-F9E6-4372-80EF-8F2C5B4A56E6}" dt="2024-08-06T20:39:47.307" v="2527" actId="20577"/>
+        <pc:chgData name="Nick Speelman" userId="be53a9c7-f211-4f5d-8a48-53fc06072468" providerId="ADAL" clId="{3482D43A-F9E6-4372-80EF-8F2C5B4A56E6}" dt="2024-08-07T01:24:46.169" v="5000" actId="20577"/>
+        <pc:sldMkLst>
+          <pc:docMk/>
+          <pc:sldMk cId="643338680" sldId="260"/>
+        </pc:sldMkLst>
+      </pc:sldChg>
+      <pc:sldChg chg="add del">
+        <pc:chgData name="Nick Speelman" userId="be53a9c7-f211-4f5d-8a48-53fc06072468" providerId="ADAL" clId="{3482D43A-F9E6-4372-80EF-8F2C5B4A56E6}" dt="2024-08-07T00:18:52.782" v="4772" actId="47"/>
+        <pc:sldMkLst>
+          <pc:docMk/>
+          <pc:sldMk cId="1545823891" sldId="261"/>
+        </pc:sldMkLst>
+      </pc:sldChg>
+      <pc:sldChg chg="modNotesTx">
+        <pc:chgData name="Nick Speelman" userId="be53a9c7-f211-4f5d-8a48-53fc06072468" providerId="ADAL" clId="{3482D43A-F9E6-4372-80EF-8F2C5B4A56E6}" dt="2024-08-07T01:20:39.588" v="4960" actId="20577"/>
         <pc:sldMkLst>
           <pc:docMk/>
           <pc:sldMk cId="292658640" sldId="264"/>
@@ -202,8 +216,23 @@
           <pc:sldMk cId="3764760180" sldId="268"/>
         </pc:sldMkLst>
       </pc:sldChg>
-      <pc:sldChg chg="modSp mod modNotesTx">
-        <pc:chgData name="Nick Speelman" userId="be53a9c7-f211-4f5d-8a48-53fc06072468" providerId="ADAL" clId="{3482D43A-F9E6-4372-80EF-8F2C5B4A56E6}" dt="2024-08-06T20:45:09.272" v="3207" actId="20577"/>
+      <pc:sldChg chg="modSp add del">
+        <pc:chgData name="Nick Speelman" userId="be53a9c7-f211-4f5d-8a48-53fc06072468" providerId="ADAL" clId="{3482D43A-F9E6-4372-80EF-8F2C5B4A56E6}" dt="2024-08-07T00:20:03.240" v="4774" actId="33524"/>
+        <pc:sldMkLst>
+          <pc:docMk/>
+          <pc:sldMk cId="2840712891" sldId="270"/>
+        </pc:sldMkLst>
+        <pc:spChg chg="mod">
+          <ac:chgData name="Nick Speelman" userId="be53a9c7-f211-4f5d-8a48-53fc06072468" providerId="ADAL" clId="{3482D43A-F9E6-4372-80EF-8F2C5B4A56E6}" dt="2024-08-07T00:20:03.240" v="4774" actId="33524"/>
+          <ac:spMkLst>
+            <pc:docMk/>
+            <pc:sldMk cId="2840712891" sldId="270"/>
+            <ac:spMk id="2" creationId="{DC74D170-4FBB-A716-D9B8-652F1265C3E1}"/>
+          </ac:spMkLst>
+        </pc:spChg>
+      </pc:sldChg>
+      <pc:sldChg chg="modSp add del mod modNotesTx">
+        <pc:chgData name="Nick Speelman" userId="be53a9c7-f211-4f5d-8a48-53fc06072468" providerId="ADAL" clId="{3482D43A-F9E6-4372-80EF-8F2C5B4A56E6}" dt="2024-08-07T00:18:48.935" v="4770" actId="47"/>
         <pc:sldMkLst>
           <pc:docMk/>
           <pc:sldMk cId="3681119920" sldId="271"/>
@@ -263,14 +292,22 @@
           </ac:spMkLst>
         </pc:spChg>
       </pc:sldChg>
-      <pc:sldChg chg="modSp modNotesTx">
-        <pc:chgData name="Nick Speelman" userId="be53a9c7-f211-4f5d-8a48-53fc06072468" providerId="ADAL" clId="{3482D43A-F9E6-4372-80EF-8F2C5B4A56E6}" dt="2024-08-06T21:48:57.626" v="4751" actId="20577"/>
+      <pc:sldChg chg="addSp modSp mod modAnim modNotesTx">
+        <pc:chgData name="Nick Speelman" userId="be53a9c7-f211-4f5d-8a48-53fc06072468" providerId="ADAL" clId="{3482D43A-F9E6-4372-80EF-8F2C5B4A56E6}" dt="2024-08-07T00:39:58.790" v="4896" actId="255"/>
         <pc:sldMkLst>
           <pc:docMk/>
           <pc:sldMk cId="2444292967" sldId="275"/>
         </pc:sldMkLst>
+        <pc:spChg chg="add mod">
+          <ac:chgData name="Nick Speelman" userId="be53a9c7-f211-4f5d-8a48-53fc06072468" providerId="ADAL" clId="{3482D43A-F9E6-4372-80EF-8F2C5B4A56E6}" dt="2024-08-07T00:39:58.790" v="4896" actId="255"/>
+          <ac:spMkLst>
+            <pc:docMk/>
+            <pc:sldMk cId="2444292967" sldId="275"/>
+            <ac:spMk id="2" creationId="{858DB8BF-AE50-A8AD-8590-E8053E707A6E}"/>
+          </ac:spMkLst>
+        </pc:spChg>
         <pc:spChg chg="mod">
-          <ac:chgData name="Nick Speelman" userId="be53a9c7-f211-4f5d-8a48-53fc06072468" providerId="ADAL" clId="{3482D43A-F9E6-4372-80EF-8F2C5B4A56E6}" dt="2024-08-06T19:29:38.463" v="142" actId="20577"/>
+          <ac:chgData name="Nick Speelman" userId="be53a9c7-f211-4f5d-8a48-53fc06072468" providerId="ADAL" clId="{3482D43A-F9E6-4372-80EF-8F2C5B4A56E6}" dt="2024-08-07T00:38:15.654" v="4775" actId="21"/>
           <ac:spMkLst>
             <pc:docMk/>
             <pc:sldMk cId="2444292967" sldId="275"/>
@@ -289,6 +326,21 @@
           <ac:spMkLst>
             <pc:docMk/>
             <pc:sldMk cId="77261263" sldId="276"/>
+            <ac:spMk id="5" creationId="{D52F5335-6BA7-04EC-9FF0-ABF24D77ABAD}"/>
+          </ac:spMkLst>
+        </pc:spChg>
+      </pc:sldChg>
+      <pc:sldChg chg="modSp">
+        <pc:chgData name="Nick Speelman" userId="be53a9c7-f211-4f5d-8a48-53fc06072468" providerId="ADAL" clId="{3482D43A-F9E6-4372-80EF-8F2C5B4A56E6}" dt="2024-08-07T00:41:39.158" v="4909" actId="20577"/>
+        <pc:sldMkLst>
+          <pc:docMk/>
+          <pc:sldMk cId="3329445343" sldId="277"/>
+        </pc:sldMkLst>
+        <pc:spChg chg="mod">
+          <ac:chgData name="Nick Speelman" userId="be53a9c7-f211-4f5d-8a48-53fc06072468" providerId="ADAL" clId="{3482D43A-F9E6-4372-80EF-8F2C5B4A56E6}" dt="2024-08-07T00:41:39.158" v="4909" actId="20577"/>
+          <ac:spMkLst>
+            <pc:docMk/>
+            <pc:sldMk cId="3329445343" sldId="277"/>
             <ac:spMk id="5" creationId="{D52F5335-6BA7-04EC-9FF0-ABF24D77ABAD}"/>
           </ac:spMkLst>
         </pc:spChg>
@@ -410,13 +462,13 @@
         </pc:spChg>
       </pc:sldChg>
       <pc:sldChg chg="modSp add modAnim">
-        <pc:chgData name="Nick Speelman" userId="be53a9c7-f211-4f5d-8a48-53fc06072468" providerId="ADAL" clId="{3482D43A-F9E6-4372-80EF-8F2C5B4A56E6}" dt="2024-08-06T19:59:57.835" v="732" actId="255"/>
+        <pc:chgData name="Nick Speelman" userId="be53a9c7-f211-4f5d-8a48-53fc06072468" providerId="ADAL" clId="{3482D43A-F9E6-4372-80EF-8F2C5B4A56E6}" dt="2024-08-07T00:47:24.941" v="4928" actId="255"/>
         <pc:sldMkLst>
           <pc:docMk/>
           <pc:sldMk cId="253603109" sldId="282"/>
         </pc:sldMkLst>
         <pc:spChg chg="mod">
-          <ac:chgData name="Nick Speelman" userId="be53a9c7-f211-4f5d-8a48-53fc06072468" providerId="ADAL" clId="{3482D43A-F9E6-4372-80EF-8F2C5B4A56E6}" dt="2024-08-06T19:59:57.835" v="732" actId="255"/>
+          <ac:chgData name="Nick Speelman" userId="be53a9c7-f211-4f5d-8a48-53fc06072468" providerId="ADAL" clId="{3482D43A-F9E6-4372-80EF-8F2C5B4A56E6}" dt="2024-08-07T00:47:24.941" v="4928" actId="255"/>
           <ac:spMkLst>
             <pc:docMk/>
             <pc:sldMk cId="253603109" sldId="282"/>
@@ -425,13 +477,13 @@
         </pc:spChg>
       </pc:sldChg>
       <pc:sldChg chg="addSp delSp modSp add mod delAnim modAnim">
-        <pc:chgData name="Nick Speelman" userId="be53a9c7-f211-4f5d-8a48-53fc06072468" providerId="ADAL" clId="{3482D43A-F9E6-4372-80EF-8F2C5B4A56E6}" dt="2024-08-06T20:03:59.325" v="993"/>
+        <pc:chgData name="Nick Speelman" userId="be53a9c7-f211-4f5d-8a48-53fc06072468" providerId="ADAL" clId="{3482D43A-F9E6-4372-80EF-8F2C5B4A56E6}" dt="2024-08-07T00:48:11.745" v="4935" actId="20577"/>
         <pc:sldMkLst>
           <pc:docMk/>
           <pc:sldMk cId="1533836298" sldId="283"/>
         </pc:sldMkLst>
         <pc:spChg chg="add mod">
-          <ac:chgData name="Nick Speelman" userId="be53a9c7-f211-4f5d-8a48-53fc06072468" providerId="ADAL" clId="{3482D43A-F9E6-4372-80EF-8F2C5B4A56E6}" dt="2024-08-06T20:03:34.463" v="989" actId="255"/>
+          <ac:chgData name="Nick Speelman" userId="be53a9c7-f211-4f5d-8a48-53fc06072468" providerId="ADAL" clId="{3482D43A-F9E6-4372-80EF-8F2C5B4A56E6}" dt="2024-08-07T00:48:11.745" v="4935" actId="20577"/>
           <ac:spMkLst>
             <pc:docMk/>
             <pc:sldMk cId="1533836298" sldId="283"/>
@@ -579,13 +631,13 @@
         </pc:spChg>
       </pc:sldChg>
       <pc:sldChg chg="modSp add modAnim">
-        <pc:chgData name="Nick Speelman" userId="be53a9c7-f211-4f5d-8a48-53fc06072468" providerId="ADAL" clId="{3482D43A-F9E6-4372-80EF-8F2C5B4A56E6}" dt="2024-08-06T20:29:30.872" v="1992"/>
+        <pc:chgData name="Nick Speelman" userId="be53a9c7-f211-4f5d-8a48-53fc06072468" providerId="ADAL" clId="{3482D43A-F9E6-4372-80EF-8F2C5B4A56E6}" dt="2024-08-07T00:53:34.826" v="4944" actId="20577"/>
         <pc:sldMkLst>
           <pc:docMk/>
           <pc:sldMk cId="3824399417" sldId="289"/>
         </pc:sldMkLst>
         <pc:spChg chg="mod">
-          <ac:chgData name="Nick Speelman" userId="be53a9c7-f211-4f5d-8a48-53fc06072468" providerId="ADAL" clId="{3482D43A-F9E6-4372-80EF-8F2C5B4A56E6}" dt="2024-08-06T20:29:19.058" v="1989" actId="255"/>
+          <ac:chgData name="Nick Speelman" userId="be53a9c7-f211-4f5d-8a48-53fc06072468" providerId="ADAL" clId="{3482D43A-F9E6-4372-80EF-8F2C5B4A56E6}" dt="2024-08-07T00:53:34.826" v="4944" actId="20577"/>
           <ac:spMkLst>
             <pc:docMk/>
             <pc:sldMk cId="3824399417" sldId="289"/>
@@ -2450,6 +2502,93 @@
           <a:p>
             <a:r>
               <a:rPr lang="en-US" dirty="0"/>
+              <a:t>I’ve tried to get a lot of scores in the hopes that the wisdom of crowds would approximate an objective pass/fail</a:t>
+            </a:r>
+          </a:p>
+        </p:txBody>
+      </p:sp>
+      <p:sp>
+        <p:nvSpPr>
+          <p:cNvPr id="4" name="Slide Number Placeholder 3"/>
+          <p:cNvSpPr>
+            <a:spLocks noGrp="1"/>
+          </p:cNvSpPr>
+          <p:nvPr>
+            <p:ph type="sldNum" sz="quarter" idx="5"/>
+          </p:nvPr>
+        </p:nvSpPr>
+        <p:spPr/>
+        <p:txBody>
+          <a:bodyPr/>
+          <a:lstStyle/>
+          <a:p>
+            <a:fld id="{3E71ED60-034F-453E-A170-8B332E4706A7}" type="slidenum">
+              <a:rPr lang="en-US" smtClean="0"/>
+              <a:t>18</a:t>
+            </a:fld>
+            <a:endParaRPr lang="en-US"/>
+          </a:p>
+        </p:txBody>
+      </p:sp>
+    </p:spTree>
+    <p:extLst>
+      <p:ext uri="{BB962C8B-B14F-4D97-AF65-F5344CB8AC3E}">
+        <p14:creationId xmlns:p14="http://schemas.microsoft.com/office/powerpoint/2010/main" val="2088953230"/>
+      </p:ext>
+    </p:extLst>
+  </p:cSld>
+  <p:clrMapOvr>
+    <a:masterClrMapping/>
+  </p:clrMapOvr>
+</p:notes>
+</file>
+
+<file path=ppt/notesSlides/notesSlide11.xml><?xml version="1.0" encoding="utf-8"?>
+<p:notes xmlns:a="http://schemas.openxmlformats.org/drawingml/2006/main" xmlns:r="http://schemas.openxmlformats.org/officeDocument/2006/relationships" xmlns:p="http://schemas.openxmlformats.org/presentationml/2006/main">
+  <p:cSld>
+    <p:spTree>
+      <p:nvGrpSpPr>
+        <p:cNvPr id="1" name=""/>
+        <p:cNvGrpSpPr/>
+        <p:nvPr/>
+      </p:nvGrpSpPr>
+      <p:grpSpPr>
+        <a:xfrm>
+          <a:off x="0" y="0"/>
+          <a:ext cx="0" cy="0"/>
+          <a:chOff x="0" y="0"/>
+          <a:chExt cx="0" cy="0"/>
+        </a:xfrm>
+      </p:grpSpPr>
+      <p:sp>
+        <p:nvSpPr>
+          <p:cNvPr id="2" name="Slide Image Placeholder 1"/>
+          <p:cNvSpPr>
+            <a:spLocks noGrp="1" noRot="1" noChangeAspect="1"/>
+          </p:cNvSpPr>
+          <p:nvPr>
+            <p:ph type="sldImg"/>
+          </p:nvPr>
+        </p:nvSpPr>
+        <p:spPr/>
+      </p:sp>
+      <p:sp>
+        <p:nvSpPr>
+          <p:cNvPr id="3" name="Notes Placeholder 2"/>
+          <p:cNvSpPr>
+            <a:spLocks noGrp="1"/>
+          </p:cNvSpPr>
+          <p:nvPr>
+            <p:ph type="body" idx="1"/>
+          </p:nvPr>
+        </p:nvSpPr>
+        <p:spPr/>
+        <p:txBody>
+          <a:bodyPr/>
+          <a:lstStyle/>
+          <a:p>
+            <a:r>
+              <a:rPr lang="en-US" dirty="0"/>
               <a:t>The scale on which the responses were rated</a:t>
             </a:r>
           </a:p>
@@ -2630,7 +2769,7 @@
           <a:p>
             <a:r>
               <a:rPr lang="en-US" dirty="0"/>
-              <a:t>GPT – 4 scored 50%</a:t>
+              <a:t>UC Sand Diego GPT – 4 scored 50%</a:t>
             </a:r>
           </a:p>
           <a:p>
@@ -2821,68 +2960,7 @@
           <a:p>
             <a:r>
               <a:rPr lang="en-US" dirty="0"/>
-              <a:t>There is a man who speaks English but no Chinese in a room.</a:t>
-            </a:r>
-          </a:p>
-          <a:p>
-            <a:r>
-              <a:rPr lang="en-US" dirty="0"/>
-              <a:t>Inside the room is a box of notes written in Chinese</a:t>
-            </a:r>
-          </a:p>
-          <a:p>
-            <a:r>
-              <a:rPr lang="en-US" dirty="0"/>
-              <a:t>And an instruction manual written in </a:t>
-            </a:r>
-            <a:r>
-              <a:rPr lang="en-US" dirty="0" err="1"/>
-              <a:t>ENglish</a:t>
-            </a:r>
-            <a:endParaRPr lang="en-US" dirty="0"/>
-          </a:p>
-          <a:p>
-            <a:r>
-              <a:rPr lang="en-US" dirty="0"/>
-              <a:t>Outside the room is a woman who speaks Chinese</a:t>
-            </a:r>
-          </a:p>
-          <a:p>
-            <a:r>
-              <a:rPr lang="en-US" dirty="0"/>
-              <a:t>She slides a </a:t>
-            </a:r>
-            <a:r>
-              <a:rPr lang="en-US" dirty="0" err="1"/>
-              <a:t>notein</a:t>
-            </a:r>
-            <a:r>
-              <a:rPr lang="en-US" dirty="0"/>
-              <a:t> Chinese  under the door into the room</a:t>
-            </a:r>
-          </a:p>
-          <a:p>
-            <a:r>
-              <a:rPr lang="en-US" dirty="0"/>
-              <a:t>The man looks up the note in his instruction manual</a:t>
-            </a:r>
-          </a:p>
-          <a:p>
-            <a:r>
-              <a:rPr lang="en-US" dirty="0"/>
-              <a:t>Then finds the note it told him to find in the box of notes</a:t>
-            </a:r>
-          </a:p>
-          <a:p>
-            <a:r>
-              <a:rPr lang="en-US" dirty="0"/>
-              <a:t>He passes that note back under the door</a:t>
-            </a:r>
-          </a:p>
-          <a:p>
-            <a:r>
-              <a:rPr lang="en-US" dirty="0"/>
-              <a:t>The woman reads the note, it makes sense and she assumes there must be someone who speaks Chinese inside the room </a:t>
+              <a:t>I’m going to try to get into that today</a:t>
             </a:r>
           </a:p>
         </p:txBody>
@@ -2904,7 +2982,7 @@
           <a:p>
             <a:fld id="{3E71ED60-034F-453E-A170-8B332E4706A7}" type="slidenum">
               <a:rPr lang="en-US" smtClean="0"/>
-              <a:t>10</a:t>
+              <a:t>7</a:t>
             </a:fld>
             <a:endParaRPr lang="en-US"/>
           </a:p>
@@ -2913,7 +2991,7 @@
     </p:spTree>
     <p:extLst>
       <p:ext uri="{BB962C8B-B14F-4D97-AF65-F5344CB8AC3E}">
-        <p14:creationId xmlns:p14="http://schemas.microsoft.com/office/powerpoint/2010/main" val="1463396321"/>
+        <p14:creationId xmlns:p14="http://schemas.microsoft.com/office/powerpoint/2010/main" val="3601606740"/>
       </p:ext>
     </p:extLst>
   </p:cSld>
@@ -2969,43 +3047,68 @@
           <a:p>
             <a:r>
               <a:rPr lang="en-US" dirty="0"/>
-              <a:t>Systems Reply – The man is just the CPU; the room as whole does “understand”</a:t>
-            </a:r>
-          </a:p>
-          <a:p>
+              <a:t>There is a man who speaks English but no Chinese in a room.</a:t>
+            </a:r>
+          </a:p>
+          <a:p>
+            <a:r>
+              <a:rPr lang="en-US" dirty="0"/>
+              <a:t>Inside the room is a box of notes written in Chinese</a:t>
+            </a:r>
+          </a:p>
+          <a:p>
+            <a:r>
+              <a:rPr lang="en-US" dirty="0"/>
+              <a:t>And an instruction manual written in </a:t>
+            </a:r>
+            <a:r>
+              <a:rPr lang="en-US" dirty="0" err="1"/>
+              <a:t>ENglish</a:t>
+            </a:r>
             <a:endParaRPr lang="en-US" dirty="0"/>
           </a:p>
           <a:p>
             <a:r>
               <a:rPr lang="en-US" dirty="0"/>
-              <a:t>Robot Reply – Understanding is a result of embodiment, embedding an AI within a body may give rise to understanding</a:t>
-            </a:r>
-          </a:p>
-          <a:p>
-            <a:endParaRPr lang="en-US" dirty="0"/>
+              <a:t>Outside the room is a woman who speaks Chinese</a:t>
+            </a:r>
           </a:p>
           <a:p>
             <a:r>
               <a:rPr lang="en-US" dirty="0"/>
-              <a:t>Brain Simulator Reply – If we simulate a brain, couldn’t that brain understand Chinese?</a:t>
-            </a:r>
-          </a:p>
-          <a:p>
-            <a:endParaRPr lang="en-US" dirty="0"/>
-          </a:p>
-          <a:p>
+              <a:t>She slides a </a:t>
+            </a:r>
+            <a:r>
+              <a:rPr lang="en-US" dirty="0" err="1"/>
+              <a:t>notein</a:t>
+            </a:r>
             <a:r>
               <a:rPr lang="en-US" dirty="0"/>
-              <a:t>Other Minds – How can you know anyone actually understands Chinese</a:t>
-            </a:r>
-          </a:p>
-          <a:p>
-            <a:endParaRPr lang="en-US" dirty="0"/>
+              <a:t> Chinese  under the door into the room</a:t>
+            </a:r>
           </a:p>
           <a:p>
             <a:r>
               <a:rPr lang="en-US" dirty="0"/>
-              <a:t>Intuition Reply – The idea that some things can think and some things can’t is based entirely on intuition, no real evidence</a:t>
+              <a:t>The man looks up the note in his instruction manual</a:t>
+            </a:r>
+          </a:p>
+          <a:p>
+            <a:r>
+              <a:rPr lang="en-US" dirty="0"/>
+              <a:t>Then finds the note it told him to find in the box of notes</a:t>
+            </a:r>
+          </a:p>
+          <a:p>
+            <a:r>
+              <a:rPr lang="en-US" dirty="0"/>
+              <a:t>He passes that note back under the door</a:t>
+            </a:r>
+          </a:p>
+          <a:p>
+            <a:r>
+              <a:rPr lang="en-US" dirty="0"/>
+              <a:t>The woman reads the note, it makes sense and she assumes there must be someone who speaks Chinese inside the room </a:t>
             </a:r>
           </a:p>
         </p:txBody>
@@ -3027,7 +3130,7 @@
           <a:p>
             <a:fld id="{3E71ED60-034F-453E-A170-8B332E4706A7}" type="slidenum">
               <a:rPr lang="en-US" smtClean="0"/>
-              <a:t>12</a:t>
+              <a:t>10</a:t>
             </a:fld>
             <a:endParaRPr lang="en-US"/>
           </a:p>
@@ -3036,7 +3139,7 @@
     </p:spTree>
     <p:extLst>
       <p:ext uri="{BB962C8B-B14F-4D97-AF65-F5344CB8AC3E}">
-        <p14:creationId xmlns:p14="http://schemas.microsoft.com/office/powerpoint/2010/main" val="977024395"/>
+        <p14:creationId xmlns:p14="http://schemas.microsoft.com/office/powerpoint/2010/main" val="1463396321"/>
       </p:ext>
     </p:extLst>
   </p:cSld>
@@ -3092,7 +3195,7 @@
           <a:p>
             <a:r>
               <a:rPr lang="en-US" dirty="0"/>
-              <a:t>Searle claims that the formal version of the CRA has never been addressed</a:t>
+              <a:t>Systems Reply – The man is just the CPU; the room as whole does “understand”</a:t>
             </a:r>
           </a:p>
           <a:p>
@@ -3101,7 +3204,7 @@
           <a:p>
             <a:r>
               <a:rPr lang="en-US" dirty="0"/>
-              <a:t>But I think #3 is far from self evident</a:t>
+              <a:t>Robot Reply – Understanding is a result of embodiment, embedding an AI within a body may give rise to understanding</a:t>
             </a:r>
           </a:p>
           <a:p>
@@ -3110,7 +3213,25 @@
           <a:p>
             <a:r>
               <a:rPr lang="en-US" dirty="0"/>
-              <a:t>How do we know understanding can’t arise from pure syntax? </a:t>
+              <a:t>Brain Simulator Reply – If we simulate a brain, couldn’t that brain understand Chinese?</a:t>
+            </a:r>
+          </a:p>
+          <a:p>
+            <a:endParaRPr lang="en-US" dirty="0"/>
+          </a:p>
+          <a:p>
+            <a:r>
+              <a:rPr lang="en-US" dirty="0"/>
+              <a:t>Other Minds – How can you know anyone actually understands Chinese</a:t>
+            </a:r>
+          </a:p>
+          <a:p>
+            <a:endParaRPr lang="en-US" dirty="0"/>
+          </a:p>
+          <a:p>
+            <a:r>
+              <a:rPr lang="en-US" dirty="0"/>
+              <a:t>Intuition Reply – The idea that some things can think and some things can’t is based entirely on intuition, no real evidence</a:t>
             </a:r>
           </a:p>
         </p:txBody>
@@ -3132,7 +3253,7 @@
           <a:p>
             <a:fld id="{3E71ED60-034F-453E-A170-8B332E4706A7}" type="slidenum">
               <a:rPr lang="en-US" smtClean="0"/>
-              <a:t>13</a:t>
+              <a:t>12</a:t>
             </a:fld>
             <a:endParaRPr lang="en-US"/>
           </a:p>
@@ -3141,7 +3262,7 @@
     </p:spTree>
     <p:extLst>
       <p:ext uri="{BB962C8B-B14F-4D97-AF65-F5344CB8AC3E}">
-        <p14:creationId xmlns:p14="http://schemas.microsoft.com/office/powerpoint/2010/main" val="3283837592"/>
+        <p14:creationId xmlns:p14="http://schemas.microsoft.com/office/powerpoint/2010/main" val="977024395"/>
       </p:ext>
     </p:extLst>
   </p:cSld>
@@ -3197,7 +3318,7 @@
           <a:p>
             <a:r>
               <a:rPr lang="en-US" dirty="0"/>
-              <a:t>The are just extremely sophisticated statistical models that mimic human speech</a:t>
+              <a:t>Searle claims that the formal version of the CRA has never been addressed</a:t>
             </a:r>
           </a:p>
           <a:p>
@@ -3206,29 +3327,16 @@
           <a:p>
             <a:r>
               <a:rPr lang="en-US" dirty="0"/>
-              <a:t>A study where they asked Google’s BERT LLM to make logical inferences found that it made the correct inference 77% of the time</a:t>
-            </a:r>
+              <a:t>But I think #3 is far from self evident</a:t>
+            </a:r>
+          </a:p>
+          <a:p>
+            <a:endParaRPr lang="en-US" dirty="0"/>
           </a:p>
           <a:p>
             <a:r>
               <a:rPr lang="en-US" dirty="0"/>
-              <a:t>But when the finessed the prompts to remove simple </a:t>
-            </a:r>
-            <a:r>
-              <a:rPr lang="en-US" dirty="0" err="1"/>
-              <a:t>syntactice</a:t>
-            </a:r>
-            <a:r>
-              <a:rPr lang="en-US" dirty="0"/>
-              <a:t> clues like negating claims, </a:t>
-            </a:r>
-            <a:r>
-              <a:rPr lang="en-US" dirty="0" err="1"/>
-              <a:t>accuracty</a:t>
-            </a:r>
-            <a:r>
-              <a:rPr lang="en-US" dirty="0"/>
-              <a:t> dropped to 77%</a:t>
+              <a:t>How do we know understanding can’t arise from pure syntax? </a:t>
             </a:r>
           </a:p>
         </p:txBody>
@@ -3250,7 +3358,7 @@
           <a:p>
             <a:fld id="{3E71ED60-034F-453E-A170-8B332E4706A7}" type="slidenum">
               <a:rPr lang="en-US" smtClean="0"/>
-              <a:t>14</a:t>
+              <a:t>13</a:t>
             </a:fld>
             <a:endParaRPr lang="en-US"/>
           </a:p>
@@ -3259,7 +3367,7 @@
     </p:spTree>
     <p:extLst>
       <p:ext uri="{BB962C8B-B14F-4D97-AF65-F5344CB8AC3E}">
-        <p14:creationId xmlns:p14="http://schemas.microsoft.com/office/powerpoint/2010/main" val="1194160605"/>
+        <p14:creationId xmlns:p14="http://schemas.microsoft.com/office/powerpoint/2010/main" val="3283837592"/>
       </p:ext>
     </p:extLst>
   </p:cSld>
@@ -3315,7 +3423,38 @@
           <a:p>
             <a:r>
               <a:rPr lang="en-US" dirty="0"/>
-              <a:t>I’ve tried to get a lot of scores in the hopes that the wisdom of crowds would approximate an objective pass/fail</a:t>
+              <a:t>The are just extremely sophisticated statistical models that mimic human speech</a:t>
+            </a:r>
+          </a:p>
+          <a:p>
+            <a:endParaRPr lang="en-US" dirty="0"/>
+          </a:p>
+          <a:p>
+            <a:r>
+              <a:rPr lang="en-US" dirty="0"/>
+              <a:t>A study where they asked Google’s BERT LLM to make logical inferences found that it made the correct inference 77% of the time</a:t>
+            </a:r>
+          </a:p>
+          <a:p>
+            <a:r>
+              <a:rPr lang="en-US" dirty="0"/>
+              <a:t>But when the finessed the prompts to remove simple </a:t>
+            </a:r>
+            <a:r>
+              <a:rPr lang="en-US" dirty="0" err="1"/>
+              <a:t>syntactice</a:t>
+            </a:r>
+            <a:r>
+              <a:rPr lang="en-US" dirty="0"/>
+              <a:t> clues like negating claims, </a:t>
+            </a:r>
+            <a:r>
+              <a:rPr lang="en-US" dirty="0" err="1"/>
+              <a:t>accuracty</a:t>
+            </a:r>
+            <a:r>
+              <a:rPr lang="en-US" dirty="0"/>
+              <a:t> dropped to 77%</a:t>
             </a:r>
           </a:p>
         </p:txBody>
@@ -3337,7 +3476,7 @@
           <a:p>
             <a:fld id="{3E71ED60-034F-453E-A170-8B332E4706A7}" type="slidenum">
               <a:rPr lang="en-US" smtClean="0"/>
-              <a:t>18</a:t>
+              <a:t>14</a:t>
             </a:fld>
             <a:endParaRPr lang="en-US"/>
           </a:p>
@@ -3346,7 +3485,7 @@
     </p:spTree>
     <p:extLst>
       <p:ext uri="{BB962C8B-B14F-4D97-AF65-F5344CB8AC3E}">
-        <p14:creationId xmlns:p14="http://schemas.microsoft.com/office/powerpoint/2010/main" val="2088953230"/>
+        <p14:creationId xmlns:p14="http://schemas.microsoft.com/office/powerpoint/2010/main" val="1194160605"/>
       </p:ext>
     </p:extLst>
   </p:cSld>
@@ -16863,7 +17002,7 @@
         <p:spPr>
           <a:xfrm>
             <a:off x="872400" y="1815525"/>
-            <a:ext cx="10728322" cy="5016758"/>
+            <a:ext cx="10728322" cy="4524315"/>
           </a:xfrm>
           <a:prstGeom prst="rect">
             <a:avLst/>
@@ -16939,10 +17078,7 @@
               <a:buFont typeface="Wingdings" panose="05000000000000000000" pitchFamily="2" charset="2"/>
               <a:buChar char="Ø"/>
             </a:pPr>
-            <a:r>
-              <a:rPr lang="en-US" sz="3200" dirty="0"/>
-              <a:t>Not a simple, clear test</a:t>
-            </a:r>
+            <a:endParaRPr lang="en-US" sz="2800" dirty="0"/>
           </a:p>
           <a:p>
             <a:pPr marL="914400" lvl="1" indent="-457200">
@@ -16951,12 +17087,44 @@
             </a:pPr>
             <a:endParaRPr lang="en-US" sz="2800" dirty="0"/>
           </a:p>
-          <a:p>
-            <a:pPr marL="914400" lvl="1" indent="-457200">
+        </p:txBody>
+      </p:sp>
+      <p:sp>
+        <p:nvSpPr>
+          <p:cNvPr id="2" name="TextBox 1">
+            <a:extLst>
+              <a:ext uri="{FF2B5EF4-FFF2-40B4-BE49-F238E27FC236}">
+                <a16:creationId xmlns:a16="http://schemas.microsoft.com/office/drawing/2014/main" id="{858DB8BF-AE50-A8AD-8590-E8053E707A6E}"/>
+              </a:ext>
+            </a:extLst>
+          </p:cNvPr>
+          <p:cNvSpPr txBox="1"/>
+          <p:nvPr/>
+        </p:nvSpPr>
+        <p:spPr>
+          <a:xfrm>
+            <a:off x="872400" y="5378514"/>
+            <a:ext cx="10728322" cy="584775"/>
+          </a:xfrm>
+          <a:prstGeom prst="rect">
+            <a:avLst/>
+          </a:prstGeom>
+          <a:noFill/>
+        </p:spPr>
+        <p:txBody>
+          <a:bodyPr wrap="square" rtlCol="0">
+            <a:spAutoFit/>
+          </a:bodyPr>
+          <a:lstStyle/>
+          <a:p>
+            <a:pPr marL="571500" indent="-571500">
               <a:buFont typeface="Wingdings" panose="05000000000000000000" pitchFamily="2" charset="2"/>
               <a:buChar char="Ø"/>
             </a:pPr>
-            <a:endParaRPr lang="en-US" sz="2800" dirty="0"/>
+            <a:r>
+              <a:rPr lang="en-US" sz="3200" dirty="0"/>
+              <a:t>Not a simple, clear test</a:t>
+            </a:r>
           </a:p>
         </p:txBody>
       </p:sp>
@@ -17553,9 +17721,9 @@
                                           </p:stCondLst>
                                         </p:cTn>
                                         <p:tgtEl>
-                                          <p:spTgt spid="5">
-                                            <p:txEl>
-                                              <p:pRg st="7" end="7"/>
+                                          <p:spTgt spid="2">
+                                            <p:txEl>
+                                              <p:pRg st="0" end="0"/>
                                             </p:txEl>
                                           </p:spTgt>
                                         </p:tgtEl>
@@ -17571,9 +17739,9 @@
                                       <p:cBhvr>
                                         <p:cTn id="52" dur="500"/>
                                         <p:tgtEl>
-                                          <p:spTgt spid="5">
-                                            <p:txEl>
-                                              <p:pRg st="7" end="7"/>
+                                          <p:spTgt spid="2">
+                                            <p:txEl>
+                                              <p:pRg st="0" end="0"/>
                                             </p:txEl>
                                           </p:spTgt>
                                         </p:tgtEl>
@@ -19327,7 +19495,7 @@
           <a:p>
             <a:r>
               <a:rPr lang="en-US" sz="4000" dirty="0"/>
-              <a:t>AI Thesis:</a:t>
+              <a:t>Strong AI Thesis:</a:t>
             </a:r>
           </a:p>
           <a:p>
@@ -24406,7 +24574,7 @@
         <p:spPr>
           <a:xfrm>
             <a:off x="872400" y="1566514"/>
-            <a:ext cx="10728322" cy="3231654"/>
+            <a:ext cx="10728322" cy="3539430"/>
           </a:xfrm>
           <a:prstGeom prst="rect">
             <a:avLst/>
@@ -24428,7 +24596,13 @@
             </a:r>
           </a:p>
           <a:p>
-            <a:endParaRPr lang="en-US" sz="3600" dirty="0"/>
+            <a:endParaRPr lang="en-US" sz="2800" dirty="0"/>
+          </a:p>
+          <a:p>
+            <a:r>
+              <a:rPr lang="en-US" sz="2800" dirty="0"/>
+              <a:t>Available at: https://github.com/nickspeelman/CRA_bot</a:t>
+            </a:r>
           </a:p>
         </p:txBody>
       </p:sp>
@@ -24731,6 +24905,67 @@
                                           <p:spTgt spid="5">
                                             <p:txEl>
                                               <p:pRg st="0" end="0"/>
+                                            </p:txEl>
+                                          </p:spTgt>
+                                        </p:tgtEl>
+                                      </p:cBhvr>
+                                    </p:animEffect>
+                                  </p:childTnLst>
+                                </p:cTn>
+                              </p:par>
+                            </p:childTnLst>
+                          </p:cTn>
+                        </p:par>
+                      </p:childTnLst>
+                    </p:cTn>
+                  </p:par>
+                  <p:par>
+                    <p:cTn id="23" fill="hold">
+                      <p:stCondLst>
+                        <p:cond delay="indefinite"/>
+                      </p:stCondLst>
+                      <p:childTnLst>
+                        <p:par>
+                          <p:cTn id="24" fill="hold">
+                            <p:stCondLst>
+                              <p:cond delay="0"/>
+                            </p:stCondLst>
+                            <p:childTnLst>
+                              <p:par>
+                                <p:cTn id="25" presetID="14" presetClass="entr" presetSubtype="10" fill="hold" nodeType="clickEffect">
+                                  <p:stCondLst>
+                                    <p:cond delay="0"/>
+                                  </p:stCondLst>
+                                  <p:childTnLst>
+                                    <p:set>
+                                      <p:cBhvr>
+                                        <p:cTn id="26" dur="1" fill="hold">
+                                          <p:stCondLst>
+                                            <p:cond delay="0"/>
+                                          </p:stCondLst>
+                                        </p:cTn>
+                                        <p:tgtEl>
+                                          <p:spTgt spid="5">
+                                            <p:txEl>
+                                              <p:pRg st="2" end="2"/>
+                                            </p:txEl>
+                                          </p:spTgt>
+                                        </p:tgtEl>
+                                        <p:attrNameLst>
+                                          <p:attrName>style.visibility</p:attrName>
+                                        </p:attrNameLst>
+                                      </p:cBhvr>
+                                      <p:to>
+                                        <p:strVal val="visible"/>
+                                      </p:to>
+                                    </p:set>
+                                    <p:animEffect transition="in" filter="randombar(horizontal)">
+                                      <p:cBhvr>
+                                        <p:cTn id="27" dur="500"/>
+                                        <p:tgtEl>
+                                          <p:spTgt spid="5">
+                                            <p:txEl>
+                                              <p:pRg st="2" end="2"/>
                                             </p:txEl>
                                           </p:spTgt>
                                         </p:tgtEl>
@@ -25271,7 +25506,7 @@
           <a:p>
             <a:r>
               <a:rPr lang="en-US" sz="2800" dirty="0"/>
-              <a:t>AI Thesis:</a:t>
+              <a:t>Strong AI Thesis:</a:t>
             </a:r>
           </a:p>
           <a:p>
@@ -31640,7 +31875,7 @@
             </a:br>
             <a:r>
               <a:rPr lang="en-US" sz="2400" dirty="0"/>
-              <a:t>For the bots “understanding” is a  an act of finding meaning in a linguistic sense.</a:t>
+              <a:t>For the bots “understanding” is an act of finding meaning in a linguistic sense.</a:t>
             </a:r>
           </a:p>
         </p:txBody>
@@ -38341,7 +38576,7 @@
           <a:p>
             <a:r>
               <a:rPr lang="en-US" sz="3600" dirty="0"/>
-              <a:t>		Minds are essentially computational 			machines, therefore minds can arise in		any computational machine. (Rescorla)</a:t>
+              <a:t>		Minds are essentially computational 			machines; therefore, minds can arise in		any computational machine. (Rescorla)</a:t>
             </a:r>
           </a:p>
         </p:txBody>
